--- a/slides/day1_slides.pptx
+++ b/slides/day1_slides.pptx
@@ -55,7 +55,7 @@
     <p:sldId id="338" r:id="rId46"/>
     <p:sldId id="340" r:id="rId47"/>
     <p:sldId id="341" r:id="rId48"/>
-    <p:sldId id="270" r:id="rId49"/>
+    <p:sldId id="376" r:id="rId49"/>
     <p:sldId id="342" r:id="rId50"/>
     <p:sldId id="343" r:id="rId51"/>
     <p:sldId id="344" r:id="rId52"/>
@@ -39334,118 +39334,41 @@
             <p:ph type="title"/>
           </p:nvPr>
         </p:nvSpPr>
-        <p:spPr/>
+        <p:spPr>
+          <a:xfrm>
+            <a:off x="457200" y="993157"/>
+            <a:ext cx="8229600" cy="2855273"/>
+          </a:xfrm>
+        </p:spPr>
         <p:txBody>
-          <a:bodyPr/>
+          <a:bodyPr>
+            <a:normAutofit/>
+          </a:bodyPr>
           <a:lstStyle/>
           <a:p>
             <a:pPr marL="0" lvl="0" indent="0">
               <a:buNone/>
             </a:pPr>
             <a:r>
-              <a:t>(Dicussion) Interpret outcomes</a:t>
-            </a:r>
-          </a:p>
-        </p:txBody>
-      </p:sp>
-      <p:sp>
-        <p:nvSpPr>
-          <p:cNvPr id="3" name="Content Placeholder 2"/>
-          <p:cNvSpPr>
-            <a:spLocks noGrp="1"/>
-          </p:cNvSpPr>
-          <p:nvPr>
-            <p:ph idx="1"/>
-          </p:nvPr>
-        </p:nvSpPr>
-        <p:spPr/>
-        <p:txBody>
-          <a:bodyPr>
-            <a:normAutofit fontScale="77500" lnSpcReduction="20000"/>
-          </a:bodyPr>
-          <a:lstStyle/>
-          <a:p>
-            <a:pPr marL="0" lvl="0" indent="0">
-              <a:buNone/>
-            </a:pPr>
-            <a:r>
-              <a:t>Discussion questions:</a:t>
-            </a:r>
-          </a:p>
-          <a:p>
-            <a:pPr marL="342900" lvl="0" indent="-342900">
-              <a:buAutoNum type="arabicPeriod"/>
-            </a:pPr>
-            <a:r>
-              <a:t>Each group describe their outcomes</a:t>
-            </a:r>
-          </a:p>
-          <a:p>
-            <a:pPr marL="342900" lvl="0" indent="-342900">
-              <a:buAutoNum type="arabicPeriod"/>
-            </a:pPr>
-            <a:r>
-              <a:t>Did each simulation come out the same?</a:t>
-            </a:r>
-          </a:p>
-          <a:p>
-            <a:pPr marL="342900" lvl="0" indent="-342900">
-              <a:buAutoNum type="arabicPeriod"/>
-            </a:pPr>
-            <a:r>
-              <a:t>Do we see unique mapping of M, Nu to Hill numbers? What relationships do we see?</a:t>
-            </a:r>
-          </a:p>
-          <a:p>
-            <a:pPr marL="342900" lvl="0" indent="-342900">
-              <a:buAutoNum type="arabicPeriod"/>
-            </a:pPr>
-            <a:r>
-              <a:t>How long did it take to run?</a:t>
-            </a:r>
-          </a:p>
-          <a:p>
-            <a:pPr marL="0" lvl="0" indent="0">
-              <a:buNone/>
-            </a:pPr>
-            <a:r>
-              <a:t>Key points:</a:t>
-            </a:r>
-          </a:p>
-          <a:p>
-            <a:pPr marL="342900" lvl="0" indent="-342900">
-              <a:buAutoNum type="arabicPeriod"/>
-            </a:pPr>
-            <a:r>
-              <a:t>Individual simulations come out differently, but the overall behaviors are consistent.</a:t>
-            </a:r>
-          </a:p>
-          <a:p>
-            <a:pPr marL="342900" lvl="0" indent="-342900">
-              <a:buAutoNum type="arabicPeriod"/>
-            </a:pPr>
-            <a:r>
-              <a:t>A single outcome variable (e.g. hill0) can come about from multiple combinations of parameters.</a:t>
-            </a:r>
-          </a:p>
-          <a:p>
-            <a:pPr marL="342900" lvl="0" indent="-342900">
-              <a:buAutoNum type="arabicPeriod"/>
-            </a:pPr>
-            <a:r>
-              <a:t>Running lots of models as a for loop is </a:t>
-            </a:r>
-            <a:r>
-              <a:rPr i="1"/>
-              <a:t>slow</a:t>
-            </a:r>
-            <a:r>
-              <a:t>!</a:t>
-            </a:r>
+              <a:rPr lang="en-US" dirty="0"/>
+              <a:t>How did that go?</a:t>
+            </a:r>
+            <a:br>
+              <a:rPr lang="en-US" dirty="0"/>
+            </a:br>
+            <a:br>
+              <a:rPr lang="en-US" dirty="0"/>
+            </a:br>
+            <a:endParaRPr dirty="0"/>
           </a:p>
         </p:txBody>
       </p:sp>
     </p:spTree>
+    <p:extLst>
+      <p:ext uri="{BB962C8B-B14F-4D97-AF65-F5344CB8AC3E}">
+        <p14:creationId xmlns:p14="http://schemas.microsoft.com/office/powerpoint/2010/main" val="1865085559"/>
+      </p:ext>
+    </p:extLst>
   </p:cSld>
   <p:clrMapOvr>
     <a:masterClrMapping/>
@@ -45017,7 +44940,7 @@
         <p:spPr>
           <a:xfrm>
             <a:off x="604299" y="1572113"/>
-            <a:ext cx="7935401" cy="2308324"/>
+            <a:ext cx="8082501" cy="2585323"/>
           </a:xfrm>
           <a:prstGeom prst="rect">
             <a:avLst/>
@@ -45598,6 +45521,107 @@
                 <a:latin typeface="Courier"/>
               </a:rPr>
               <a:t>m_rf_model</a:t>
+            </a:r>
+            <a:r>
+              <a:rPr lang="en-US" dirty="0">
+                <a:solidFill>
+                  <a:srgbClr val="003B4F"/>
+                </a:solidFill>
+                <a:latin typeface="Courier"/>
+              </a:rPr>
+              <a:t>, </a:t>
+            </a:r>
+            <a:r>
+              <a:rPr lang="en-US" dirty="0" err="1">
+                <a:solidFill>
+                  <a:srgbClr val="657422"/>
+                </a:solidFill>
+                <a:latin typeface="Courier"/>
+              </a:rPr>
+              <a:t>newdata</a:t>
+            </a:r>
+            <a:r>
+              <a:rPr lang="en-US" dirty="0">
+                <a:solidFill>
+                  <a:srgbClr val="657422"/>
+                </a:solidFill>
+                <a:latin typeface="Courier"/>
+              </a:rPr>
+              <a:t> =</a:t>
+            </a:r>
+            <a:r>
+              <a:rPr lang="en-US" dirty="0">
+                <a:solidFill>
+                  <a:srgbClr val="003B4F"/>
+                </a:solidFill>
+                <a:latin typeface="Courier"/>
+              </a:rPr>
+              <a:t> </a:t>
+            </a:r>
+            <a:r>
+              <a:rPr lang="en-US" dirty="0" err="1">
+                <a:solidFill>
+                  <a:srgbClr val="003B4F"/>
+                </a:solidFill>
+                <a:latin typeface="Courier"/>
+              </a:rPr>
+              <a:t>new_hills</a:t>
+            </a:r>
+            <a:r>
+              <a:rPr lang="en-US" dirty="0">
+                <a:solidFill>
+                  <a:srgbClr val="003B4F"/>
+                </a:solidFill>
+                <a:latin typeface="Courier"/>
+              </a:rPr>
+              <a:t>)</a:t>
+            </a:r>
+          </a:p>
+          <a:p>
+            <a:r>
+              <a:rPr lang="en-US" dirty="0" err="1">
+                <a:solidFill>
+                  <a:srgbClr val="003B4F"/>
+                </a:solidFill>
+                <a:latin typeface="Courier"/>
+              </a:rPr>
+              <a:t>predicted_Nu</a:t>
+            </a:r>
+            <a:r>
+              <a:rPr lang="en-US" dirty="0">
+                <a:solidFill>
+                  <a:srgbClr val="003B4F"/>
+                </a:solidFill>
+                <a:latin typeface="Courier"/>
+              </a:rPr>
+              <a:t> &lt;- </a:t>
+            </a:r>
+            <a:r>
+              <a:rPr lang="en-US" dirty="0">
+                <a:solidFill>
+                  <a:srgbClr val="4758AB"/>
+                </a:solidFill>
+                <a:latin typeface="Courier"/>
+              </a:rPr>
+              <a:t>predict</a:t>
+            </a:r>
+            <a:r>
+              <a:rPr lang="en-US" dirty="0">
+                <a:solidFill>
+                  <a:srgbClr val="003B4F"/>
+                </a:solidFill>
+                <a:latin typeface="Courier"/>
+              </a:rPr>
+              <a:t>(</a:t>
+            </a:r>
+            <a:r>
+              <a:rPr lang="en-US" dirty="0" err="1">
+                <a:solidFill>
+                  <a:srgbClr val="003B4F"/>
+                </a:solidFill>
+                <a:latin typeface="Courier"/>
+              </a:rPr>
+              <a:t>nu_rf_model</a:t>
             </a:r>
             <a:r>
               <a:rPr lang="en-US" dirty="0">

--- a/slides/day1_slides.pptx
+++ b/slides/day1_slides.pptx
@@ -5,85 +5,86 @@
     <p:sldMasterId id="2147483648" r:id="rId1"/>
   </p:sldMasterIdLst>
   <p:notesMasterIdLst>
-    <p:notesMasterId r:id="rId78"/>
+    <p:notesMasterId r:id="rId79"/>
   </p:notesMasterIdLst>
   <p:sldIdLst>
     <p:sldId id="256" r:id="rId2"/>
-    <p:sldId id="257" r:id="rId3"/>
-    <p:sldId id="278" r:id="rId4"/>
-    <p:sldId id="258" r:id="rId5"/>
-    <p:sldId id="282" r:id="rId6"/>
-    <p:sldId id="280" r:id="rId7"/>
-    <p:sldId id="281" r:id="rId8"/>
-    <p:sldId id="283" r:id="rId9"/>
-    <p:sldId id="284" r:id="rId10"/>
-    <p:sldId id="285" r:id="rId11"/>
-    <p:sldId id="286" r:id="rId12"/>
-    <p:sldId id="287" r:id="rId13"/>
-    <p:sldId id="260" r:id="rId14"/>
-    <p:sldId id="288" r:id="rId15"/>
-    <p:sldId id="289" r:id="rId16"/>
-    <p:sldId id="290" r:id="rId17"/>
-    <p:sldId id="294" r:id="rId18"/>
-    <p:sldId id="293" r:id="rId19"/>
-    <p:sldId id="295" r:id="rId20"/>
-    <p:sldId id="300" r:id="rId21"/>
-    <p:sldId id="330" r:id="rId22"/>
-    <p:sldId id="331" r:id="rId23"/>
-    <p:sldId id="332" r:id="rId24"/>
-    <p:sldId id="333" r:id="rId25"/>
-    <p:sldId id="314" r:id="rId26"/>
-    <p:sldId id="315" r:id="rId27"/>
-    <p:sldId id="316" r:id="rId28"/>
-    <p:sldId id="317" r:id="rId29"/>
-    <p:sldId id="318" r:id="rId30"/>
-    <p:sldId id="320" r:id="rId31"/>
-    <p:sldId id="321" r:id="rId32"/>
-    <p:sldId id="323" r:id="rId33"/>
-    <p:sldId id="324" r:id="rId34"/>
-    <p:sldId id="325" r:id="rId35"/>
-    <p:sldId id="334" r:id="rId36"/>
-    <p:sldId id="304" r:id="rId37"/>
-    <p:sldId id="327" r:id="rId38"/>
-    <p:sldId id="297" r:id="rId39"/>
-    <p:sldId id="328" r:id="rId40"/>
-    <p:sldId id="262" r:id="rId41"/>
-    <p:sldId id="329" r:id="rId42"/>
-    <p:sldId id="335" r:id="rId43"/>
-    <p:sldId id="336" r:id="rId44"/>
-    <p:sldId id="337" r:id="rId45"/>
-    <p:sldId id="338" r:id="rId46"/>
-    <p:sldId id="340" r:id="rId47"/>
-    <p:sldId id="341" r:id="rId48"/>
-    <p:sldId id="376" r:id="rId49"/>
-    <p:sldId id="342" r:id="rId50"/>
-    <p:sldId id="343" r:id="rId51"/>
-    <p:sldId id="344" r:id="rId52"/>
-    <p:sldId id="347" r:id="rId53"/>
-    <p:sldId id="348" r:id="rId54"/>
-    <p:sldId id="345" r:id="rId55"/>
-    <p:sldId id="349" r:id="rId56"/>
-    <p:sldId id="350" r:id="rId57"/>
-    <p:sldId id="351" r:id="rId58"/>
-    <p:sldId id="352" r:id="rId59"/>
-    <p:sldId id="362" r:id="rId60"/>
-    <p:sldId id="363" r:id="rId61"/>
-    <p:sldId id="261" r:id="rId62"/>
-    <p:sldId id="355" r:id="rId63"/>
-    <p:sldId id="364" r:id="rId64"/>
-    <p:sldId id="365" r:id="rId65"/>
-    <p:sldId id="373" r:id="rId66"/>
-    <p:sldId id="374" r:id="rId67"/>
-    <p:sldId id="372" r:id="rId68"/>
-    <p:sldId id="366" r:id="rId69"/>
-    <p:sldId id="368" r:id="rId70"/>
-    <p:sldId id="375" r:id="rId71"/>
-    <p:sldId id="369" r:id="rId72"/>
-    <p:sldId id="370" r:id="rId73"/>
-    <p:sldId id="371" r:id="rId74"/>
-    <p:sldId id="359" r:id="rId75"/>
-    <p:sldId id="360" r:id="rId76"/>
-    <p:sldId id="361" r:id="rId77"/>
+    <p:sldId id="377" r:id="rId3"/>
+    <p:sldId id="257" r:id="rId4"/>
+    <p:sldId id="278" r:id="rId5"/>
+    <p:sldId id="258" r:id="rId6"/>
+    <p:sldId id="282" r:id="rId7"/>
+    <p:sldId id="280" r:id="rId8"/>
+    <p:sldId id="281" r:id="rId9"/>
+    <p:sldId id="283" r:id="rId10"/>
+    <p:sldId id="284" r:id="rId11"/>
+    <p:sldId id="285" r:id="rId12"/>
+    <p:sldId id="286" r:id="rId13"/>
+    <p:sldId id="287" r:id="rId14"/>
+    <p:sldId id="260" r:id="rId15"/>
+    <p:sldId id="288" r:id="rId16"/>
+    <p:sldId id="289" r:id="rId17"/>
+    <p:sldId id="290" r:id="rId18"/>
+    <p:sldId id="294" r:id="rId19"/>
+    <p:sldId id="293" r:id="rId20"/>
+    <p:sldId id="295" r:id="rId21"/>
+    <p:sldId id="300" r:id="rId22"/>
+    <p:sldId id="330" r:id="rId23"/>
+    <p:sldId id="331" r:id="rId24"/>
+    <p:sldId id="332" r:id="rId25"/>
+    <p:sldId id="333" r:id="rId26"/>
+    <p:sldId id="314" r:id="rId27"/>
+    <p:sldId id="315" r:id="rId28"/>
+    <p:sldId id="316" r:id="rId29"/>
+    <p:sldId id="317" r:id="rId30"/>
+    <p:sldId id="318" r:id="rId31"/>
+    <p:sldId id="320" r:id="rId32"/>
+    <p:sldId id="321" r:id="rId33"/>
+    <p:sldId id="323" r:id="rId34"/>
+    <p:sldId id="324" r:id="rId35"/>
+    <p:sldId id="325" r:id="rId36"/>
+    <p:sldId id="334" r:id="rId37"/>
+    <p:sldId id="304" r:id="rId38"/>
+    <p:sldId id="327" r:id="rId39"/>
+    <p:sldId id="297" r:id="rId40"/>
+    <p:sldId id="328" r:id="rId41"/>
+    <p:sldId id="262" r:id="rId42"/>
+    <p:sldId id="329" r:id="rId43"/>
+    <p:sldId id="335" r:id="rId44"/>
+    <p:sldId id="336" r:id="rId45"/>
+    <p:sldId id="337" r:id="rId46"/>
+    <p:sldId id="338" r:id="rId47"/>
+    <p:sldId id="340" r:id="rId48"/>
+    <p:sldId id="341" r:id="rId49"/>
+    <p:sldId id="376" r:id="rId50"/>
+    <p:sldId id="342" r:id="rId51"/>
+    <p:sldId id="343" r:id="rId52"/>
+    <p:sldId id="344" r:id="rId53"/>
+    <p:sldId id="347" r:id="rId54"/>
+    <p:sldId id="348" r:id="rId55"/>
+    <p:sldId id="345" r:id="rId56"/>
+    <p:sldId id="349" r:id="rId57"/>
+    <p:sldId id="350" r:id="rId58"/>
+    <p:sldId id="351" r:id="rId59"/>
+    <p:sldId id="352" r:id="rId60"/>
+    <p:sldId id="362" r:id="rId61"/>
+    <p:sldId id="363" r:id="rId62"/>
+    <p:sldId id="261" r:id="rId63"/>
+    <p:sldId id="355" r:id="rId64"/>
+    <p:sldId id="364" r:id="rId65"/>
+    <p:sldId id="365" r:id="rId66"/>
+    <p:sldId id="373" r:id="rId67"/>
+    <p:sldId id="374" r:id="rId68"/>
+    <p:sldId id="372" r:id="rId69"/>
+    <p:sldId id="366" r:id="rId70"/>
+    <p:sldId id="368" r:id="rId71"/>
+    <p:sldId id="375" r:id="rId72"/>
+    <p:sldId id="369" r:id="rId73"/>
+    <p:sldId id="370" r:id="rId74"/>
+    <p:sldId id="371" r:id="rId75"/>
+    <p:sldId id="359" r:id="rId76"/>
+    <p:sldId id="360" r:id="rId77"/>
+    <p:sldId id="361" r:id="rId78"/>
   </p:sldIdLst>
   <p:sldSz cx="9144000" cy="5143500" type="screen16x9"/>
   <p:notesSz cx="6858000" cy="9144000"/>
@@ -283,7 +284,7 @@
           <a:p>
             <a:fld id="{AD83FA78-DD4F-EC49-A182-670E744C8689}" type="datetimeFigureOut">
               <a:rPr lang="en-US" smtClean="0"/>
-              <a:t>6/14/23</a:t>
+              <a:t>6/16/23</a:t>
             </a:fld>
             <a:endParaRPr lang="en-US"/>
           </a:p>
@@ -618,7 +619,7 @@
           <a:p>
             <a:fld id="{E10EBED7-1EF1-4C42-B0B2-021CD49BE19A}" type="slidenum">
               <a:rPr lang="en-US" smtClean="0"/>
-              <a:t>4</a:t>
+              <a:t>5</a:t>
             </a:fld>
             <a:endParaRPr lang="en-US"/>
           </a:p>
@@ -702,7 +703,7 @@
           <a:p>
             <a:fld id="{E10EBED7-1EF1-4C42-B0B2-021CD49BE19A}" type="slidenum">
               <a:rPr lang="en-US" smtClean="0"/>
-              <a:t>25</a:t>
+              <a:t>26</a:t>
             </a:fld>
             <a:endParaRPr lang="en-US"/>
           </a:p>
@@ -786,7 +787,7 @@
           <a:p>
             <a:fld id="{E10EBED7-1EF1-4C42-B0B2-021CD49BE19A}" type="slidenum">
               <a:rPr lang="en-US" smtClean="0"/>
-              <a:t>26</a:t>
+              <a:t>27</a:t>
             </a:fld>
             <a:endParaRPr lang="en-US"/>
           </a:p>
@@ -870,7 +871,7 @@
           <a:p>
             <a:fld id="{E10EBED7-1EF1-4C42-B0B2-021CD49BE19A}" type="slidenum">
               <a:rPr lang="en-US" smtClean="0"/>
-              <a:t>27</a:t>
+              <a:t>28</a:t>
             </a:fld>
             <a:endParaRPr lang="en-US"/>
           </a:p>
@@ -954,7 +955,7 @@
           <a:p>
             <a:fld id="{E10EBED7-1EF1-4C42-B0B2-021CD49BE19A}" type="slidenum">
               <a:rPr lang="en-US" smtClean="0"/>
-              <a:t>28</a:t>
+              <a:t>29</a:t>
             </a:fld>
             <a:endParaRPr lang="en-US"/>
           </a:p>
@@ -1038,7 +1039,7 @@
           <a:p>
             <a:fld id="{E10EBED7-1EF1-4C42-B0B2-021CD49BE19A}" type="slidenum">
               <a:rPr lang="en-US" smtClean="0"/>
-              <a:t>29</a:t>
+              <a:t>30</a:t>
             </a:fld>
             <a:endParaRPr lang="en-US"/>
           </a:p>
@@ -1122,7 +1123,7 @@
           <a:p>
             <a:fld id="{E10EBED7-1EF1-4C42-B0B2-021CD49BE19A}" type="slidenum">
               <a:rPr lang="en-US" smtClean="0"/>
-              <a:t>30</a:t>
+              <a:t>31</a:t>
             </a:fld>
             <a:endParaRPr lang="en-US"/>
           </a:p>
@@ -1206,7 +1207,7 @@
           <a:p>
             <a:fld id="{E10EBED7-1EF1-4C42-B0B2-021CD49BE19A}" type="slidenum">
               <a:rPr lang="en-US" smtClean="0"/>
-              <a:t>31</a:t>
+              <a:t>32</a:t>
             </a:fld>
             <a:endParaRPr lang="en-US"/>
           </a:p>
@@ -1290,7 +1291,7 @@
           <a:p>
             <a:fld id="{E10EBED7-1EF1-4C42-B0B2-021CD49BE19A}" type="slidenum">
               <a:rPr lang="en-US" smtClean="0"/>
-              <a:t>32</a:t>
+              <a:t>33</a:t>
             </a:fld>
             <a:endParaRPr lang="en-US"/>
           </a:p>
@@ -1374,7 +1375,7 @@
           <a:p>
             <a:fld id="{E10EBED7-1EF1-4C42-B0B2-021CD49BE19A}" type="slidenum">
               <a:rPr lang="en-US" smtClean="0"/>
-              <a:t>33</a:t>
+              <a:t>34</a:t>
             </a:fld>
             <a:endParaRPr lang="en-US"/>
           </a:p>
@@ -1458,7 +1459,7 @@
           <a:p>
             <a:fld id="{E10EBED7-1EF1-4C42-B0B2-021CD49BE19A}" type="slidenum">
               <a:rPr lang="en-US" smtClean="0"/>
-              <a:t>34</a:t>
+              <a:t>35</a:t>
             </a:fld>
             <a:endParaRPr lang="en-US"/>
           </a:p>
@@ -1542,7 +1543,7 @@
           <a:p>
             <a:fld id="{E10EBED7-1EF1-4C42-B0B2-021CD49BE19A}" type="slidenum">
               <a:rPr lang="en-US" smtClean="0"/>
-              <a:t>17</a:t>
+              <a:t>18</a:t>
             </a:fld>
             <a:endParaRPr lang="en-US"/>
           </a:p>
@@ -1626,7 +1627,7 @@
           <a:p>
             <a:fld id="{E10EBED7-1EF1-4C42-B0B2-021CD49BE19A}" type="slidenum">
               <a:rPr lang="en-US" smtClean="0"/>
-              <a:t>35</a:t>
+              <a:t>36</a:t>
             </a:fld>
             <a:endParaRPr lang="en-US"/>
           </a:p>
@@ -1710,7 +1711,7 @@
           <a:p>
             <a:fld id="{E10EBED7-1EF1-4C42-B0B2-021CD49BE19A}" type="slidenum">
               <a:rPr lang="en-US" smtClean="0"/>
-              <a:t>36</a:t>
+              <a:t>37</a:t>
             </a:fld>
             <a:endParaRPr lang="en-US"/>
           </a:p>
@@ -1794,7 +1795,7 @@
           <a:p>
             <a:fld id="{E10EBED7-1EF1-4C42-B0B2-021CD49BE19A}" type="slidenum">
               <a:rPr lang="en-US" smtClean="0"/>
-              <a:t>39</a:t>
+              <a:t>40</a:t>
             </a:fld>
             <a:endParaRPr lang="en-US"/>
           </a:p>
@@ -1878,7 +1879,7 @@
           <a:p>
             <a:fld id="{E10EBED7-1EF1-4C42-B0B2-021CD49BE19A}" type="slidenum">
               <a:rPr lang="en-US" smtClean="0"/>
-              <a:t>46</a:t>
+              <a:t>47</a:t>
             </a:fld>
             <a:endParaRPr lang="en-US"/>
           </a:p>
@@ -1962,7 +1963,7 @@
           <a:p>
             <a:fld id="{E10EBED7-1EF1-4C42-B0B2-021CD49BE19A}" type="slidenum">
               <a:rPr lang="en-US" smtClean="0"/>
-              <a:t>66</a:t>
+              <a:t>67</a:t>
             </a:fld>
             <a:endParaRPr lang="en-US"/>
           </a:p>
@@ -2046,7 +2047,7 @@
           <a:p>
             <a:fld id="{E10EBED7-1EF1-4C42-B0B2-021CD49BE19A}" type="slidenum">
               <a:rPr lang="en-US" smtClean="0"/>
-              <a:t>18</a:t>
+              <a:t>19</a:t>
             </a:fld>
             <a:endParaRPr lang="en-US"/>
           </a:p>
@@ -2130,7 +2131,7 @@
           <a:p>
             <a:fld id="{E10EBED7-1EF1-4C42-B0B2-021CD49BE19A}" type="slidenum">
               <a:rPr lang="en-US" smtClean="0"/>
-              <a:t>19</a:t>
+              <a:t>20</a:t>
             </a:fld>
             <a:endParaRPr lang="en-US"/>
           </a:p>
@@ -2214,7 +2215,7 @@
           <a:p>
             <a:fld id="{E10EBED7-1EF1-4C42-B0B2-021CD49BE19A}" type="slidenum">
               <a:rPr lang="en-US" smtClean="0"/>
-              <a:t>20</a:t>
+              <a:t>21</a:t>
             </a:fld>
             <a:endParaRPr lang="en-US"/>
           </a:p>
@@ -2298,7 +2299,7 @@
           <a:p>
             <a:fld id="{E10EBED7-1EF1-4C42-B0B2-021CD49BE19A}" type="slidenum">
               <a:rPr lang="en-US" smtClean="0"/>
-              <a:t>21</a:t>
+              <a:t>22</a:t>
             </a:fld>
             <a:endParaRPr lang="en-US"/>
           </a:p>
@@ -2382,7 +2383,7 @@
           <a:p>
             <a:fld id="{E10EBED7-1EF1-4C42-B0B2-021CD49BE19A}" type="slidenum">
               <a:rPr lang="en-US" smtClean="0"/>
-              <a:t>22</a:t>
+              <a:t>23</a:t>
             </a:fld>
             <a:endParaRPr lang="en-US"/>
           </a:p>
@@ -2466,7 +2467,7 @@
           <a:p>
             <a:fld id="{E10EBED7-1EF1-4C42-B0B2-021CD49BE19A}" type="slidenum">
               <a:rPr lang="en-US" smtClean="0"/>
-              <a:t>23</a:t>
+              <a:t>24</a:t>
             </a:fld>
             <a:endParaRPr lang="en-US"/>
           </a:p>
@@ -2550,7 +2551,7 @@
           <a:p>
             <a:fld id="{E10EBED7-1EF1-4C42-B0B2-021CD49BE19A}" type="slidenum">
               <a:rPr lang="en-US" smtClean="0"/>
-              <a:t>24</a:t>
+              <a:t>25</a:t>
             </a:fld>
             <a:endParaRPr lang="en-US"/>
           </a:p>
@@ -2748,7 +2749,7 @@
           <a:p>
             <a:fld id="{241EB5C9-1307-BA42-ABA2-0BC069CD8E7F}" type="datetimeFigureOut">
               <a:rPr lang="en-US" smtClean="0"/>
-              <a:t>6/14/23</a:t>
+              <a:t>6/16/23</a:t>
             </a:fld>
             <a:endParaRPr lang="en-US"/>
           </a:p>
@@ -2916,7 +2917,7 @@
           <a:p>
             <a:fld id="{241EB5C9-1307-BA42-ABA2-0BC069CD8E7F}" type="datetimeFigureOut">
               <a:rPr lang="en-US" smtClean="0"/>
-              <a:t>6/14/23</a:t>
+              <a:t>6/16/23</a:t>
             </a:fld>
             <a:endParaRPr lang="en-US"/>
           </a:p>
@@ -3094,7 +3095,7 @@
           <a:p>
             <a:fld id="{241EB5C9-1307-BA42-ABA2-0BC069CD8E7F}" type="datetimeFigureOut">
               <a:rPr lang="en-US" smtClean="0"/>
-              <a:t>6/14/23</a:t>
+              <a:t>6/16/23</a:t>
             </a:fld>
             <a:endParaRPr lang="en-US"/>
           </a:p>
@@ -3262,7 +3263,7 @@
           <a:p>
             <a:fld id="{241EB5C9-1307-BA42-ABA2-0BC069CD8E7F}" type="datetimeFigureOut">
               <a:rPr lang="en-US" smtClean="0"/>
-              <a:t>6/14/23</a:t>
+              <a:t>6/16/23</a:t>
             </a:fld>
             <a:endParaRPr lang="en-US"/>
           </a:p>
@@ -3507,7 +3508,7 @@
           <a:p>
             <a:fld id="{241EB5C9-1307-BA42-ABA2-0BC069CD8E7F}" type="datetimeFigureOut">
               <a:rPr lang="en-US" smtClean="0"/>
-              <a:t>6/14/23</a:t>
+              <a:t>6/16/23</a:t>
             </a:fld>
             <a:endParaRPr lang="en-US"/>
           </a:p>
@@ -3792,7 +3793,7 @@
           <a:p>
             <a:fld id="{241EB5C9-1307-BA42-ABA2-0BC069CD8E7F}" type="datetimeFigureOut">
               <a:rPr lang="en-US" smtClean="0"/>
-              <a:t>6/14/23</a:t>
+              <a:t>6/16/23</a:t>
             </a:fld>
             <a:endParaRPr lang="en-US"/>
           </a:p>
@@ -4211,7 +4212,7 @@
           <a:p>
             <a:fld id="{241EB5C9-1307-BA42-ABA2-0BC069CD8E7F}" type="datetimeFigureOut">
               <a:rPr lang="en-US" smtClean="0"/>
-              <a:t>6/14/23</a:t>
+              <a:t>6/16/23</a:t>
             </a:fld>
             <a:endParaRPr lang="en-US"/>
           </a:p>
@@ -4328,7 +4329,7 @@
           <a:p>
             <a:fld id="{241EB5C9-1307-BA42-ABA2-0BC069CD8E7F}" type="datetimeFigureOut">
               <a:rPr lang="en-US" smtClean="0"/>
-              <a:t>6/14/23</a:t>
+              <a:t>6/16/23</a:t>
             </a:fld>
             <a:endParaRPr lang="en-US"/>
           </a:p>
@@ -4423,7 +4424,7 @@
           <a:p>
             <a:fld id="{241EB5C9-1307-BA42-ABA2-0BC069CD8E7F}" type="datetimeFigureOut">
               <a:rPr lang="en-US" smtClean="0"/>
-              <a:t>6/14/23</a:t>
+              <a:t>6/16/23</a:t>
             </a:fld>
             <a:endParaRPr lang="en-US"/>
           </a:p>
@@ -4698,7 +4699,7 @@
           <a:p>
             <a:fld id="{241EB5C9-1307-BA42-ABA2-0BC069CD8E7F}" type="datetimeFigureOut">
               <a:rPr lang="en-US" smtClean="0"/>
-              <a:t>6/14/23</a:t>
+              <a:t>6/16/23</a:t>
             </a:fld>
             <a:endParaRPr lang="en-US"/>
           </a:p>
@@ -4950,7 +4951,7 @@
           <a:p>
             <a:fld id="{241EB5C9-1307-BA42-ABA2-0BC069CD8E7F}" type="datetimeFigureOut">
               <a:rPr lang="en-US" smtClean="0"/>
-              <a:t>6/14/23</a:t>
+              <a:t>6/16/23</a:t>
             </a:fld>
             <a:endParaRPr lang="en-US"/>
           </a:p>
@@ -5161,7 +5162,7 @@
           <a:p>
             <a:fld id="{241EB5C9-1307-BA42-ABA2-0BC069CD8E7F}" type="datetimeFigureOut">
               <a:rPr lang="en-US" smtClean="0"/>
-              <a:t>6/14/23</a:t>
+              <a:t>6/16/23</a:t>
             </a:fld>
             <a:endParaRPr lang="en-US"/>
           </a:p>
@@ -5684,7 +5685,7 @@
           <a:p>
             <a:r>
               <a:rPr lang="en-US" dirty="0"/>
-              <a:t>Use case: large swaths of time or space</a:t>
+              <a:t>Use case: null models</a:t>
             </a:r>
           </a:p>
         </p:txBody>
@@ -5704,7 +5705,7 @@
         <p:spPr>
           <a:xfrm>
             <a:off x="1286265" y="2110085"/>
-            <a:ext cx="7317260" cy="830997"/>
+            <a:ext cx="7187802" cy="830997"/>
           </a:xfrm>
           <a:prstGeom prst="rect">
             <a:avLst/>
@@ -5721,7 +5722,7 @@
               <a:rPr lang="en-US" sz="2400" dirty="0">
                 <a:latin typeface="Chalkduster" panose="03050602040202020205" pitchFamily="66" charset="77"/>
               </a:rPr>
-              <a:t>How will this system look in 1000 years,</a:t>
+              <a:t>How would I expect my system to look,</a:t>
             </a:r>
           </a:p>
           <a:p>
@@ -5730,7 +5731,7 @@
               <a:rPr lang="en-US" sz="2400" dirty="0">
                 <a:latin typeface="Chalkduster" panose="03050602040202020205" pitchFamily="66" charset="77"/>
               </a:rPr>
-              <a:t>under different scenarios?</a:t>
+              <a:t>at random?</a:t>
             </a:r>
           </a:p>
         </p:txBody>
@@ -5738,7 +5739,7 @@
     </p:spTree>
     <p:extLst>
       <p:ext uri="{BB962C8B-B14F-4D97-AF65-F5344CB8AC3E}">
-        <p14:creationId xmlns:p14="http://schemas.microsoft.com/office/powerpoint/2010/main" val="1407781620"/>
+        <p14:creationId xmlns:p14="http://schemas.microsoft.com/office/powerpoint/2010/main" val="1177862690"/>
       </p:ext>
     </p:extLst>
   </p:cSld>
@@ -5828,7 +5829,7 @@
           <a:p>
             <a:r>
               <a:rPr lang="en-US" dirty="0"/>
-              <a:t>Use case: explaining empirical data</a:t>
+              <a:t>Use case: large swaths of time or space</a:t>
             </a:r>
           </a:p>
         </p:txBody>
@@ -5848,7 +5849,7 @@
         <p:spPr>
           <a:xfrm>
             <a:off x="1286265" y="2110085"/>
-            <a:ext cx="7087068" cy="830997"/>
+            <a:ext cx="7317260" cy="830997"/>
           </a:xfrm>
           <a:prstGeom prst="rect">
             <a:avLst/>
@@ -5861,23 +5862,20 @@
           </a:bodyPr>
           <a:lstStyle/>
           <a:p>
-            <a:pPr algn="ctr"/>
             <a:r>
               <a:rPr lang="en-US" sz="2400" dirty="0">
                 <a:latin typeface="Chalkduster" panose="03050602040202020205" pitchFamily="66" charset="77"/>
               </a:rPr>
-              <a:t>What generative processes are (not) </a:t>
-            </a:r>
-            <a:br>
+              <a:t>How will this system look in 1000 years,</a:t>
+            </a:r>
+          </a:p>
+          <a:p>
+            <a:pPr algn="ctr"/>
+            <a:r>
               <a:rPr lang="en-US" sz="2400" dirty="0">
                 <a:latin typeface="Chalkduster" panose="03050602040202020205" pitchFamily="66" charset="77"/>
               </a:rPr>
-            </a:br>
-            <a:r>
-              <a:rPr lang="en-US" sz="2400" dirty="0">
-                <a:latin typeface="Chalkduster" panose="03050602040202020205" pitchFamily="66" charset="77"/>
-              </a:rPr>
-              <a:t>consistent with empirical observations?</a:t>
+              <a:t>under different scenarios?</a:t>
             </a:r>
           </a:p>
         </p:txBody>
@@ -5885,7 +5883,7 @@
     </p:spTree>
     <p:extLst>
       <p:ext uri="{BB962C8B-B14F-4D97-AF65-F5344CB8AC3E}">
-        <p14:creationId xmlns:p14="http://schemas.microsoft.com/office/powerpoint/2010/main" val="3205977486"/>
+        <p14:creationId xmlns:p14="http://schemas.microsoft.com/office/powerpoint/2010/main" val="1407781620"/>
       </p:ext>
     </p:extLst>
   </p:cSld>
@@ -5966,18 +5964,65 @@
         <p:spPr>
           <a:xfrm>
             <a:off x="457200" y="1200151"/>
-            <a:ext cx="8229600" cy="2536962"/>
+            <a:ext cx="8229600" cy="535884"/>
           </a:xfrm>
         </p:spPr>
         <p:txBody>
-          <a:bodyPr>
-            <a:normAutofit/>
+          <a:bodyPr/>
+          <a:lstStyle/>
+          <a:p>
+            <a:r>
+              <a:rPr lang="en-US" dirty="0"/>
+              <a:t>Use case: explaining empirical data</a:t>
+            </a:r>
+          </a:p>
+        </p:txBody>
+      </p:sp>
+      <p:sp>
+        <p:nvSpPr>
+          <p:cNvPr id="3" name="TextBox 2">
+            <a:extLst>
+              <a:ext uri="{FF2B5EF4-FFF2-40B4-BE49-F238E27FC236}">
+                <a16:creationId xmlns:a16="http://schemas.microsoft.com/office/drawing/2014/main" id="{3BDAFD58-1569-5ACD-A391-8F951C605FDE}"/>
+              </a:ext>
+            </a:extLst>
+          </p:cNvPr>
+          <p:cNvSpPr txBox="1"/>
+          <p:nvPr/>
+        </p:nvSpPr>
+        <p:spPr>
+          <a:xfrm>
+            <a:off x="1286265" y="2110085"/>
+            <a:ext cx="7087068" cy="830997"/>
+          </a:xfrm>
+          <a:prstGeom prst="rect">
+            <a:avLst/>
+          </a:prstGeom>
+          <a:noFill/>
+        </p:spPr>
+        <p:txBody>
+          <a:bodyPr wrap="none" rtlCol="0">
+            <a:spAutoFit/>
           </a:bodyPr>
           <a:lstStyle/>
           <a:p>
-            <a:r>
-              <a:rPr lang="en-US" dirty="0"/>
-              <a:t>Can you think of an application for a process model in your area of interest?</a:t>
+            <a:pPr algn="ctr"/>
+            <a:r>
+              <a:rPr lang="en-US" sz="2400" dirty="0">
+                <a:latin typeface="Chalkduster" panose="03050602040202020205" pitchFamily="66" charset="77"/>
+              </a:rPr>
+              <a:t>What generative processes are (not) </a:t>
+            </a:r>
+            <a:br>
+              <a:rPr lang="en-US" sz="2400" dirty="0">
+                <a:latin typeface="Chalkduster" panose="03050602040202020205" pitchFamily="66" charset="77"/>
+              </a:rPr>
+            </a:br>
+            <a:r>
+              <a:rPr lang="en-US" sz="2400" dirty="0">
+                <a:latin typeface="Chalkduster" panose="03050602040202020205" pitchFamily="66" charset="77"/>
+              </a:rPr>
+              <a:t>consistent with empirical observations?</a:t>
             </a:r>
           </a:p>
         </p:txBody>
@@ -5985,7 +6030,7 @@
     </p:spTree>
     <p:extLst>
       <p:ext uri="{BB962C8B-B14F-4D97-AF65-F5344CB8AC3E}">
-        <p14:creationId xmlns:p14="http://schemas.microsoft.com/office/powerpoint/2010/main" val="1580800449"/>
+        <p14:creationId xmlns:p14="http://schemas.microsoft.com/office/powerpoint/2010/main" val="3205977486"/>
       </p:ext>
     </p:extLst>
   </p:cSld>
@@ -6034,19 +6079,15 @@
             </a:pPr>
             <a:r>
               <a:rPr dirty="0"/>
-              <a:t>What are the </a:t>
-            </a:r>
-            <a:r>
-              <a:rPr lang="en-US" i="1" dirty="0"/>
-              <a:t>limitations </a:t>
+              <a:t>What are the applications of process </a:t>
             </a:r>
             <a:r>
               <a:rPr lang="en-US" dirty="0"/>
-              <a:t>of</a:t>
+              <a:t>models</a:t>
             </a:r>
             <a:r>
               <a:rPr dirty="0"/>
-              <a:t> a process modeling approach?</a:t>
+              <a:t> for eco-evo?</a:t>
             </a:r>
           </a:p>
         </p:txBody>
@@ -6056,7 +6097,7 @@
           <p:cNvPr id="5" name="Content Placeholder 4">
             <a:extLst>
               <a:ext uri="{FF2B5EF4-FFF2-40B4-BE49-F238E27FC236}">
-                <a16:creationId xmlns:a16="http://schemas.microsoft.com/office/drawing/2014/main" id="{6AB484B1-9360-608A-6F03-3DA3444AA62C}"/>
+                <a16:creationId xmlns:a16="http://schemas.microsoft.com/office/drawing/2014/main" id="{8160B9CA-F050-2E27-F752-D8C2C828FC53}"/>
               </a:ext>
             </a:extLst>
           </p:cNvPr>
@@ -6067,16 +6108,31 @@
             <p:ph idx="1"/>
           </p:nvPr>
         </p:nvSpPr>
-        <p:spPr/>
+        <p:spPr>
+          <a:xfrm>
+            <a:off x="457200" y="1200151"/>
+            <a:ext cx="8229600" cy="2536962"/>
+          </a:xfrm>
+        </p:spPr>
         <p:txBody>
-          <a:bodyPr/>
+          <a:bodyPr>
+            <a:normAutofit/>
+          </a:bodyPr>
           <a:lstStyle/>
           <a:p>
-            <a:endParaRPr lang="en-US"/>
+            <a:r>
+              <a:rPr lang="en-US" dirty="0"/>
+              <a:t>Can you think of an application for a process model in your area of interest?</a:t>
+            </a:r>
           </a:p>
         </p:txBody>
       </p:sp>
     </p:spTree>
+    <p:extLst>
+      <p:ext uri="{BB962C8B-B14F-4D97-AF65-F5344CB8AC3E}">
+        <p14:creationId xmlns:p14="http://schemas.microsoft.com/office/powerpoint/2010/main" val="1580800449"/>
+      </p:ext>
+    </p:extLst>
   </p:cSld>
   <p:clrMapOvr>
     <a:masterClrMapping/>
@@ -6142,6 +6198,95 @@
       </p:sp>
       <p:sp>
         <p:nvSpPr>
+          <p:cNvPr id="5" name="Content Placeholder 4">
+            <a:extLst>
+              <a:ext uri="{FF2B5EF4-FFF2-40B4-BE49-F238E27FC236}">
+                <a16:creationId xmlns:a16="http://schemas.microsoft.com/office/drawing/2014/main" id="{6AB484B1-9360-608A-6F03-3DA3444AA62C}"/>
+              </a:ext>
+            </a:extLst>
+          </p:cNvPr>
+          <p:cNvSpPr>
+            <a:spLocks noGrp="1"/>
+          </p:cNvSpPr>
+          <p:nvPr>
+            <p:ph idx="1"/>
+          </p:nvPr>
+        </p:nvSpPr>
+        <p:spPr/>
+        <p:txBody>
+          <a:bodyPr/>
+          <a:lstStyle/>
+          <a:p>
+            <a:endParaRPr lang="en-US"/>
+          </a:p>
+        </p:txBody>
+      </p:sp>
+    </p:spTree>
+  </p:cSld>
+  <p:clrMapOvr>
+    <a:masterClrMapping/>
+  </p:clrMapOvr>
+</p:sld>
+</file>
+
+<file path=ppt/slides/slide15.xml><?xml version="1.0" encoding="utf-8"?>
+<p:sld xmlns:a="http://schemas.openxmlformats.org/drawingml/2006/main" xmlns:r="http://schemas.openxmlformats.org/officeDocument/2006/relationships" xmlns:p="http://schemas.openxmlformats.org/presentationml/2006/main">
+  <p:cSld>
+    <p:spTree>
+      <p:nvGrpSpPr>
+        <p:cNvPr id="1" name=""/>
+        <p:cNvGrpSpPr/>
+        <p:nvPr/>
+      </p:nvGrpSpPr>
+      <p:grpSpPr>
+        <a:xfrm>
+          <a:off x="0" y="0"/>
+          <a:ext cx="0" cy="0"/>
+          <a:chOff x="0" y="0"/>
+          <a:chExt cx="0" cy="0"/>
+        </a:xfrm>
+      </p:grpSpPr>
+      <p:sp>
+        <p:nvSpPr>
+          <p:cNvPr id="2" name="Title 1"/>
+          <p:cNvSpPr>
+            <a:spLocks noGrp="1"/>
+          </p:cNvSpPr>
+          <p:nvPr>
+            <p:ph type="title"/>
+          </p:nvPr>
+        </p:nvSpPr>
+        <p:spPr/>
+        <p:txBody>
+          <a:bodyPr>
+            <a:normAutofit fontScale="90000"/>
+          </a:bodyPr>
+          <a:lstStyle/>
+          <a:p>
+            <a:pPr marL="0" lvl="0" indent="0">
+              <a:buNone/>
+            </a:pPr>
+            <a:r>
+              <a:rPr dirty="0"/>
+              <a:t>What are the </a:t>
+            </a:r>
+            <a:r>
+              <a:rPr lang="en-US" i="1" dirty="0"/>
+              <a:t>limitations </a:t>
+            </a:r>
+            <a:r>
+              <a:rPr lang="en-US" dirty="0"/>
+              <a:t>of</a:t>
+            </a:r>
+            <a:r>
+              <a:rPr dirty="0"/>
+              <a:t> a process modeling approach?</a:t>
+            </a:r>
+          </a:p>
+        </p:txBody>
+      </p:sp>
+      <p:sp>
+        <p:nvSpPr>
           <p:cNvPr id="3" name="TextBox 2">
             <a:extLst>
               <a:ext uri="{FF2B5EF4-FFF2-40B4-BE49-F238E27FC236}">
@@ -6301,7 +6446,7 @@
 </p:sld>
 </file>
 
-<file path=ppt/slides/slide15.xml><?xml version="1.0" encoding="utf-8"?>
+<file path=ppt/slides/slide16.xml><?xml version="1.0" encoding="utf-8"?>
 <p:sld xmlns:a="http://schemas.openxmlformats.org/drawingml/2006/main" xmlns:r="http://schemas.openxmlformats.org/officeDocument/2006/relationships" xmlns:p="http://schemas.openxmlformats.org/presentationml/2006/main">
   <p:cSld>
     <p:spTree>
@@ -6458,7 +6603,7 @@
 </p:sld>
 </file>
 
-<file path=ppt/slides/slide16.xml><?xml version="1.0" encoding="utf-8"?>
+<file path=ppt/slides/slide17.xml><?xml version="1.0" encoding="utf-8"?>
 <p:sld xmlns:a="http://schemas.openxmlformats.org/drawingml/2006/main" xmlns:r="http://schemas.openxmlformats.org/officeDocument/2006/relationships" xmlns:p="http://schemas.openxmlformats.org/presentationml/2006/main">
   <p:cSld>
     <p:spTree>
@@ -6862,7 +7007,7 @@
 </p:sld>
 </file>
 
-<file path=ppt/slides/slide17.xml><?xml version="1.0" encoding="utf-8"?>
+<file path=ppt/slides/slide18.xml><?xml version="1.0" encoding="utf-8"?>
 <p:sld xmlns:a="http://schemas.openxmlformats.org/drawingml/2006/main" xmlns:r="http://schemas.openxmlformats.org/officeDocument/2006/relationships" xmlns:p="http://schemas.openxmlformats.org/presentationml/2006/main">
   <p:cSld>
     <p:spTree>
@@ -7379,7 +7524,7 @@
 </p:sld>
 </file>
 
-<file path=ppt/slides/slide18.xml><?xml version="1.0" encoding="utf-8"?>
+<file path=ppt/slides/slide19.xml><?xml version="1.0" encoding="utf-8"?>
 <p:sld xmlns:a="http://schemas.openxmlformats.org/drawingml/2006/main" xmlns:r="http://schemas.openxmlformats.org/officeDocument/2006/relationships" xmlns:p="http://schemas.openxmlformats.org/presentationml/2006/main">
   <p:cSld>
     <p:spTree>
@@ -8157,7 +8302,165 @@
 </p:sld>
 </file>
 
-<file path=ppt/slides/slide19.xml><?xml version="1.0" encoding="utf-8"?>
+<file path=ppt/slides/slide2.xml><?xml version="1.0" encoding="utf-8"?>
+<p:sld xmlns:a="http://schemas.openxmlformats.org/drawingml/2006/main" xmlns:r="http://schemas.openxmlformats.org/officeDocument/2006/relationships" xmlns:p="http://schemas.openxmlformats.org/presentationml/2006/main">
+  <p:cSld>
+    <p:spTree>
+      <p:nvGrpSpPr>
+        <p:cNvPr id="1" name=""/>
+        <p:cNvGrpSpPr/>
+        <p:nvPr/>
+      </p:nvGrpSpPr>
+      <p:grpSpPr>
+        <a:xfrm>
+          <a:off x="0" y="0"/>
+          <a:ext cx="0" cy="0"/>
+          <a:chOff x="0" y="0"/>
+          <a:chExt cx="0" cy="0"/>
+        </a:xfrm>
+      </p:grpSpPr>
+      <p:sp>
+        <p:nvSpPr>
+          <p:cNvPr id="2" name="Title 1">
+            <a:extLst>
+              <a:ext uri="{FF2B5EF4-FFF2-40B4-BE49-F238E27FC236}">
+                <a16:creationId xmlns:a16="http://schemas.microsoft.com/office/drawing/2014/main" id="{0ED1BAD6-CB10-EB19-0E28-0709FD49264E}"/>
+              </a:ext>
+            </a:extLst>
+          </p:cNvPr>
+          <p:cNvSpPr>
+            <a:spLocks noGrp="1"/>
+          </p:cNvSpPr>
+          <p:nvPr>
+            <p:ph type="title"/>
+          </p:nvPr>
+        </p:nvSpPr>
+        <p:spPr/>
+        <p:txBody>
+          <a:bodyPr/>
+          <a:lstStyle/>
+          <a:p>
+            <a:r>
+              <a:rPr lang="en-US" dirty="0"/>
+              <a:t>Sections</a:t>
+            </a:r>
+          </a:p>
+        </p:txBody>
+      </p:sp>
+      <p:sp>
+        <p:nvSpPr>
+          <p:cNvPr id="3" name="Content Placeholder 2">
+            <a:extLst>
+              <a:ext uri="{FF2B5EF4-FFF2-40B4-BE49-F238E27FC236}">
+                <a16:creationId xmlns:a16="http://schemas.microsoft.com/office/drawing/2014/main" id="{0ED8FB65-1F17-7AF3-6235-804CFB0F6A6D}"/>
+              </a:ext>
+            </a:extLst>
+          </p:cNvPr>
+          <p:cNvSpPr>
+            <a:spLocks noGrp="1"/>
+          </p:cNvSpPr>
+          <p:nvPr>
+            <p:ph idx="1"/>
+          </p:nvPr>
+        </p:nvSpPr>
+        <p:spPr/>
+        <p:txBody>
+          <a:bodyPr/>
+          <a:lstStyle/>
+          <a:p>
+            <a:pPr marL="457200" indent="-457200">
+              <a:buAutoNum type="arabicPeriod"/>
+            </a:pPr>
+            <a:r>
+              <a:rPr lang="en-US" dirty="0">
+                <a:hlinkClick r:id="rId2" action="ppaction://hlinksldjump"/>
+              </a:rPr>
+              <a:t>Theory and motivation of process modeling</a:t>
+            </a:r>
+            <a:endParaRPr lang="en-US" dirty="0"/>
+          </a:p>
+          <a:p>
+            <a:pPr marL="457200" indent="-457200">
+              <a:buAutoNum type="arabicPeriod"/>
+            </a:pPr>
+            <a:r>
+              <a:rPr lang="en-US" dirty="0">
+                <a:hlinkClick r:id="rId3" action="ppaction://hlinksldjump"/>
+              </a:rPr>
+              <a:t>An example: Hubbell’s neutral theory</a:t>
+            </a:r>
+            <a:endParaRPr lang="en-US" dirty="0"/>
+          </a:p>
+          <a:p>
+            <a:pPr marL="457200" indent="-457200">
+              <a:buAutoNum type="arabicPeriod"/>
+            </a:pPr>
+            <a:r>
+              <a:rPr lang="en-US" dirty="0">
+                <a:hlinkClick r:id="rId4" action="ppaction://hlinksldjump"/>
+              </a:rPr>
+              <a:t>Exercise 1: Playing neutral games</a:t>
+            </a:r>
+            <a:endParaRPr lang="en-US" dirty="0"/>
+          </a:p>
+          <a:p>
+            <a:pPr marL="457200" indent="-457200">
+              <a:buAutoNum type="arabicPeriod"/>
+            </a:pPr>
+            <a:r>
+              <a:rPr lang="en-US" dirty="0">
+                <a:hlinkClick r:id="rId5" action="ppaction://hlinksldjump"/>
+              </a:rPr>
+              <a:t>Exercise 2: Coding up neutral theory in R</a:t>
+            </a:r>
+            <a:endParaRPr lang="en-US" dirty="0"/>
+          </a:p>
+          <a:p>
+            <a:pPr marL="457200" indent="-457200">
+              <a:buAutoNum type="arabicPeriod"/>
+            </a:pPr>
+            <a:r>
+              <a:rPr lang="en-US" dirty="0">
+                <a:hlinkClick r:id="rId6" action="ppaction://hlinksldjump"/>
+              </a:rPr>
+              <a:t>Exercise 3: Exploring parameter changes in neutral theory</a:t>
+            </a:r>
+            <a:endParaRPr lang="en-US" dirty="0"/>
+          </a:p>
+          <a:p>
+            <a:pPr marL="457200" indent="-457200">
+              <a:buAutoNum type="arabicPeriod"/>
+            </a:pPr>
+            <a:r>
+              <a:rPr lang="en-US" dirty="0">
+                <a:hlinkClick r:id="rId7" action="ppaction://hlinksldjump"/>
+              </a:rPr>
+              <a:t>Inferring parameters from results using neutral theory</a:t>
+            </a:r>
+            <a:endParaRPr lang="en-US" dirty="0"/>
+          </a:p>
+          <a:p>
+            <a:pPr marL="457200" indent="-457200">
+              <a:buAutoNum type="arabicPeriod"/>
+            </a:pPr>
+            <a:endParaRPr lang="en-US" dirty="0"/>
+          </a:p>
+        </p:txBody>
+      </p:sp>
+    </p:spTree>
+    <p:extLst>
+      <p:ext uri="{BB962C8B-B14F-4D97-AF65-F5344CB8AC3E}">
+        <p14:creationId xmlns:p14="http://schemas.microsoft.com/office/powerpoint/2010/main" val="1732774987"/>
+      </p:ext>
+    </p:extLst>
+  </p:cSld>
+  <p:clrMapOvr>
+    <a:masterClrMapping/>
+  </p:clrMapOvr>
+</p:sld>
+</file>
+
+<file path=ppt/slides/slide20.xml><?xml version="1.0" encoding="utf-8"?>
 <p:sld xmlns:a="http://schemas.openxmlformats.org/drawingml/2006/main" xmlns:r="http://schemas.openxmlformats.org/officeDocument/2006/relationships" xmlns:p="http://schemas.openxmlformats.org/presentationml/2006/main">
   <p:cSld>
     <p:spTree>
@@ -9233,56 +9536,7 @@
 </p:sld>
 </file>
 
-<file path=ppt/slides/slide2.xml><?xml version="1.0" encoding="utf-8"?>
-<p:sld xmlns:a="http://schemas.openxmlformats.org/drawingml/2006/main" xmlns:r="http://schemas.openxmlformats.org/officeDocument/2006/relationships" xmlns:p="http://schemas.openxmlformats.org/presentationml/2006/main">
-  <p:cSld>
-    <p:spTree>
-      <p:nvGrpSpPr>
-        <p:cNvPr id="1" name=""/>
-        <p:cNvGrpSpPr/>
-        <p:nvPr/>
-      </p:nvGrpSpPr>
-      <p:grpSpPr>
-        <a:xfrm>
-          <a:off x="0" y="0"/>
-          <a:ext cx="0" cy="0"/>
-          <a:chOff x="0" y="0"/>
-          <a:chExt cx="0" cy="0"/>
-        </a:xfrm>
-      </p:grpSpPr>
-      <p:sp>
-        <p:nvSpPr>
-          <p:cNvPr id="2" name="Title 1"/>
-          <p:cNvSpPr>
-            <a:spLocks noGrp="1"/>
-          </p:cNvSpPr>
-          <p:nvPr>
-            <p:ph type="title"/>
-          </p:nvPr>
-        </p:nvSpPr>
-        <p:spPr/>
-        <p:txBody>
-          <a:bodyPr/>
-          <a:lstStyle/>
-          <a:p>
-            <a:pPr marL="0" lvl="0" indent="0">
-              <a:buNone/>
-            </a:pPr>
-            <a:r>
-              <a:t>Theory and motivation of process modeling</a:t>
-            </a:r>
-          </a:p>
-        </p:txBody>
-      </p:sp>
-    </p:spTree>
-  </p:cSld>
-  <p:clrMapOvr>
-    <a:masterClrMapping/>
-  </p:clrMapOvr>
-</p:sld>
-</file>
-
-<file path=ppt/slides/slide20.xml><?xml version="1.0" encoding="utf-8"?>
+<file path=ppt/slides/slide21.xml><?xml version="1.0" encoding="utf-8"?>
 <p:sld xmlns:a="http://schemas.openxmlformats.org/drawingml/2006/main" xmlns:r="http://schemas.openxmlformats.org/officeDocument/2006/relationships" xmlns:p="http://schemas.openxmlformats.org/presentationml/2006/main">
   <p:cSld>
     <p:spTree>
@@ -10435,7 +10689,7 @@
 </p:sld>
 </file>
 
-<file path=ppt/slides/slide21.xml><?xml version="1.0" encoding="utf-8"?>
+<file path=ppt/slides/slide22.xml><?xml version="1.0" encoding="utf-8"?>
 <p:sld xmlns:a="http://schemas.openxmlformats.org/drawingml/2006/main" xmlns:r="http://schemas.openxmlformats.org/officeDocument/2006/relationships" xmlns:p="http://schemas.openxmlformats.org/presentationml/2006/main">
   <p:cSld>
     <p:spTree>
@@ -11640,7 +11894,7 @@
 </p:sld>
 </file>
 
-<file path=ppt/slides/slide22.xml><?xml version="1.0" encoding="utf-8"?>
+<file path=ppt/slides/slide23.xml><?xml version="1.0" encoding="utf-8"?>
 <p:sld xmlns:a="http://schemas.openxmlformats.org/drawingml/2006/main" xmlns:r="http://schemas.openxmlformats.org/officeDocument/2006/relationships" xmlns:p="http://schemas.openxmlformats.org/presentationml/2006/main">
   <p:cSld>
     <p:spTree>
@@ -12881,7 +13135,7 @@
 </p:sld>
 </file>
 
-<file path=ppt/slides/slide23.xml><?xml version="1.0" encoding="utf-8"?>
+<file path=ppt/slides/slide24.xml><?xml version="1.0" encoding="utf-8"?>
 <p:sld xmlns:a="http://schemas.openxmlformats.org/drawingml/2006/main" xmlns:r="http://schemas.openxmlformats.org/officeDocument/2006/relationships" xmlns:p="http://schemas.openxmlformats.org/presentationml/2006/main">
   <p:cSld>
     <p:spTree>
@@ -14158,7 +14412,7 @@
 </p:sld>
 </file>
 
-<file path=ppt/slides/slide24.xml><?xml version="1.0" encoding="utf-8"?>
+<file path=ppt/slides/slide25.xml><?xml version="1.0" encoding="utf-8"?>
 <p:sld xmlns:a="http://schemas.openxmlformats.org/drawingml/2006/main" xmlns:r="http://schemas.openxmlformats.org/officeDocument/2006/relationships" xmlns:p="http://schemas.openxmlformats.org/presentationml/2006/main">
   <p:cSld>
     <p:spTree>
@@ -15416,7 +15670,7 @@
 </p:sld>
 </file>
 
-<file path=ppt/slides/slide25.xml><?xml version="1.0" encoding="utf-8"?>
+<file path=ppt/slides/slide26.xml><?xml version="1.0" encoding="utf-8"?>
 <p:sld xmlns:a="http://schemas.openxmlformats.org/drawingml/2006/main" xmlns:r="http://schemas.openxmlformats.org/officeDocument/2006/relationships" xmlns:p="http://schemas.openxmlformats.org/presentationml/2006/main">
   <p:cSld>
     <p:spTree>
@@ -16706,7 +16960,7 @@
 </p:sld>
 </file>
 
-<file path=ppt/slides/slide26.xml><?xml version="1.0" encoding="utf-8"?>
+<file path=ppt/slides/slide27.xml><?xml version="1.0" encoding="utf-8"?>
 <p:sld xmlns:a="http://schemas.openxmlformats.org/drawingml/2006/main" xmlns:r="http://schemas.openxmlformats.org/officeDocument/2006/relationships" xmlns:p="http://schemas.openxmlformats.org/presentationml/2006/main">
   <p:cSld>
     <p:spTree>
@@ -17961,7 +18215,7 @@
 </p:sld>
 </file>
 
-<file path=ppt/slides/slide27.xml><?xml version="1.0" encoding="utf-8"?>
+<file path=ppt/slides/slide28.xml><?xml version="1.0" encoding="utf-8"?>
 <p:sld xmlns:a="http://schemas.openxmlformats.org/drawingml/2006/main" xmlns:r="http://schemas.openxmlformats.org/officeDocument/2006/relationships" xmlns:p="http://schemas.openxmlformats.org/presentationml/2006/main">
   <p:cSld>
     <p:spTree>
@@ -19311,7 +19565,7 @@
 </p:sld>
 </file>
 
-<file path=ppt/slides/slide28.xml><?xml version="1.0" encoding="utf-8"?>
+<file path=ppt/slides/slide29.xml><?xml version="1.0" encoding="utf-8"?>
 <p:sld xmlns:a="http://schemas.openxmlformats.org/drawingml/2006/main" xmlns:r="http://schemas.openxmlformats.org/officeDocument/2006/relationships" xmlns:p="http://schemas.openxmlformats.org/presentationml/2006/main">
   <p:cSld>
     <p:spTree>
@@ -20802,7 +21056,56 @@
 </p:sld>
 </file>
 
-<file path=ppt/slides/slide29.xml><?xml version="1.0" encoding="utf-8"?>
+<file path=ppt/slides/slide3.xml><?xml version="1.0" encoding="utf-8"?>
+<p:sld xmlns:a="http://schemas.openxmlformats.org/drawingml/2006/main" xmlns:r="http://schemas.openxmlformats.org/officeDocument/2006/relationships" xmlns:p="http://schemas.openxmlformats.org/presentationml/2006/main">
+  <p:cSld>
+    <p:spTree>
+      <p:nvGrpSpPr>
+        <p:cNvPr id="1" name=""/>
+        <p:cNvGrpSpPr/>
+        <p:nvPr/>
+      </p:nvGrpSpPr>
+      <p:grpSpPr>
+        <a:xfrm>
+          <a:off x="0" y="0"/>
+          <a:ext cx="0" cy="0"/>
+          <a:chOff x="0" y="0"/>
+          <a:chExt cx="0" cy="0"/>
+        </a:xfrm>
+      </p:grpSpPr>
+      <p:sp>
+        <p:nvSpPr>
+          <p:cNvPr id="2" name="Title 1"/>
+          <p:cNvSpPr>
+            <a:spLocks noGrp="1"/>
+          </p:cNvSpPr>
+          <p:nvPr>
+            <p:ph type="title"/>
+          </p:nvPr>
+        </p:nvSpPr>
+        <p:spPr/>
+        <p:txBody>
+          <a:bodyPr/>
+          <a:lstStyle/>
+          <a:p>
+            <a:pPr marL="0" lvl="0" indent="0">
+              <a:buNone/>
+            </a:pPr>
+            <a:r>
+              <a:t>Theory and motivation of process modeling</a:t>
+            </a:r>
+          </a:p>
+        </p:txBody>
+      </p:sp>
+    </p:spTree>
+  </p:cSld>
+  <p:clrMapOvr>
+    <a:masterClrMapping/>
+  </p:clrMapOvr>
+</p:sld>
+</file>
+
+<file path=ppt/slides/slide30.xml><?xml version="1.0" encoding="utf-8"?>
 <p:sld xmlns:a="http://schemas.openxmlformats.org/drawingml/2006/main" xmlns:r="http://schemas.openxmlformats.org/officeDocument/2006/relationships" xmlns:p="http://schemas.openxmlformats.org/presentationml/2006/main">
   <p:cSld>
     <p:spTree>
@@ -22342,137 +22645,7 @@
 </p:sld>
 </file>
 
-<file path=ppt/slides/slide3.xml><?xml version="1.0" encoding="utf-8"?>
-<p:sld xmlns:a="http://schemas.openxmlformats.org/drawingml/2006/main" xmlns:r="http://schemas.openxmlformats.org/officeDocument/2006/relationships" xmlns:p="http://schemas.openxmlformats.org/presentationml/2006/main">
-  <p:cSld>
-    <p:spTree>
-      <p:nvGrpSpPr>
-        <p:cNvPr id="1" name=""/>
-        <p:cNvGrpSpPr/>
-        <p:nvPr/>
-      </p:nvGrpSpPr>
-      <p:grpSpPr>
-        <a:xfrm>
-          <a:off x="0" y="0"/>
-          <a:ext cx="0" cy="0"/>
-          <a:chOff x="0" y="0"/>
-          <a:chExt cx="0" cy="0"/>
-        </a:xfrm>
-      </p:grpSpPr>
-      <p:sp>
-        <p:nvSpPr>
-          <p:cNvPr id="2" name="Title 1"/>
-          <p:cNvSpPr>
-            <a:spLocks noGrp="1"/>
-          </p:cNvSpPr>
-          <p:nvPr>
-            <p:ph type="title"/>
-          </p:nvPr>
-        </p:nvSpPr>
-        <p:spPr/>
-        <p:txBody>
-          <a:bodyPr/>
-          <a:lstStyle/>
-          <a:p>
-            <a:pPr marL="0" lvl="0" indent="0">
-              <a:buNone/>
-            </a:pPr>
-            <a:r>
-              <a:t>Theory and motivation of process modeling</a:t>
-            </a:r>
-          </a:p>
-        </p:txBody>
-      </p:sp>
-      <p:sp>
-        <p:nvSpPr>
-          <p:cNvPr id="3" name="Content Placeholder 2">
-            <a:extLst>
-              <a:ext uri="{FF2B5EF4-FFF2-40B4-BE49-F238E27FC236}">
-                <a16:creationId xmlns:a16="http://schemas.microsoft.com/office/drawing/2014/main" id="{9132A3C0-AC36-574A-2D79-07F246790E44}"/>
-              </a:ext>
-            </a:extLst>
-          </p:cNvPr>
-          <p:cNvSpPr>
-            <a:spLocks noGrp="1"/>
-          </p:cNvSpPr>
-          <p:nvPr>
-            <p:ph idx="1"/>
-          </p:nvPr>
-        </p:nvSpPr>
-        <p:spPr/>
-        <p:txBody>
-          <a:bodyPr/>
-          <a:lstStyle/>
-          <a:p>
-            <a:pPr marL="457200" indent="-457200">
-              <a:buFont typeface="+mj-lt"/>
-              <a:buAutoNum type="arabicPeriod"/>
-            </a:pPr>
-            <a:r>
-              <a:rPr lang="en-US" dirty="0"/>
-              <a:t>What do we </a:t>
-            </a:r>
-            <a:r>
-              <a:rPr lang="en-US" i="1" dirty="0"/>
-              <a:t>mean </a:t>
-            </a:r>
-            <a:r>
-              <a:rPr lang="en-US" dirty="0"/>
-              <a:t>by process modeling, anyway?</a:t>
-            </a:r>
-          </a:p>
-          <a:p>
-            <a:pPr marL="457200" indent="-457200">
-              <a:buFont typeface="+mj-lt"/>
-              <a:buAutoNum type="arabicPeriod"/>
-            </a:pPr>
-            <a:r>
-              <a:rPr lang="en-US" dirty="0"/>
-              <a:t>What are the </a:t>
-            </a:r>
-            <a:r>
-              <a:rPr lang="en-US" i="1" dirty="0"/>
-              <a:t>applications</a:t>
-            </a:r>
-            <a:r>
-              <a:rPr lang="en-US" dirty="0"/>
-              <a:t> of process modeling for ecological and evolutionary dynamics?</a:t>
-            </a:r>
-          </a:p>
-          <a:p>
-            <a:pPr marL="457200" indent="-457200">
-              <a:buFont typeface="+mj-lt"/>
-              <a:buAutoNum type="arabicPeriod"/>
-            </a:pPr>
-            <a:r>
-              <a:rPr lang="en-US" dirty="0"/>
-              <a:t>What are the </a:t>
-            </a:r>
-            <a:r>
-              <a:rPr lang="en-US" i="1" dirty="0"/>
-              <a:t>limitations </a:t>
-            </a:r>
-            <a:r>
-              <a:rPr lang="en-US" dirty="0"/>
-              <a:t>of a process modeling approach?</a:t>
-            </a:r>
-          </a:p>
-        </p:txBody>
-      </p:sp>
-    </p:spTree>
-    <p:extLst>
-      <p:ext uri="{BB962C8B-B14F-4D97-AF65-F5344CB8AC3E}">
-        <p14:creationId xmlns:p14="http://schemas.microsoft.com/office/powerpoint/2010/main" val="2624502636"/>
-      </p:ext>
-    </p:extLst>
-  </p:cSld>
-  <p:clrMapOvr>
-    <a:masterClrMapping/>
-  </p:clrMapOvr>
-</p:sld>
-</file>
-
-<file path=ppt/slides/slide30.xml><?xml version="1.0" encoding="utf-8"?>
+<file path=ppt/slides/slide31.xml><?xml version="1.0" encoding="utf-8"?>
 <p:sld xmlns:a="http://schemas.openxmlformats.org/drawingml/2006/main" xmlns:r="http://schemas.openxmlformats.org/officeDocument/2006/relationships" xmlns:p="http://schemas.openxmlformats.org/presentationml/2006/main">
   <p:cSld>
     <p:spTree>
@@ -24171,7 +24344,7 @@
 </p:sld>
 </file>
 
-<file path=ppt/slides/slide31.xml><?xml version="1.0" encoding="utf-8"?>
+<file path=ppt/slides/slide32.xml><?xml version="1.0" encoding="utf-8"?>
 <p:sld xmlns:a="http://schemas.openxmlformats.org/drawingml/2006/main" xmlns:r="http://schemas.openxmlformats.org/officeDocument/2006/relationships" xmlns:p="http://schemas.openxmlformats.org/presentationml/2006/main">
   <p:cSld>
     <p:spTree>
@@ -26058,7 +26231,7 @@
 </p:sld>
 </file>
 
-<file path=ppt/slides/slide32.xml><?xml version="1.0" encoding="utf-8"?>
+<file path=ppt/slides/slide33.xml><?xml version="1.0" encoding="utf-8"?>
 <p:sld xmlns:a="http://schemas.openxmlformats.org/drawingml/2006/main" xmlns:r="http://schemas.openxmlformats.org/officeDocument/2006/relationships" xmlns:p="http://schemas.openxmlformats.org/presentationml/2006/main">
   <p:cSld>
     <p:spTree>
@@ -27917,7 +28090,7 @@
 </p:sld>
 </file>
 
-<file path=ppt/slides/slide33.xml><?xml version="1.0" encoding="utf-8"?>
+<file path=ppt/slides/slide34.xml><?xml version="1.0" encoding="utf-8"?>
 <p:sld xmlns:a="http://schemas.openxmlformats.org/drawingml/2006/main" xmlns:r="http://schemas.openxmlformats.org/officeDocument/2006/relationships" xmlns:p="http://schemas.openxmlformats.org/presentationml/2006/main">
   <p:cSld>
     <p:spTree>
@@ -29656,7 +29829,7 @@
 </p:sld>
 </file>
 
-<file path=ppt/slides/slide34.xml><?xml version="1.0" encoding="utf-8"?>
+<file path=ppt/slides/slide35.xml><?xml version="1.0" encoding="utf-8"?>
 <p:sld xmlns:a="http://schemas.openxmlformats.org/drawingml/2006/main" xmlns:r="http://schemas.openxmlformats.org/officeDocument/2006/relationships" xmlns:p="http://schemas.openxmlformats.org/presentationml/2006/main">
   <p:cSld>
     <p:spTree>
@@ -31643,7 +31816,7 @@
 </p:sld>
 </file>
 
-<file path=ppt/slides/slide35.xml><?xml version="1.0" encoding="utf-8"?>
+<file path=ppt/slides/slide36.xml><?xml version="1.0" encoding="utf-8"?>
 <p:sld xmlns:a="http://schemas.openxmlformats.org/drawingml/2006/main" xmlns:r="http://schemas.openxmlformats.org/officeDocument/2006/relationships" xmlns:p="http://schemas.openxmlformats.org/presentationml/2006/main">
   <p:cSld>
     <p:spTree>
@@ -33666,7 +33839,7 @@
 </p:sld>
 </file>
 
-<file path=ppt/slides/slide36.xml><?xml version="1.0" encoding="utf-8"?>
+<file path=ppt/slides/slide37.xml><?xml version="1.0" encoding="utf-8"?>
 <p:sld xmlns:a="http://schemas.openxmlformats.org/drawingml/2006/main" xmlns:r="http://schemas.openxmlformats.org/officeDocument/2006/relationships" xmlns:p="http://schemas.openxmlformats.org/presentationml/2006/main" show="0">
   <p:cSld>
     <p:spTree>
@@ -35240,7 +35413,7 @@
 </p:sld>
 </file>
 
-<file path=ppt/slides/slide37.xml><?xml version="1.0" encoding="utf-8"?>
+<file path=ppt/slides/slide38.xml><?xml version="1.0" encoding="utf-8"?>
 <p:sld xmlns:a="http://schemas.openxmlformats.org/drawingml/2006/main" xmlns:r="http://schemas.openxmlformats.org/officeDocument/2006/relationships" xmlns:p="http://schemas.openxmlformats.org/presentationml/2006/main">
   <p:cSld>
     <p:spTree>
@@ -35557,7 +35730,7 @@
 </p:sld>
 </file>
 
-<file path=ppt/slides/slide38.xml><?xml version="1.0" encoding="utf-8"?>
+<file path=ppt/slides/slide39.xml><?xml version="1.0" encoding="utf-8"?>
 <p:sld xmlns:a="http://schemas.openxmlformats.org/drawingml/2006/main" xmlns:r="http://schemas.openxmlformats.org/officeDocument/2006/relationships" xmlns:p="http://schemas.openxmlformats.org/presentationml/2006/main">
   <p:cSld>
     <p:spTree>
@@ -35904,7 +36077,137 @@
 </p:sld>
 </file>
 
-<file path=ppt/slides/slide39.xml><?xml version="1.0" encoding="utf-8"?>
+<file path=ppt/slides/slide4.xml><?xml version="1.0" encoding="utf-8"?>
+<p:sld xmlns:a="http://schemas.openxmlformats.org/drawingml/2006/main" xmlns:r="http://schemas.openxmlformats.org/officeDocument/2006/relationships" xmlns:p="http://schemas.openxmlformats.org/presentationml/2006/main">
+  <p:cSld>
+    <p:spTree>
+      <p:nvGrpSpPr>
+        <p:cNvPr id="1" name=""/>
+        <p:cNvGrpSpPr/>
+        <p:nvPr/>
+      </p:nvGrpSpPr>
+      <p:grpSpPr>
+        <a:xfrm>
+          <a:off x="0" y="0"/>
+          <a:ext cx="0" cy="0"/>
+          <a:chOff x="0" y="0"/>
+          <a:chExt cx="0" cy="0"/>
+        </a:xfrm>
+      </p:grpSpPr>
+      <p:sp>
+        <p:nvSpPr>
+          <p:cNvPr id="2" name="Title 1"/>
+          <p:cNvSpPr>
+            <a:spLocks noGrp="1"/>
+          </p:cNvSpPr>
+          <p:nvPr>
+            <p:ph type="title"/>
+          </p:nvPr>
+        </p:nvSpPr>
+        <p:spPr/>
+        <p:txBody>
+          <a:bodyPr/>
+          <a:lstStyle/>
+          <a:p>
+            <a:pPr marL="0" lvl="0" indent="0">
+              <a:buNone/>
+            </a:pPr>
+            <a:r>
+              <a:t>Theory and motivation of process modeling</a:t>
+            </a:r>
+          </a:p>
+        </p:txBody>
+      </p:sp>
+      <p:sp>
+        <p:nvSpPr>
+          <p:cNvPr id="3" name="Content Placeholder 2">
+            <a:extLst>
+              <a:ext uri="{FF2B5EF4-FFF2-40B4-BE49-F238E27FC236}">
+                <a16:creationId xmlns:a16="http://schemas.microsoft.com/office/drawing/2014/main" id="{9132A3C0-AC36-574A-2D79-07F246790E44}"/>
+              </a:ext>
+            </a:extLst>
+          </p:cNvPr>
+          <p:cNvSpPr>
+            <a:spLocks noGrp="1"/>
+          </p:cNvSpPr>
+          <p:nvPr>
+            <p:ph idx="1"/>
+          </p:nvPr>
+        </p:nvSpPr>
+        <p:spPr/>
+        <p:txBody>
+          <a:bodyPr/>
+          <a:lstStyle/>
+          <a:p>
+            <a:pPr marL="457200" indent="-457200">
+              <a:buFont typeface="+mj-lt"/>
+              <a:buAutoNum type="arabicPeriod"/>
+            </a:pPr>
+            <a:r>
+              <a:rPr lang="en-US" dirty="0"/>
+              <a:t>What do we </a:t>
+            </a:r>
+            <a:r>
+              <a:rPr lang="en-US" i="1" dirty="0"/>
+              <a:t>mean </a:t>
+            </a:r>
+            <a:r>
+              <a:rPr lang="en-US" dirty="0"/>
+              <a:t>by process modeling, anyway?</a:t>
+            </a:r>
+          </a:p>
+          <a:p>
+            <a:pPr marL="457200" indent="-457200">
+              <a:buFont typeface="+mj-lt"/>
+              <a:buAutoNum type="arabicPeriod"/>
+            </a:pPr>
+            <a:r>
+              <a:rPr lang="en-US" dirty="0"/>
+              <a:t>What are the </a:t>
+            </a:r>
+            <a:r>
+              <a:rPr lang="en-US" i="1" dirty="0"/>
+              <a:t>applications</a:t>
+            </a:r>
+            <a:r>
+              <a:rPr lang="en-US" dirty="0"/>
+              <a:t> of process modeling for ecological and evolutionary dynamics?</a:t>
+            </a:r>
+          </a:p>
+          <a:p>
+            <a:pPr marL="457200" indent="-457200">
+              <a:buFont typeface="+mj-lt"/>
+              <a:buAutoNum type="arabicPeriod"/>
+            </a:pPr>
+            <a:r>
+              <a:rPr lang="en-US" dirty="0"/>
+              <a:t>What are the </a:t>
+            </a:r>
+            <a:r>
+              <a:rPr lang="en-US" i="1" dirty="0"/>
+              <a:t>limitations </a:t>
+            </a:r>
+            <a:r>
+              <a:rPr lang="en-US" dirty="0"/>
+              <a:t>of a process modeling approach?</a:t>
+            </a:r>
+          </a:p>
+        </p:txBody>
+      </p:sp>
+    </p:spTree>
+    <p:extLst>
+      <p:ext uri="{BB962C8B-B14F-4D97-AF65-F5344CB8AC3E}">
+        <p14:creationId xmlns:p14="http://schemas.microsoft.com/office/powerpoint/2010/main" val="2624502636"/>
+      </p:ext>
+    </p:extLst>
+  </p:cSld>
+  <p:clrMapOvr>
+    <a:masterClrMapping/>
+  </p:clrMapOvr>
+</p:sld>
+</file>
+
+<file path=ppt/slides/slide40.xml><?xml version="1.0" encoding="utf-8"?>
 <p:sld xmlns:a="http://schemas.openxmlformats.org/drawingml/2006/main" xmlns:r="http://schemas.openxmlformats.org/officeDocument/2006/relationships" xmlns:p="http://schemas.openxmlformats.org/presentationml/2006/main">
   <p:cSld>
     <p:spTree>
@@ -36445,182 +36748,6 @@
 </p:sld>
 </file>
 
-<file path=ppt/slides/slide4.xml><?xml version="1.0" encoding="utf-8"?>
-<p:sld xmlns:a="http://schemas.openxmlformats.org/drawingml/2006/main" xmlns:r="http://schemas.openxmlformats.org/officeDocument/2006/relationships" xmlns:p="http://schemas.openxmlformats.org/presentationml/2006/main">
-  <p:cSld>
-    <p:spTree>
-      <p:nvGrpSpPr>
-        <p:cNvPr id="1" name=""/>
-        <p:cNvGrpSpPr/>
-        <p:nvPr/>
-      </p:nvGrpSpPr>
-      <p:grpSpPr>
-        <a:xfrm>
-          <a:off x="0" y="0"/>
-          <a:ext cx="0" cy="0"/>
-          <a:chOff x="0" y="0"/>
-          <a:chExt cx="0" cy="0"/>
-        </a:xfrm>
-      </p:grpSpPr>
-      <p:sp>
-        <p:nvSpPr>
-          <p:cNvPr id="2" name="Title 1"/>
-          <p:cNvSpPr>
-            <a:spLocks noGrp="1"/>
-          </p:cNvSpPr>
-          <p:nvPr>
-            <p:ph type="title"/>
-          </p:nvPr>
-        </p:nvSpPr>
-        <p:spPr/>
-        <p:txBody>
-          <a:bodyPr>
-            <a:normAutofit fontScale="90000"/>
-          </a:bodyPr>
-          <a:lstStyle/>
-          <a:p>
-            <a:pPr marL="0" lvl="0" indent="0">
-              <a:buNone/>
-            </a:pPr>
-            <a:r>
-              <a:rPr dirty="0"/>
-              <a:t>What do we </a:t>
-            </a:r>
-            <a:r>
-              <a:rPr i="1" dirty="0"/>
-              <a:t>mean</a:t>
-            </a:r>
-            <a:r>
-              <a:rPr dirty="0"/>
-              <a:t> by process modeling, anyway?</a:t>
-            </a:r>
-          </a:p>
-        </p:txBody>
-      </p:sp>
-      <p:sp>
-        <p:nvSpPr>
-          <p:cNvPr id="5" name="Content Placeholder 4">
-            <a:extLst>
-              <a:ext uri="{FF2B5EF4-FFF2-40B4-BE49-F238E27FC236}">
-                <a16:creationId xmlns:a16="http://schemas.microsoft.com/office/drawing/2014/main" id="{B41FE0D9-E13D-6A06-AF28-2CC566823536}"/>
-              </a:ext>
-            </a:extLst>
-          </p:cNvPr>
-          <p:cNvSpPr>
-            <a:spLocks noGrp="1"/>
-          </p:cNvSpPr>
-          <p:nvPr>
-            <p:ph idx="1"/>
-          </p:nvPr>
-        </p:nvSpPr>
-        <p:spPr>
-          <a:xfrm>
-            <a:off x="457199" y="1200151"/>
-            <a:ext cx="8229599" cy="3394472"/>
-          </a:xfrm>
-        </p:spPr>
-        <p:txBody>
-          <a:bodyPr/>
-          <a:lstStyle/>
-          <a:p>
-            <a:r>
-              <a:rPr lang="en-US" dirty="0"/>
-              <a:t>Have you ever worked with or encountered a process model?</a:t>
-            </a:r>
-          </a:p>
-          <a:p>
-            <a:endParaRPr lang="en-US" dirty="0"/>
-          </a:p>
-          <a:p>
-            <a:endParaRPr lang="en-US" dirty="0"/>
-          </a:p>
-          <a:p>
-            <a:pPr marL="0" indent="0">
-              <a:buNone/>
-            </a:pPr>
-            <a:endParaRPr lang="en-US" dirty="0"/>
-          </a:p>
-        </p:txBody>
-      </p:sp>
-    </p:spTree>
-  </p:cSld>
-  <p:clrMapOvr>
-    <a:masterClrMapping/>
-  </p:clrMapOvr>
-</p:sld>
-</file>
-
-<file path=ppt/slides/slide40.xml><?xml version="1.0" encoding="utf-8"?>
-<p:sld xmlns:a="http://schemas.openxmlformats.org/drawingml/2006/main" xmlns:r="http://schemas.openxmlformats.org/officeDocument/2006/relationships" xmlns:p="http://schemas.openxmlformats.org/presentationml/2006/main">
-  <p:cSld>
-    <p:spTree>
-      <p:nvGrpSpPr>
-        <p:cNvPr id="1" name=""/>
-        <p:cNvGrpSpPr/>
-        <p:nvPr/>
-      </p:nvGrpSpPr>
-      <p:grpSpPr>
-        <a:xfrm>
-          <a:off x="0" y="0"/>
-          <a:ext cx="0" cy="0"/>
-          <a:chOff x="0" y="0"/>
-          <a:chExt cx="0" cy="0"/>
-        </a:xfrm>
-      </p:grpSpPr>
-      <p:sp>
-        <p:nvSpPr>
-          <p:cNvPr id="2" name="Title 1"/>
-          <p:cNvSpPr>
-            <a:spLocks noGrp="1"/>
-          </p:cNvSpPr>
-          <p:nvPr>
-            <p:ph type="title"/>
-          </p:nvPr>
-        </p:nvSpPr>
-        <p:spPr>
-          <a:xfrm>
-            <a:off x="457200" y="993157"/>
-            <a:ext cx="8229600" cy="2855273"/>
-          </a:xfrm>
-        </p:spPr>
-        <p:txBody>
-          <a:bodyPr>
-            <a:normAutofit/>
-          </a:bodyPr>
-          <a:lstStyle/>
-          <a:p>
-            <a:pPr marL="0" lvl="0" indent="0">
-              <a:buNone/>
-            </a:pPr>
-            <a:r>
-              <a:rPr lang="en-US" dirty="0"/>
-              <a:t>Coffee break.</a:t>
-            </a:r>
-            <a:br>
-              <a:rPr lang="en-US" dirty="0"/>
-            </a:br>
-            <a:br>
-              <a:rPr lang="en-US" dirty="0"/>
-            </a:br>
-            <a:r>
-              <a:rPr lang="en-US" dirty="0"/>
-              <a:t>(Then, we’ll play!)</a:t>
-            </a:r>
-            <a:br>
-              <a:rPr lang="en-US" dirty="0"/>
-            </a:br>
-            <a:endParaRPr dirty="0"/>
-          </a:p>
-        </p:txBody>
-      </p:sp>
-    </p:spTree>
-  </p:cSld>
-  <p:clrMapOvr>
-    <a:masterClrMapping/>
-  </p:clrMapOvr>
-</p:sld>
-</file>
-
 <file path=ppt/slides/slide41.xml><?xml version="1.0" encoding="utf-8"?>
 <p:sld xmlns:a="http://schemas.openxmlformats.org/drawingml/2006/main" xmlns:r="http://schemas.openxmlformats.org/officeDocument/2006/relationships" xmlns:p="http://schemas.openxmlformats.org/presentationml/2006/main">
   <p:cSld>
@@ -36665,7 +36792,7 @@
             </a:pPr>
             <a:r>
               <a:rPr lang="en-US" dirty="0"/>
-              <a:t>Break to play neutral games.</a:t>
+              <a:t>Coffee break.</a:t>
             </a:r>
             <a:br>
               <a:rPr lang="en-US" dirty="0"/>
@@ -36675,18 +36802,16 @@
             </a:br>
             <a:r>
               <a:rPr lang="en-US" dirty="0"/>
-              <a:t>(Not on a computer.)</a:t>
-            </a:r>
+              <a:t>(Then, we’ll play!)</a:t>
+            </a:r>
+            <a:br>
+              <a:rPr lang="en-US" dirty="0"/>
+            </a:br>
             <a:endParaRPr dirty="0"/>
           </a:p>
         </p:txBody>
       </p:sp>
     </p:spTree>
-    <p:extLst>
-      <p:ext uri="{BB962C8B-B14F-4D97-AF65-F5344CB8AC3E}">
-        <p14:creationId xmlns:p14="http://schemas.microsoft.com/office/powerpoint/2010/main" val="3858238616"/>
-      </p:ext>
-    </p:extLst>
   </p:cSld>
   <p:clrMapOvr>
     <a:masterClrMapping/>
@@ -36738,7 +36863,7 @@
             </a:pPr>
             <a:r>
               <a:rPr lang="en-US" dirty="0"/>
-              <a:t>How did that go?</a:t>
+              <a:t>Break to play neutral games.</a:t>
             </a:r>
             <a:br>
               <a:rPr lang="en-US" dirty="0"/>
@@ -36746,6 +36871,10 @@
             <a:br>
               <a:rPr lang="en-US" dirty="0"/>
             </a:br>
+            <a:r>
+              <a:rPr lang="en-US" dirty="0"/>
+              <a:t>(Not on a computer.)</a:t>
+            </a:r>
             <a:endParaRPr dirty="0"/>
           </a:p>
         </p:txBody>
@@ -36753,7 +36882,7 @@
     </p:spTree>
     <p:extLst>
       <p:ext uri="{BB962C8B-B14F-4D97-AF65-F5344CB8AC3E}">
-        <p14:creationId xmlns:p14="http://schemas.microsoft.com/office/powerpoint/2010/main" val="1691839779"/>
+        <p14:creationId xmlns:p14="http://schemas.microsoft.com/office/powerpoint/2010/main" val="3858238616"/>
       </p:ext>
     </p:extLst>
   </p:cSld>
@@ -36815,10 +36944,6 @@
             <a:br>
               <a:rPr lang="en-US" dirty="0"/>
             </a:br>
-            <a:r>
-              <a:rPr lang="en-US" dirty="0"/>
-              <a:t>How could we make this more efficient?</a:t>
-            </a:r>
             <a:endParaRPr dirty="0"/>
           </a:p>
         </p:txBody>
@@ -36826,7 +36951,7 @@
     </p:spTree>
     <p:extLst>
       <p:ext uri="{BB962C8B-B14F-4D97-AF65-F5344CB8AC3E}">
-        <p14:creationId xmlns:p14="http://schemas.microsoft.com/office/powerpoint/2010/main" val="1927633834"/>
+        <p14:creationId xmlns:p14="http://schemas.microsoft.com/office/powerpoint/2010/main" val="1691839779"/>
       </p:ext>
     </p:extLst>
   </p:cSld>
@@ -36896,93 +37021,10 @@
           </a:p>
         </p:txBody>
       </p:sp>
-      <p:pic>
-        <p:nvPicPr>
-          <p:cNvPr id="4" name="Graphic 3" descr="Monitor with solid fill">
-            <a:extLst>
-              <a:ext uri="{FF2B5EF4-FFF2-40B4-BE49-F238E27FC236}">
-                <a16:creationId xmlns:a16="http://schemas.microsoft.com/office/drawing/2014/main" id="{17C28357-7135-C79F-659E-747230348587}"/>
-              </a:ext>
-            </a:extLst>
-          </p:cNvPr>
-          <p:cNvPicPr>
-            <a:picLocks noChangeAspect="1"/>
-          </p:cNvPicPr>
-          <p:nvPr/>
-        </p:nvPicPr>
-        <p:blipFill>
-          <a:blip r:embed="rId2">
-            <a:extLst>
-              <a:ext uri="{96DAC541-7B7A-43D3-8B79-37D633B846F1}">
-                <asvg:svgBlip xmlns:asvg="http://schemas.microsoft.com/office/drawing/2016/SVG/main" r:embed="rId3"/>
-              </a:ext>
-            </a:extLst>
-          </a:blip>
-          <a:stretch>
-            <a:fillRect/>
-          </a:stretch>
-        </p:blipFill>
-        <p:spPr>
-          <a:xfrm>
-            <a:off x="3588026" y="3042202"/>
-            <a:ext cx="1967948" cy="1967948"/>
-          </a:xfrm>
-          <a:prstGeom prst="rect">
-            <a:avLst/>
-          </a:prstGeom>
-        </p:spPr>
-      </p:pic>
-      <p:pic>
-        <p:nvPicPr>
-          <p:cNvPr id="4098" name="Picture 2">
-            <a:extLst>
-              <a:ext uri="{FF2B5EF4-FFF2-40B4-BE49-F238E27FC236}">
-                <a16:creationId xmlns:a16="http://schemas.microsoft.com/office/drawing/2014/main" id="{36AE9BF3-C0B3-EBED-313E-D358932A50CF}"/>
-              </a:ext>
-            </a:extLst>
-          </p:cNvPr>
-          <p:cNvPicPr>
-            <a:picLocks noChangeAspect="1" noChangeArrowheads="1"/>
-          </p:cNvPicPr>
-          <p:nvPr/>
-        </p:nvPicPr>
-        <p:blipFill>
-          <a:blip r:embed="rId4">
-            <a:extLst>
-              <a:ext uri="{28A0092B-C50C-407E-A947-70E740481C1C}">
-                <a14:useLocalDpi xmlns:a14="http://schemas.microsoft.com/office/drawing/2010/main" val="0"/>
-              </a:ext>
-            </a:extLst>
-          </a:blip>
-          <a:srcRect/>
-          <a:stretch>
-            <a:fillRect/>
-          </a:stretch>
-        </p:blipFill>
-        <p:spPr bwMode="auto">
-          <a:xfrm>
-            <a:off x="4226648" y="3631375"/>
-            <a:ext cx="560188" cy="434109"/>
-          </a:xfrm>
-          <a:prstGeom prst="rect">
-            <a:avLst/>
-          </a:prstGeom>
-          <a:noFill/>
-          <a:extLst>
-            <a:ext uri="{909E8E84-426E-40DD-AFC4-6F175D3DCCD1}">
-              <a14:hiddenFill xmlns:a14="http://schemas.microsoft.com/office/drawing/2010/main">
-                <a:solidFill>
-                  <a:srgbClr val="FFFFFF"/>
-                </a:solidFill>
-              </a14:hiddenFill>
-            </a:ext>
-          </a:extLst>
-        </p:spPr>
-      </p:pic>
     </p:spTree>
     <p:extLst>
       <p:ext uri="{BB962C8B-B14F-4D97-AF65-F5344CB8AC3E}">
-        <p14:creationId xmlns:p14="http://schemas.microsoft.com/office/powerpoint/2010/main" val="375876206"/>
+        <p14:creationId xmlns:p14="http://schemas.microsoft.com/office/powerpoint/2010/main" val="1927633834"/>
       </p:ext>
     </p:extLst>
   </p:cSld>
@@ -37036,6 +37078,162 @@
             </a:pPr>
             <a:r>
               <a:rPr lang="en-US" dirty="0"/>
+              <a:t>How did that go?</a:t>
+            </a:r>
+            <a:br>
+              <a:rPr lang="en-US" dirty="0"/>
+            </a:br>
+            <a:br>
+              <a:rPr lang="en-US" dirty="0"/>
+            </a:br>
+            <a:r>
+              <a:rPr lang="en-US" dirty="0"/>
+              <a:t>How could we make this more efficient?</a:t>
+            </a:r>
+            <a:endParaRPr dirty="0"/>
+          </a:p>
+        </p:txBody>
+      </p:sp>
+      <p:pic>
+        <p:nvPicPr>
+          <p:cNvPr id="4" name="Graphic 3" descr="Monitor with solid fill">
+            <a:extLst>
+              <a:ext uri="{FF2B5EF4-FFF2-40B4-BE49-F238E27FC236}">
+                <a16:creationId xmlns:a16="http://schemas.microsoft.com/office/drawing/2014/main" id="{17C28357-7135-C79F-659E-747230348587}"/>
+              </a:ext>
+            </a:extLst>
+          </p:cNvPr>
+          <p:cNvPicPr>
+            <a:picLocks noChangeAspect="1"/>
+          </p:cNvPicPr>
+          <p:nvPr/>
+        </p:nvPicPr>
+        <p:blipFill>
+          <a:blip r:embed="rId2">
+            <a:extLst>
+              <a:ext uri="{96DAC541-7B7A-43D3-8B79-37D633B846F1}">
+                <asvg:svgBlip xmlns:asvg="http://schemas.microsoft.com/office/drawing/2016/SVG/main" r:embed="rId3"/>
+              </a:ext>
+            </a:extLst>
+          </a:blip>
+          <a:stretch>
+            <a:fillRect/>
+          </a:stretch>
+        </p:blipFill>
+        <p:spPr>
+          <a:xfrm>
+            <a:off x="3588026" y="3042202"/>
+            <a:ext cx="1967948" cy="1967948"/>
+          </a:xfrm>
+          <a:prstGeom prst="rect">
+            <a:avLst/>
+          </a:prstGeom>
+        </p:spPr>
+      </p:pic>
+      <p:pic>
+        <p:nvPicPr>
+          <p:cNvPr id="4098" name="Picture 2">
+            <a:extLst>
+              <a:ext uri="{FF2B5EF4-FFF2-40B4-BE49-F238E27FC236}">
+                <a16:creationId xmlns:a16="http://schemas.microsoft.com/office/drawing/2014/main" id="{36AE9BF3-C0B3-EBED-313E-D358932A50CF}"/>
+              </a:ext>
+            </a:extLst>
+          </p:cNvPr>
+          <p:cNvPicPr>
+            <a:picLocks noChangeAspect="1" noChangeArrowheads="1"/>
+          </p:cNvPicPr>
+          <p:nvPr/>
+        </p:nvPicPr>
+        <p:blipFill>
+          <a:blip r:embed="rId4">
+            <a:extLst>
+              <a:ext uri="{28A0092B-C50C-407E-A947-70E740481C1C}">
+                <a14:useLocalDpi xmlns:a14="http://schemas.microsoft.com/office/drawing/2010/main" val="0"/>
+              </a:ext>
+            </a:extLst>
+          </a:blip>
+          <a:srcRect/>
+          <a:stretch>
+            <a:fillRect/>
+          </a:stretch>
+        </p:blipFill>
+        <p:spPr bwMode="auto">
+          <a:xfrm>
+            <a:off x="4226648" y="3631375"/>
+            <a:ext cx="560188" cy="434109"/>
+          </a:xfrm>
+          <a:prstGeom prst="rect">
+            <a:avLst/>
+          </a:prstGeom>
+          <a:noFill/>
+          <a:extLst>
+            <a:ext uri="{909E8E84-426E-40DD-AFC4-6F175D3DCCD1}">
+              <a14:hiddenFill xmlns:a14="http://schemas.microsoft.com/office/drawing/2010/main">
+                <a:solidFill>
+                  <a:srgbClr val="FFFFFF"/>
+                </a:solidFill>
+              </a14:hiddenFill>
+            </a:ext>
+          </a:extLst>
+        </p:spPr>
+      </p:pic>
+    </p:spTree>
+    <p:extLst>
+      <p:ext uri="{BB962C8B-B14F-4D97-AF65-F5344CB8AC3E}">
+        <p14:creationId xmlns:p14="http://schemas.microsoft.com/office/powerpoint/2010/main" val="375876206"/>
+      </p:ext>
+    </p:extLst>
+  </p:cSld>
+  <p:clrMapOvr>
+    <a:masterClrMapping/>
+  </p:clrMapOvr>
+</p:sld>
+</file>
+
+<file path=ppt/slides/slide46.xml><?xml version="1.0" encoding="utf-8"?>
+<p:sld xmlns:a="http://schemas.openxmlformats.org/drawingml/2006/main" xmlns:r="http://schemas.openxmlformats.org/officeDocument/2006/relationships" xmlns:p="http://schemas.openxmlformats.org/presentationml/2006/main">
+  <p:cSld>
+    <p:spTree>
+      <p:nvGrpSpPr>
+        <p:cNvPr id="1" name=""/>
+        <p:cNvGrpSpPr/>
+        <p:nvPr/>
+      </p:nvGrpSpPr>
+      <p:grpSpPr>
+        <a:xfrm>
+          <a:off x="0" y="0"/>
+          <a:ext cx="0" cy="0"/>
+          <a:chOff x="0" y="0"/>
+          <a:chExt cx="0" cy="0"/>
+        </a:xfrm>
+      </p:grpSpPr>
+      <p:sp>
+        <p:nvSpPr>
+          <p:cNvPr id="2" name="Title 1"/>
+          <p:cNvSpPr>
+            <a:spLocks noGrp="1"/>
+          </p:cNvSpPr>
+          <p:nvPr>
+            <p:ph type="title"/>
+          </p:nvPr>
+        </p:nvSpPr>
+        <p:spPr>
+          <a:xfrm>
+            <a:off x="457200" y="993157"/>
+            <a:ext cx="8229600" cy="2855273"/>
+          </a:xfrm>
+        </p:spPr>
+        <p:txBody>
+          <a:bodyPr>
+            <a:normAutofit/>
+          </a:bodyPr>
+          <a:lstStyle/>
+          <a:p>
+            <a:pPr marL="0" lvl="0" indent="0">
+              <a:buNone/>
+            </a:pPr>
+            <a:r>
+              <a:rPr lang="en-US" dirty="0"/>
               <a:t>Break to code up UNTB in R.</a:t>
             </a:r>
             <a:endParaRPr dirty="0"/>
@@ -37138,7 +37336,7 @@
 </p:sld>
 </file>
 
-<file path=ppt/slides/slide46.xml><?xml version="1.0" encoding="utf-8"?>
+<file path=ppt/slides/slide47.xml><?xml version="1.0" encoding="utf-8"?>
 <p:sld xmlns:a="http://schemas.openxmlformats.org/drawingml/2006/main" xmlns:r="http://schemas.openxmlformats.org/officeDocument/2006/relationships" xmlns:p="http://schemas.openxmlformats.org/presentationml/2006/main">
   <p:cSld>
     <p:spTree>
@@ -39161,7 +39359,7 @@
 </p:sld>
 </file>
 
-<file path=ppt/slides/slide47.xml><?xml version="1.0" encoding="utf-8"?>
+<file path=ppt/slides/slide48.xml><?xml version="1.0" encoding="utf-8"?>
 <p:sld xmlns:a="http://schemas.openxmlformats.org/drawingml/2006/main" xmlns:r="http://schemas.openxmlformats.org/officeDocument/2006/relationships" xmlns:p="http://schemas.openxmlformats.org/presentationml/2006/main">
   <p:cSld>
     <p:spTree>
@@ -39307,7 +39505,7 @@
 </p:sld>
 </file>
 
-<file path=ppt/slides/slide48.xml><?xml version="1.0" encoding="utf-8"?>
+<file path=ppt/slides/slide49.xml><?xml version="1.0" encoding="utf-8"?>
 <p:sld xmlns:a="http://schemas.openxmlformats.org/drawingml/2006/main" xmlns:r="http://schemas.openxmlformats.org/officeDocument/2006/relationships" xmlns:p="http://schemas.openxmlformats.org/presentationml/2006/main">
   <p:cSld>
     <p:spTree>
@@ -39367,62 +39565,6 @@
     <p:extLst>
       <p:ext uri="{BB962C8B-B14F-4D97-AF65-F5344CB8AC3E}">
         <p14:creationId xmlns:p14="http://schemas.microsoft.com/office/powerpoint/2010/main" val="1865085559"/>
-      </p:ext>
-    </p:extLst>
-  </p:cSld>
-  <p:clrMapOvr>
-    <a:masterClrMapping/>
-  </p:clrMapOvr>
-</p:sld>
-</file>
-
-<file path=ppt/slides/slide49.xml><?xml version="1.0" encoding="utf-8"?>
-<p:sld xmlns:a="http://schemas.openxmlformats.org/drawingml/2006/main" xmlns:r="http://schemas.openxmlformats.org/officeDocument/2006/relationships" xmlns:p="http://schemas.openxmlformats.org/presentationml/2006/main">
-  <p:cSld>
-    <p:spTree>
-      <p:nvGrpSpPr>
-        <p:cNvPr id="1" name=""/>
-        <p:cNvGrpSpPr/>
-        <p:nvPr/>
-      </p:nvGrpSpPr>
-      <p:grpSpPr>
-        <a:xfrm>
-          <a:off x="0" y="0"/>
-          <a:ext cx="0" cy="0"/>
-          <a:chOff x="0" y="0"/>
-          <a:chExt cx="0" cy="0"/>
-        </a:xfrm>
-      </p:grpSpPr>
-      <p:sp>
-        <p:nvSpPr>
-          <p:cNvPr id="2" name="Title 1"/>
-          <p:cNvSpPr>
-            <a:spLocks noGrp="1"/>
-          </p:cNvSpPr>
-          <p:nvPr>
-            <p:ph type="title"/>
-          </p:nvPr>
-        </p:nvSpPr>
-        <p:spPr/>
-        <p:txBody>
-          <a:bodyPr/>
-          <a:lstStyle/>
-          <a:p>
-            <a:pPr marL="0" lvl="0" indent="0">
-              <a:buNone/>
-            </a:pPr>
-            <a:r>
-              <a:rPr lang="en-US" dirty="0"/>
-              <a:t>Inferring parameters from results in UNTB</a:t>
-            </a:r>
-            <a:endParaRPr dirty="0"/>
-          </a:p>
-        </p:txBody>
-      </p:sp>
-    </p:spTree>
-    <p:extLst>
-      <p:ext uri="{BB962C8B-B14F-4D97-AF65-F5344CB8AC3E}">
-        <p14:creationId xmlns:p14="http://schemas.microsoft.com/office/powerpoint/2010/main" val="1339736014"/>
       </p:ext>
     </p:extLst>
   </p:cSld>
@@ -39502,8 +39644,8 @@
         </p:nvSpPr>
         <p:spPr>
           <a:xfrm>
-            <a:off x="457200" y="1200151"/>
-            <a:ext cx="5539154" cy="3394472"/>
+            <a:off x="457199" y="1200151"/>
+            <a:ext cx="8229599" cy="3394472"/>
           </a:xfrm>
         </p:spPr>
         <p:txBody>
@@ -39512,26 +39654,14 @@
           <a:p>
             <a:r>
               <a:rPr lang="en-US" dirty="0"/>
-              <a:t>Process models are </a:t>
-            </a:r>
-            <a:r>
-              <a:rPr lang="en-US" b="1" dirty="0"/>
-              <a:t>games…</a:t>
-            </a:r>
-          </a:p>
-          <a:p>
-            <a:pPr lvl="1"/>
-            <a:r>
-              <a:rPr lang="en-US" dirty="0"/>
-              <a:t>Scenarios play out according to rules</a:t>
-            </a:r>
-          </a:p>
-          <a:p>
-            <a:pPr lvl="1"/>
-            <a:r>
-              <a:rPr lang="en-US" dirty="0"/>
-              <a:t>Outcomes depend on the rules + chance</a:t>
-            </a:r>
+              <a:t>Have you ever worked with or encountered a process model?</a:t>
+            </a:r>
+          </a:p>
+          <a:p>
+            <a:endParaRPr lang="en-US" dirty="0"/>
+          </a:p>
+          <a:p>
+            <a:endParaRPr lang="en-US" dirty="0"/>
           </a:p>
           <a:p>
             <a:pPr marL="0" indent="0">
@@ -39541,95 +39671,7 @@
           </a:p>
         </p:txBody>
       </p:sp>
-      <p:pic>
-        <p:nvPicPr>
-          <p:cNvPr id="11" name="Graphic 10" descr="Tic Tac Toe with solid fill">
-            <a:extLst>
-              <a:ext uri="{FF2B5EF4-FFF2-40B4-BE49-F238E27FC236}">
-                <a16:creationId xmlns:a16="http://schemas.microsoft.com/office/drawing/2014/main" id="{809AB96B-7B73-CA54-0033-19CD1B4ED33E}"/>
-              </a:ext>
-            </a:extLst>
-          </p:cNvPr>
-          <p:cNvPicPr>
-            <a:picLocks noChangeAspect="1"/>
-          </p:cNvPicPr>
-          <p:nvPr/>
-        </p:nvPicPr>
-        <p:blipFill>
-          <a:blip r:embed="rId2">
-            <a:extLst>
-              <a:ext uri="{96DAC541-7B7A-43D3-8B79-37D633B846F1}">
-                <asvg:svgBlip xmlns:asvg="http://schemas.microsoft.com/office/drawing/2016/SVG/main" r:embed="rId3"/>
-              </a:ext>
-            </a:extLst>
-          </a:blip>
-          <a:stretch>
-            <a:fillRect/>
-          </a:stretch>
-        </p:blipFill>
-        <p:spPr>
-          <a:xfrm>
-            <a:off x="3644411" y="2897387"/>
-            <a:ext cx="1855178" cy="1855178"/>
-          </a:xfrm>
-          <a:prstGeom prst="rect">
-            <a:avLst/>
-          </a:prstGeom>
-        </p:spPr>
-      </p:pic>
-      <p:pic>
-        <p:nvPicPr>
-          <p:cNvPr id="1026" name="Picture 2" descr="Unified neutral theory of biodiversity - Wikipedia">
-            <a:extLst>
-              <a:ext uri="{FF2B5EF4-FFF2-40B4-BE49-F238E27FC236}">
-                <a16:creationId xmlns:a16="http://schemas.microsoft.com/office/drawing/2014/main" id="{F28D7822-36F6-0BD1-BF4D-CA1C0D3B222B}"/>
-              </a:ext>
-            </a:extLst>
-          </p:cNvPr>
-          <p:cNvPicPr>
-            <a:picLocks noChangeAspect="1" noChangeArrowheads="1"/>
-          </p:cNvPicPr>
-          <p:nvPr/>
-        </p:nvPicPr>
-        <p:blipFill>
-          <a:blip r:embed="rId4">
-            <a:extLst>
-              <a:ext uri="{28A0092B-C50C-407E-A947-70E740481C1C}">
-                <a14:useLocalDpi xmlns:a14="http://schemas.microsoft.com/office/drawing/2010/main" val="0"/>
-              </a:ext>
-            </a:extLst>
-          </a:blip>
-          <a:srcRect/>
-          <a:stretch>
-            <a:fillRect/>
-          </a:stretch>
-        </p:blipFill>
-        <p:spPr bwMode="auto">
-          <a:xfrm>
-            <a:off x="6333158" y="1310204"/>
-            <a:ext cx="2197921" cy="3394472"/>
-          </a:xfrm>
-          <a:prstGeom prst="rect">
-            <a:avLst/>
-          </a:prstGeom>
-          <a:noFill/>
-          <a:extLst>
-            <a:ext uri="{909E8E84-426E-40DD-AFC4-6F175D3DCCD1}">
-              <a14:hiddenFill xmlns:a14="http://schemas.microsoft.com/office/drawing/2010/main">
-                <a:solidFill>
-                  <a:srgbClr val="FFFFFF"/>
-                </a:solidFill>
-              </a14:hiddenFill>
-            </a:ext>
-          </a:extLst>
-        </p:spPr>
-      </p:pic>
     </p:spTree>
-    <p:extLst>
-      <p:ext uri="{BB962C8B-B14F-4D97-AF65-F5344CB8AC3E}">
-        <p14:creationId xmlns:p14="http://schemas.microsoft.com/office/powerpoint/2010/main" val="1639729455"/>
-      </p:ext>
-    </p:extLst>
   </p:cSld>
   <p:clrMapOvr>
     <a:masterClrMapping/>
@@ -39680,67 +39722,10 @@
           </a:p>
         </p:txBody>
       </p:sp>
-      <p:sp>
-        <p:nvSpPr>
-          <p:cNvPr id="3" name="Content Placeholder 2">
-            <a:extLst>
-              <a:ext uri="{FF2B5EF4-FFF2-40B4-BE49-F238E27FC236}">
-                <a16:creationId xmlns:a16="http://schemas.microsoft.com/office/drawing/2014/main" id="{AD10E003-ED85-A5E5-3D40-00514C43DA40}"/>
-              </a:ext>
-            </a:extLst>
-          </p:cNvPr>
-          <p:cNvSpPr>
-            <a:spLocks noGrp="1"/>
-          </p:cNvSpPr>
-          <p:nvPr>
-            <p:ph idx="1"/>
-          </p:nvPr>
-        </p:nvSpPr>
-        <p:spPr>
-          <a:xfrm>
-            <a:off x="457200" y="1200151"/>
-            <a:ext cx="8229600" cy="3394472"/>
-          </a:xfrm>
-        </p:spPr>
-        <p:txBody>
-          <a:bodyPr/>
-          <a:lstStyle/>
-          <a:p>
-            <a:pPr marL="457200" indent="-457200">
-              <a:buFont typeface="+mj-lt"/>
-              <a:buAutoNum type="arabicPeriod"/>
-            </a:pPr>
-            <a:r>
-              <a:rPr lang="en-US" dirty="0"/>
-              <a:t>What do we mean by inferring parameters from outcomes?</a:t>
-            </a:r>
-          </a:p>
-          <a:p>
-            <a:pPr marL="457200" indent="-457200">
-              <a:buFont typeface="+mj-lt"/>
-              <a:buAutoNum type="arabicPeriod"/>
-            </a:pPr>
-            <a:r>
-              <a:rPr lang="en-US" dirty="0"/>
-              <a:t>How do we approach this for UNTB?</a:t>
-            </a:r>
-          </a:p>
-          <a:p>
-            <a:pPr marL="457200" indent="-457200">
-              <a:buFont typeface="+mj-lt"/>
-              <a:buAutoNum type="arabicPeriod"/>
-            </a:pPr>
-            <a:r>
-              <a:rPr lang="en-US" dirty="0"/>
-              <a:t>What are the challenges we run into?</a:t>
-            </a:r>
-          </a:p>
-        </p:txBody>
-      </p:sp>
     </p:spTree>
     <p:extLst>
       <p:ext uri="{BB962C8B-B14F-4D97-AF65-F5344CB8AC3E}">
-        <p14:creationId xmlns:p14="http://schemas.microsoft.com/office/powerpoint/2010/main" val="1030137712"/>
+        <p14:creationId xmlns:p14="http://schemas.microsoft.com/office/powerpoint/2010/main" val="1339736014"/>
       </p:ext>
     </p:extLst>
   </p:cSld>
@@ -39779,9 +39764,7 @@
         </p:nvSpPr>
         <p:spPr/>
         <p:txBody>
-          <a:bodyPr>
-            <a:normAutofit fontScale="90000"/>
-          </a:bodyPr>
+          <a:bodyPr/>
           <a:lstStyle/>
           <a:p>
             <a:pPr marL="0" lvl="0" indent="0">
@@ -39789,13 +39772,7 @@
             </a:pPr>
             <a:r>
               <a:rPr lang="en-US" dirty="0"/>
-              <a:t>What do we mean by inferring parameters from outcomes</a:t>
-            </a:r>
-            <a:r>
-              <a:rPr lang="en-US" dirty="0">
-                <a:sym typeface="Wingdings" pitchFamily="2" charset="2"/>
-              </a:rPr>
-              <a:t>?</a:t>
+              <a:t>Inferring parameters from results in UNTB</a:t>
             </a:r>
             <a:endParaRPr dirty="0"/>
           </a:p>
@@ -39827,63 +39804,33 @@
           <a:bodyPr/>
           <a:lstStyle/>
           <a:p>
-            <a:pPr>
-              <a:buFont typeface="Arial" panose="020B0604020202020204" pitchFamily="34" charset="0"/>
-              <a:buChar char="•"/>
+            <a:pPr marL="457200" indent="-457200">
+              <a:buFont typeface="+mj-lt"/>
+              <a:buAutoNum type="arabicPeriod"/>
             </a:pPr>
             <a:r>
               <a:rPr lang="en-US" dirty="0"/>
-              <a:t>Assuming the </a:t>
-            </a:r>
-            <a:r>
-              <a:rPr lang="en-US" i="1" dirty="0"/>
-              <a:t>processes </a:t>
-            </a:r>
+              <a:t>What do we mean by inferring parameters from outcomes?</a:t>
+            </a:r>
+          </a:p>
+          <a:p>
+            <a:pPr marL="457200" indent="-457200">
+              <a:buFont typeface="+mj-lt"/>
+              <a:buAutoNum type="arabicPeriod"/>
+            </a:pPr>
             <a:r>
               <a:rPr lang="en-US" dirty="0"/>
-              <a:t>in a model accurately describe the processes that generated some data***… </a:t>
-            </a:r>
-            <a:br>
+              <a:t>How do we approach this for UNTB?</a:t>
+            </a:r>
+          </a:p>
+          <a:p>
+            <a:pPr marL="457200" indent="-457200">
+              <a:buFont typeface="+mj-lt"/>
+              <a:buAutoNum type="arabicPeriod"/>
+            </a:pPr>
+            <a:r>
               <a:rPr lang="en-US" dirty="0"/>
-            </a:br>
-            <a:endParaRPr lang="en-US" dirty="0"/>
-          </a:p>
-        </p:txBody>
-      </p:sp>
-      <p:sp>
-        <p:nvSpPr>
-          <p:cNvPr id="4" name="TextBox 3">
-            <a:extLst>
-              <a:ext uri="{FF2B5EF4-FFF2-40B4-BE49-F238E27FC236}">
-                <a16:creationId xmlns:a16="http://schemas.microsoft.com/office/drawing/2014/main" id="{1C24D77E-0D5A-4826-9A2C-9D0FCBBED64C}"/>
-              </a:ext>
-            </a:extLst>
-          </p:cNvPr>
-          <p:cNvSpPr txBox="1"/>
-          <p:nvPr/>
-        </p:nvSpPr>
-        <p:spPr>
-          <a:xfrm>
-            <a:off x="457200" y="4705111"/>
-            <a:ext cx="4572000" cy="369332"/>
-          </a:xfrm>
-          <a:prstGeom prst="rect">
-            <a:avLst/>
-          </a:prstGeom>
-          <a:noFill/>
-        </p:spPr>
-        <p:txBody>
-          <a:bodyPr wrap="square">
-            <a:spAutoFit/>
-          </a:bodyPr>
-          <a:lstStyle/>
-          <a:p>
-            <a:pPr marL="342900" lvl="1" indent="0">
-              <a:buNone/>
-            </a:pPr>
-            <a:r>
-              <a:rPr lang="en-US" dirty="0"/>
-              <a:t>*** This is a big assumption!</a:t>
+              <a:t>What are the challenges we run into?</a:t>
             </a:r>
           </a:p>
         </p:txBody>
@@ -39891,7 +39838,7 @@
     </p:spTree>
     <p:extLst>
       <p:ext uri="{BB962C8B-B14F-4D97-AF65-F5344CB8AC3E}">
-        <p14:creationId xmlns:p14="http://schemas.microsoft.com/office/powerpoint/2010/main" val="1327927075"/>
+        <p14:creationId xmlns:p14="http://schemas.microsoft.com/office/powerpoint/2010/main" val="1030137712"/>
       </p:ext>
     </p:extLst>
   </p:cSld>
@@ -39997,21 +39944,7 @@
             <a:br>
               <a:rPr lang="en-US" dirty="0"/>
             </a:br>
-            <a:br>
-              <a:rPr lang="en-US" dirty="0"/>
-            </a:br>
-            <a:r>
-              <a:rPr lang="en-US" i="1" dirty="0"/>
-              <a:t>…we can use our knowledge of the model to guess the parameter settings that generated a specific outcome</a:t>
-            </a:r>
-            <a:r>
-              <a:rPr lang="en-US" dirty="0"/>
-              <a:t>.</a:t>
-            </a:r>
-            <a:br>
-              <a:rPr lang="en-US" dirty="0"/>
-            </a:br>
-            <a:endParaRPr lang="en-US" i="1" dirty="0"/>
+            <a:endParaRPr lang="en-US" dirty="0"/>
           </a:p>
         </p:txBody>
       </p:sp>
@@ -40020,7 +39953,7 @@
           <p:cNvPr id="4" name="TextBox 3">
             <a:extLst>
               <a:ext uri="{FF2B5EF4-FFF2-40B4-BE49-F238E27FC236}">
-                <a16:creationId xmlns:a16="http://schemas.microsoft.com/office/drawing/2014/main" id="{E9002705-0E39-9E82-37B0-BB1446569E57}"/>
+                <a16:creationId xmlns:a16="http://schemas.microsoft.com/office/drawing/2014/main" id="{1C24D77E-0D5A-4826-9A2C-9D0FCBBED64C}"/>
               </a:ext>
             </a:extLst>
           </p:cNvPr>
@@ -40056,7 +39989,7 @@
     </p:spTree>
     <p:extLst>
       <p:ext uri="{BB962C8B-B14F-4D97-AF65-F5344CB8AC3E}">
-        <p14:creationId xmlns:p14="http://schemas.microsoft.com/office/powerpoint/2010/main" val="3972428934"/>
+        <p14:creationId xmlns:p14="http://schemas.microsoft.com/office/powerpoint/2010/main" val="1327927075"/>
       </p:ext>
     </p:extLst>
   </p:cSld>
@@ -40136,13 +40069,11 @@
         <p:spPr>
           <a:xfrm>
             <a:off x="457200" y="1200151"/>
-            <a:ext cx="8229600" cy="3737370"/>
+            <a:ext cx="8229600" cy="3394472"/>
           </a:xfrm>
         </p:spPr>
         <p:txBody>
-          <a:bodyPr>
-            <a:normAutofit/>
-          </a:bodyPr>
+          <a:bodyPr/>
           <a:lstStyle/>
           <a:p>
             <a:pPr>
@@ -40175,23 +40106,6 @@
               <a:rPr lang="en-US" dirty="0"/>
               <a:t>.</a:t>
             </a:r>
-          </a:p>
-          <a:p>
-            <a:pPr>
-              <a:buFont typeface="Arial" panose="020B0604020202020204" pitchFamily="34" charset="0"/>
-              <a:buChar char="•"/>
-            </a:pPr>
-            <a:endParaRPr lang="en-US" dirty="0"/>
-          </a:p>
-          <a:p>
-            <a:pPr>
-              <a:buFont typeface="Arial" panose="020B0604020202020204" pitchFamily="34" charset="0"/>
-              <a:buChar char="•"/>
-            </a:pPr>
-            <a:r>
-              <a:rPr lang="en-US" dirty="0"/>
-              <a:t>This is the backbone of likelihood-free inference (coming up soon!)</a:t>
-            </a:r>
             <a:br>
               <a:rPr lang="en-US" dirty="0"/>
             </a:br>
@@ -40201,10 +40115,10 @@
       </p:sp>
       <p:sp>
         <p:nvSpPr>
-          <p:cNvPr id="5" name="TextBox 4">
+          <p:cNvPr id="4" name="TextBox 3">
             <a:extLst>
               <a:ext uri="{FF2B5EF4-FFF2-40B4-BE49-F238E27FC236}">
-                <a16:creationId xmlns:a16="http://schemas.microsoft.com/office/drawing/2014/main" id="{82718516-C273-3468-8B51-E13DD63E0941}"/>
+                <a16:creationId xmlns:a16="http://schemas.microsoft.com/office/drawing/2014/main" id="{E9002705-0E39-9E82-37B0-BB1446569E57}"/>
               </a:ext>
             </a:extLst>
           </p:cNvPr>
@@ -40240,7 +40154,7 @@
     </p:spTree>
     <p:extLst>
       <p:ext uri="{BB962C8B-B14F-4D97-AF65-F5344CB8AC3E}">
-        <p14:creationId xmlns:p14="http://schemas.microsoft.com/office/powerpoint/2010/main" val="883533137"/>
+        <p14:creationId xmlns:p14="http://schemas.microsoft.com/office/powerpoint/2010/main" val="3972428934"/>
       </p:ext>
     </p:extLst>
   </p:cSld>
@@ -40267,6 +40181,190 @@
           <a:chExt cx="0" cy="0"/>
         </a:xfrm>
       </p:grpSpPr>
+      <p:sp>
+        <p:nvSpPr>
+          <p:cNvPr id="2" name="Title 1"/>
+          <p:cNvSpPr>
+            <a:spLocks noGrp="1"/>
+          </p:cNvSpPr>
+          <p:nvPr>
+            <p:ph type="title"/>
+          </p:nvPr>
+        </p:nvSpPr>
+        <p:spPr/>
+        <p:txBody>
+          <a:bodyPr>
+            <a:normAutofit fontScale="90000"/>
+          </a:bodyPr>
+          <a:lstStyle/>
+          <a:p>
+            <a:pPr marL="0" lvl="0" indent="0">
+              <a:buNone/>
+            </a:pPr>
+            <a:r>
+              <a:rPr lang="en-US" dirty="0"/>
+              <a:t>What do we mean by inferring parameters from outcomes</a:t>
+            </a:r>
+            <a:r>
+              <a:rPr lang="en-US" dirty="0">
+                <a:sym typeface="Wingdings" pitchFamily="2" charset="2"/>
+              </a:rPr>
+              <a:t>?</a:t>
+            </a:r>
+            <a:endParaRPr dirty="0"/>
+          </a:p>
+        </p:txBody>
+      </p:sp>
+      <p:sp>
+        <p:nvSpPr>
+          <p:cNvPr id="3" name="Content Placeholder 2">
+            <a:extLst>
+              <a:ext uri="{FF2B5EF4-FFF2-40B4-BE49-F238E27FC236}">
+                <a16:creationId xmlns:a16="http://schemas.microsoft.com/office/drawing/2014/main" id="{AD10E003-ED85-A5E5-3D40-00514C43DA40}"/>
+              </a:ext>
+            </a:extLst>
+          </p:cNvPr>
+          <p:cNvSpPr>
+            <a:spLocks noGrp="1"/>
+          </p:cNvSpPr>
+          <p:nvPr>
+            <p:ph idx="1"/>
+          </p:nvPr>
+        </p:nvSpPr>
+        <p:spPr>
+          <a:xfrm>
+            <a:off x="457200" y="1200151"/>
+            <a:ext cx="8229600" cy="3737370"/>
+          </a:xfrm>
+        </p:spPr>
+        <p:txBody>
+          <a:bodyPr>
+            <a:normAutofit/>
+          </a:bodyPr>
+          <a:lstStyle/>
+          <a:p>
+            <a:pPr>
+              <a:buFont typeface="Arial" panose="020B0604020202020204" pitchFamily="34" charset="0"/>
+              <a:buChar char="•"/>
+            </a:pPr>
+            <a:r>
+              <a:rPr lang="en-US" dirty="0"/>
+              <a:t>Assuming the </a:t>
+            </a:r>
+            <a:r>
+              <a:rPr lang="en-US" i="1" dirty="0"/>
+              <a:t>processes </a:t>
+            </a:r>
+            <a:r>
+              <a:rPr lang="en-US" dirty="0"/>
+              <a:t>in a model accurately describe the processes that generated some data***… </a:t>
+            </a:r>
+            <a:br>
+              <a:rPr lang="en-US" dirty="0"/>
+            </a:br>
+            <a:br>
+              <a:rPr lang="en-US" dirty="0"/>
+            </a:br>
+            <a:r>
+              <a:rPr lang="en-US" i="1" dirty="0"/>
+              <a:t>…we can use our knowledge of the model to guess the parameter settings that generated a specific outcome</a:t>
+            </a:r>
+            <a:r>
+              <a:rPr lang="en-US" dirty="0"/>
+              <a:t>.</a:t>
+            </a:r>
+          </a:p>
+          <a:p>
+            <a:pPr>
+              <a:buFont typeface="Arial" panose="020B0604020202020204" pitchFamily="34" charset="0"/>
+              <a:buChar char="•"/>
+            </a:pPr>
+            <a:endParaRPr lang="en-US" dirty="0"/>
+          </a:p>
+          <a:p>
+            <a:pPr>
+              <a:buFont typeface="Arial" panose="020B0604020202020204" pitchFamily="34" charset="0"/>
+              <a:buChar char="•"/>
+            </a:pPr>
+            <a:r>
+              <a:rPr lang="en-US" dirty="0"/>
+              <a:t>This is the backbone of likelihood-free inference (coming up soon!)</a:t>
+            </a:r>
+            <a:br>
+              <a:rPr lang="en-US" dirty="0"/>
+            </a:br>
+            <a:endParaRPr lang="en-US" i="1" dirty="0"/>
+          </a:p>
+        </p:txBody>
+      </p:sp>
+      <p:sp>
+        <p:nvSpPr>
+          <p:cNvPr id="5" name="TextBox 4">
+            <a:extLst>
+              <a:ext uri="{FF2B5EF4-FFF2-40B4-BE49-F238E27FC236}">
+                <a16:creationId xmlns:a16="http://schemas.microsoft.com/office/drawing/2014/main" id="{82718516-C273-3468-8B51-E13DD63E0941}"/>
+              </a:ext>
+            </a:extLst>
+          </p:cNvPr>
+          <p:cNvSpPr txBox="1"/>
+          <p:nvPr/>
+        </p:nvSpPr>
+        <p:spPr>
+          <a:xfrm>
+            <a:off x="457200" y="4705111"/>
+            <a:ext cx="4572000" cy="369332"/>
+          </a:xfrm>
+          <a:prstGeom prst="rect">
+            <a:avLst/>
+          </a:prstGeom>
+          <a:noFill/>
+        </p:spPr>
+        <p:txBody>
+          <a:bodyPr wrap="square">
+            <a:spAutoFit/>
+          </a:bodyPr>
+          <a:lstStyle/>
+          <a:p>
+            <a:pPr marL="342900" lvl="1" indent="0">
+              <a:buNone/>
+            </a:pPr>
+            <a:r>
+              <a:rPr lang="en-US" dirty="0"/>
+              <a:t>*** This is a big assumption!</a:t>
+            </a:r>
+          </a:p>
+        </p:txBody>
+      </p:sp>
+    </p:spTree>
+    <p:extLst>
+      <p:ext uri="{BB962C8B-B14F-4D97-AF65-F5344CB8AC3E}">
+        <p14:creationId xmlns:p14="http://schemas.microsoft.com/office/powerpoint/2010/main" val="883533137"/>
+      </p:ext>
+    </p:extLst>
+  </p:cSld>
+  <p:clrMapOvr>
+    <a:masterClrMapping/>
+  </p:clrMapOvr>
+</p:sld>
+</file>
+
+<file path=ppt/slides/slide55.xml><?xml version="1.0" encoding="utf-8"?>
+<p:sld xmlns:a="http://schemas.openxmlformats.org/drawingml/2006/main" xmlns:r="http://schemas.openxmlformats.org/officeDocument/2006/relationships" xmlns:p="http://schemas.openxmlformats.org/presentationml/2006/main">
+  <p:cSld>
+    <p:spTree>
+      <p:nvGrpSpPr>
+        <p:cNvPr id="1" name=""/>
+        <p:cNvGrpSpPr/>
+        <p:nvPr/>
+      </p:nvGrpSpPr>
+      <p:grpSpPr>
+        <a:xfrm>
+          <a:off x="0" y="0"/>
+          <a:ext cx="0" cy="0"/>
+          <a:chOff x="0" y="0"/>
+          <a:chExt cx="0" cy="0"/>
+        </a:xfrm>
+      </p:grpSpPr>
       <p:pic>
         <p:nvPicPr>
           <p:cNvPr id="18" name="Graphic 17" descr="Arrow Right with solid fill">
@@ -40602,7 +40700,7 @@
 </p:sld>
 </file>
 
-<file path=ppt/slides/slide55.xml><?xml version="1.0" encoding="utf-8"?>
+<file path=ppt/slides/slide56.xml><?xml version="1.0" encoding="utf-8"?>
 <p:sld xmlns:a="http://schemas.openxmlformats.org/drawingml/2006/main" xmlns:r="http://schemas.openxmlformats.org/officeDocument/2006/relationships" xmlns:p="http://schemas.openxmlformats.org/presentationml/2006/main">
   <p:cSld>
     <p:spTree>
@@ -41327,7 +41425,7 @@
 </p:sld>
 </file>
 
-<file path=ppt/slides/slide56.xml><?xml version="1.0" encoding="utf-8"?>
+<file path=ppt/slides/slide57.xml><?xml version="1.0" encoding="utf-8"?>
 <p:sld xmlns:a="http://schemas.openxmlformats.org/drawingml/2006/main" xmlns:r="http://schemas.openxmlformats.org/officeDocument/2006/relationships" xmlns:p="http://schemas.openxmlformats.org/presentationml/2006/main">
   <p:cSld>
     <p:spTree>
@@ -42266,7 +42364,7 @@
 </p:sld>
 </file>
 
-<file path=ppt/slides/slide57.xml><?xml version="1.0" encoding="utf-8"?>
+<file path=ppt/slides/slide58.xml><?xml version="1.0" encoding="utf-8"?>
 <p:sld xmlns:a="http://schemas.openxmlformats.org/drawingml/2006/main" xmlns:r="http://schemas.openxmlformats.org/officeDocument/2006/relationships" xmlns:p="http://schemas.openxmlformats.org/presentationml/2006/main">
   <p:cSld>
     <p:spTree>
@@ -42340,7 +42438,7 @@
 </p:sld>
 </file>
 
-<file path=ppt/slides/slide58.xml><?xml version="1.0" encoding="utf-8"?>
+<file path=ppt/slides/slide59.xml><?xml version="1.0" encoding="utf-8"?>
 <p:sld xmlns:a="http://schemas.openxmlformats.org/drawingml/2006/main" xmlns:r="http://schemas.openxmlformats.org/officeDocument/2006/relationships" xmlns:p="http://schemas.openxmlformats.org/presentationml/2006/main">
   <p:cSld>
     <p:spTree>
@@ -42536,7 +42634,212 @@
 </p:sld>
 </file>
 
-<file path=ppt/slides/slide59.xml><?xml version="1.0" encoding="utf-8"?>
+<file path=ppt/slides/slide6.xml><?xml version="1.0" encoding="utf-8"?>
+<p:sld xmlns:a="http://schemas.openxmlformats.org/drawingml/2006/main" xmlns:r="http://schemas.openxmlformats.org/officeDocument/2006/relationships" xmlns:p="http://schemas.openxmlformats.org/presentationml/2006/main">
+  <p:cSld>
+    <p:spTree>
+      <p:nvGrpSpPr>
+        <p:cNvPr id="1" name=""/>
+        <p:cNvGrpSpPr/>
+        <p:nvPr/>
+      </p:nvGrpSpPr>
+      <p:grpSpPr>
+        <a:xfrm>
+          <a:off x="0" y="0"/>
+          <a:ext cx="0" cy="0"/>
+          <a:chOff x="0" y="0"/>
+          <a:chExt cx="0" cy="0"/>
+        </a:xfrm>
+      </p:grpSpPr>
+      <p:sp>
+        <p:nvSpPr>
+          <p:cNvPr id="2" name="Title 1"/>
+          <p:cNvSpPr>
+            <a:spLocks noGrp="1"/>
+          </p:cNvSpPr>
+          <p:nvPr>
+            <p:ph type="title"/>
+          </p:nvPr>
+        </p:nvSpPr>
+        <p:spPr/>
+        <p:txBody>
+          <a:bodyPr>
+            <a:normAutofit fontScale="90000"/>
+          </a:bodyPr>
+          <a:lstStyle/>
+          <a:p>
+            <a:pPr marL="0" lvl="0" indent="0">
+              <a:buNone/>
+            </a:pPr>
+            <a:r>
+              <a:rPr dirty="0"/>
+              <a:t>What do we </a:t>
+            </a:r>
+            <a:r>
+              <a:rPr i="1" dirty="0"/>
+              <a:t>mean</a:t>
+            </a:r>
+            <a:r>
+              <a:rPr dirty="0"/>
+              <a:t> by process modeling, anyway?</a:t>
+            </a:r>
+          </a:p>
+        </p:txBody>
+      </p:sp>
+      <p:sp>
+        <p:nvSpPr>
+          <p:cNvPr id="5" name="Content Placeholder 4">
+            <a:extLst>
+              <a:ext uri="{FF2B5EF4-FFF2-40B4-BE49-F238E27FC236}">
+                <a16:creationId xmlns:a16="http://schemas.microsoft.com/office/drawing/2014/main" id="{B41FE0D9-E13D-6A06-AF28-2CC566823536}"/>
+              </a:ext>
+            </a:extLst>
+          </p:cNvPr>
+          <p:cNvSpPr>
+            <a:spLocks noGrp="1"/>
+          </p:cNvSpPr>
+          <p:nvPr>
+            <p:ph idx="1"/>
+          </p:nvPr>
+        </p:nvSpPr>
+        <p:spPr>
+          <a:xfrm>
+            <a:off x="457200" y="1200151"/>
+            <a:ext cx="5539154" cy="3394472"/>
+          </a:xfrm>
+        </p:spPr>
+        <p:txBody>
+          <a:bodyPr/>
+          <a:lstStyle/>
+          <a:p>
+            <a:r>
+              <a:rPr lang="en-US" dirty="0"/>
+              <a:t>Process models are </a:t>
+            </a:r>
+            <a:r>
+              <a:rPr lang="en-US" b="1" dirty="0"/>
+              <a:t>games…</a:t>
+            </a:r>
+          </a:p>
+          <a:p>
+            <a:pPr lvl="1"/>
+            <a:r>
+              <a:rPr lang="en-US" dirty="0"/>
+              <a:t>Scenarios play out according to rules</a:t>
+            </a:r>
+          </a:p>
+          <a:p>
+            <a:pPr lvl="1"/>
+            <a:r>
+              <a:rPr lang="en-US" dirty="0"/>
+              <a:t>Outcomes depend on the rules + chance</a:t>
+            </a:r>
+          </a:p>
+          <a:p>
+            <a:pPr marL="0" indent="0">
+              <a:buNone/>
+            </a:pPr>
+            <a:endParaRPr lang="en-US" dirty="0"/>
+          </a:p>
+        </p:txBody>
+      </p:sp>
+      <p:pic>
+        <p:nvPicPr>
+          <p:cNvPr id="11" name="Graphic 10" descr="Tic Tac Toe with solid fill">
+            <a:extLst>
+              <a:ext uri="{FF2B5EF4-FFF2-40B4-BE49-F238E27FC236}">
+                <a16:creationId xmlns:a16="http://schemas.microsoft.com/office/drawing/2014/main" id="{809AB96B-7B73-CA54-0033-19CD1B4ED33E}"/>
+              </a:ext>
+            </a:extLst>
+          </p:cNvPr>
+          <p:cNvPicPr>
+            <a:picLocks noChangeAspect="1"/>
+          </p:cNvPicPr>
+          <p:nvPr/>
+        </p:nvPicPr>
+        <p:blipFill>
+          <a:blip r:embed="rId2">
+            <a:extLst>
+              <a:ext uri="{96DAC541-7B7A-43D3-8B79-37D633B846F1}">
+                <asvg:svgBlip xmlns:asvg="http://schemas.microsoft.com/office/drawing/2016/SVG/main" r:embed="rId3"/>
+              </a:ext>
+            </a:extLst>
+          </a:blip>
+          <a:stretch>
+            <a:fillRect/>
+          </a:stretch>
+        </p:blipFill>
+        <p:spPr>
+          <a:xfrm>
+            <a:off x="3644411" y="2897387"/>
+            <a:ext cx="1855178" cy="1855178"/>
+          </a:xfrm>
+          <a:prstGeom prst="rect">
+            <a:avLst/>
+          </a:prstGeom>
+        </p:spPr>
+      </p:pic>
+      <p:pic>
+        <p:nvPicPr>
+          <p:cNvPr id="1026" name="Picture 2" descr="Unified neutral theory of biodiversity - Wikipedia">
+            <a:extLst>
+              <a:ext uri="{FF2B5EF4-FFF2-40B4-BE49-F238E27FC236}">
+                <a16:creationId xmlns:a16="http://schemas.microsoft.com/office/drawing/2014/main" id="{F28D7822-36F6-0BD1-BF4D-CA1C0D3B222B}"/>
+              </a:ext>
+            </a:extLst>
+          </p:cNvPr>
+          <p:cNvPicPr>
+            <a:picLocks noChangeAspect="1" noChangeArrowheads="1"/>
+          </p:cNvPicPr>
+          <p:nvPr/>
+        </p:nvPicPr>
+        <p:blipFill>
+          <a:blip r:embed="rId4">
+            <a:extLst>
+              <a:ext uri="{28A0092B-C50C-407E-A947-70E740481C1C}">
+                <a14:useLocalDpi xmlns:a14="http://schemas.microsoft.com/office/drawing/2010/main" val="0"/>
+              </a:ext>
+            </a:extLst>
+          </a:blip>
+          <a:srcRect/>
+          <a:stretch>
+            <a:fillRect/>
+          </a:stretch>
+        </p:blipFill>
+        <p:spPr bwMode="auto">
+          <a:xfrm>
+            <a:off x="6333158" y="1310204"/>
+            <a:ext cx="2197921" cy="3394472"/>
+          </a:xfrm>
+          <a:prstGeom prst="rect">
+            <a:avLst/>
+          </a:prstGeom>
+          <a:noFill/>
+          <a:extLst>
+            <a:ext uri="{909E8E84-426E-40DD-AFC4-6F175D3DCCD1}">
+              <a14:hiddenFill xmlns:a14="http://schemas.microsoft.com/office/drawing/2010/main">
+                <a:solidFill>
+                  <a:srgbClr val="FFFFFF"/>
+                </a:solidFill>
+              </a14:hiddenFill>
+            </a:ext>
+          </a:extLst>
+        </p:spPr>
+      </p:pic>
+    </p:spTree>
+    <p:extLst>
+      <p:ext uri="{BB962C8B-B14F-4D97-AF65-F5344CB8AC3E}">
+        <p14:creationId xmlns:p14="http://schemas.microsoft.com/office/powerpoint/2010/main" val="1639729455"/>
+      </p:ext>
+    </p:extLst>
+  </p:cSld>
+  <p:clrMapOvr>
+    <a:masterClrMapping/>
+  </p:clrMapOvr>
+</p:sld>
+</file>
+
+<file path=ppt/slides/slide60.xml><?xml version="1.0" encoding="utf-8"?>
 <p:sld xmlns:a="http://schemas.openxmlformats.org/drawingml/2006/main" xmlns:r="http://schemas.openxmlformats.org/officeDocument/2006/relationships" xmlns:p="http://schemas.openxmlformats.org/presentationml/2006/main">
   <p:cSld>
     <p:spTree>
@@ -42981,240 +43284,7 @@
 </p:sld>
 </file>
 
-<file path=ppt/slides/slide6.xml><?xml version="1.0" encoding="utf-8"?>
-<p:sld xmlns:a="http://schemas.openxmlformats.org/drawingml/2006/main" xmlns:r="http://schemas.openxmlformats.org/officeDocument/2006/relationships" xmlns:p="http://schemas.openxmlformats.org/presentationml/2006/main">
-  <p:cSld>
-    <p:spTree>
-      <p:nvGrpSpPr>
-        <p:cNvPr id="1" name=""/>
-        <p:cNvGrpSpPr/>
-        <p:nvPr/>
-      </p:nvGrpSpPr>
-      <p:grpSpPr>
-        <a:xfrm>
-          <a:off x="0" y="0"/>
-          <a:ext cx="0" cy="0"/>
-          <a:chOff x="0" y="0"/>
-          <a:chExt cx="0" cy="0"/>
-        </a:xfrm>
-      </p:grpSpPr>
-      <p:sp>
-        <p:nvSpPr>
-          <p:cNvPr id="2" name="Title 1"/>
-          <p:cNvSpPr>
-            <a:spLocks noGrp="1"/>
-          </p:cNvSpPr>
-          <p:nvPr>
-            <p:ph type="title"/>
-          </p:nvPr>
-        </p:nvSpPr>
-        <p:spPr/>
-        <p:txBody>
-          <a:bodyPr>
-            <a:normAutofit fontScale="90000"/>
-          </a:bodyPr>
-          <a:lstStyle/>
-          <a:p>
-            <a:pPr marL="0" lvl="0" indent="0">
-              <a:buNone/>
-            </a:pPr>
-            <a:r>
-              <a:rPr dirty="0"/>
-              <a:t>What do we </a:t>
-            </a:r>
-            <a:r>
-              <a:rPr i="1" dirty="0"/>
-              <a:t>mean</a:t>
-            </a:r>
-            <a:r>
-              <a:rPr dirty="0"/>
-              <a:t> by process modeling, anyway?</a:t>
-            </a:r>
-          </a:p>
-        </p:txBody>
-      </p:sp>
-      <p:sp>
-        <p:nvSpPr>
-          <p:cNvPr id="5" name="Content Placeholder 4">
-            <a:extLst>
-              <a:ext uri="{FF2B5EF4-FFF2-40B4-BE49-F238E27FC236}">
-                <a16:creationId xmlns:a16="http://schemas.microsoft.com/office/drawing/2014/main" id="{B41FE0D9-E13D-6A06-AF28-2CC566823536}"/>
-              </a:ext>
-            </a:extLst>
-          </p:cNvPr>
-          <p:cNvSpPr>
-            <a:spLocks noGrp="1"/>
-          </p:cNvSpPr>
-          <p:nvPr>
-            <p:ph idx="1"/>
-          </p:nvPr>
-        </p:nvSpPr>
-        <p:spPr>
-          <a:xfrm>
-            <a:off x="457200" y="1200151"/>
-            <a:ext cx="5539154" cy="3394472"/>
-          </a:xfrm>
-        </p:spPr>
-        <p:txBody>
-          <a:bodyPr/>
-          <a:lstStyle/>
-          <a:p>
-            <a:r>
-              <a:rPr lang="en-US" dirty="0"/>
-              <a:t>Games may be simple or complex</a:t>
-            </a:r>
-          </a:p>
-          <a:p>
-            <a:pPr lvl="1"/>
-            <a:r>
-              <a:rPr lang="en-US" dirty="0"/>
-              <a:t>(Even simple games can be complex!)</a:t>
-            </a:r>
-          </a:p>
-          <a:p>
-            <a:pPr lvl="1"/>
-            <a:r>
-              <a:rPr lang="en-US" dirty="0"/>
-              <a:t>Not necessarily deterministic</a:t>
-            </a:r>
-          </a:p>
-          <a:p>
-            <a:pPr lvl="1"/>
-            <a:r>
-              <a:rPr lang="en-US" dirty="0"/>
-              <a:t>Not necessarily solvable analytically</a:t>
-            </a:r>
-          </a:p>
-        </p:txBody>
-      </p:sp>
-      <p:pic>
-        <p:nvPicPr>
-          <p:cNvPr id="10" name="Graphic 9" descr="Tic Tac Toe with solid fill">
-            <a:extLst>
-              <a:ext uri="{FF2B5EF4-FFF2-40B4-BE49-F238E27FC236}">
-                <a16:creationId xmlns:a16="http://schemas.microsoft.com/office/drawing/2014/main" id="{78835EE6-78DF-FA89-B853-F777269EBA6D}"/>
-              </a:ext>
-            </a:extLst>
-          </p:cNvPr>
-          <p:cNvPicPr>
-            <a:picLocks noChangeAspect="1"/>
-          </p:cNvPicPr>
-          <p:nvPr/>
-        </p:nvPicPr>
-        <p:blipFill>
-          <a:blip r:embed="rId2">
-            <a:extLst>
-              <a:ext uri="{96DAC541-7B7A-43D3-8B79-37D633B846F1}">
-                <asvg:svgBlip xmlns:asvg="http://schemas.microsoft.com/office/drawing/2016/SVG/main" r:embed="rId3"/>
-              </a:ext>
-            </a:extLst>
-          </a:blip>
-          <a:stretch>
-            <a:fillRect/>
-          </a:stretch>
-        </p:blipFill>
-        <p:spPr>
-          <a:xfrm>
-            <a:off x="3644411" y="2897387"/>
-            <a:ext cx="1855178" cy="1855178"/>
-          </a:xfrm>
-          <a:prstGeom prst="rect">
-            <a:avLst/>
-          </a:prstGeom>
-        </p:spPr>
-      </p:pic>
-      <p:pic>
-        <p:nvPicPr>
-          <p:cNvPr id="4" name="Graphic 3" descr="Chess Pieces">
-            <a:extLst>
-              <a:ext uri="{FF2B5EF4-FFF2-40B4-BE49-F238E27FC236}">
-                <a16:creationId xmlns:a16="http://schemas.microsoft.com/office/drawing/2014/main" id="{C2DC7674-8C21-F7B5-B91B-6BE4A241D654}"/>
-              </a:ext>
-            </a:extLst>
-          </p:cNvPr>
-          <p:cNvPicPr>
-            <a:picLocks noChangeAspect="1"/>
-          </p:cNvPicPr>
-          <p:nvPr/>
-        </p:nvPicPr>
-        <p:blipFill>
-          <a:blip r:embed="rId4">
-            <a:extLst>
-              <a:ext uri="{28A0092B-C50C-407E-A947-70E740481C1C}">
-                <a14:useLocalDpi xmlns:a14="http://schemas.microsoft.com/office/drawing/2010/main" val="0"/>
-              </a:ext>
-              <a:ext uri="{96DAC541-7B7A-43D3-8B79-37D633B846F1}">
-                <asvg:svgBlip xmlns:asvg="http://schemas.microsoft.com/office/drawing/2016/SVG/main" r:embed="rId5"/>
-              </a:ext>
-            </a:extLst>
-          </a:blip>
-          <a:stretch>
-            <a:fillRect/>
-          </a:stretch>
-        </p:blipFill>
-        <p:spPr>
-          <a:xfrm>
-            <a:off x="909009" y="2876367"/>
-            <a:ext cx="1855178" cy="1855178"/>
-          </a:xfrm>
-          <a:prstGeom prst="rect">
-            <a:avLst/>
-          </a:prstGeom>
-        </p:spPr>
-      </p:pic>
-      <p:pic>
-        <p:nvPicPr>
-          <p:cNvPr id="6" name="Graphic 5" descr="Playing Cards">
-            <a:extLst>
-              <a:ext uri="{FF2B5EF4-FFF2-40B4-BE49-F238E27FC236}">
-                <a16:creationId xmlns:a16="http://schemas.microsoft.com/office/drawing/2014/main" id="{EBE19651-6867-8C57-62F0-9DADB3D36E3D}"/>
-              </a:ext>
-            </a:extLst>
-          </p:cNvPr>
-          <p:cNvPicPr>
-            <a:picLocks noChangeAspect="1"/>
-          </p:cNvPicPr>
-          <p:nvPr/>
-        </p:nvPicPr>
-        <p:blipFill>
-          <a:blip r:embed="rId6">
-            <a:extLst>
-              <a:ext uri="{28A0092B-C50C-407E-A947-70E740481C1C}">
-                <a14:useLocalDpi xmlns:a14="http://schemas.microsoft.com/office/drawing/2010/main" val="0"/>
-              </a:ext>
-              <a:ext uri="{96DAC541-7B7A-43D3-8B79-37D633B846F1}">
-                <asvg:svgBlip xmlns:asvg="http://schemas.microsoft.com/office/drawing/2016/SVG/main" r:embed="rId7"/>
-              </a:ext>
-            </a:extLst>
-          </a:blip>
-          <a:stretch>
-            <a:fillRect/>
-          </a:stretch>
-        </p:blipFill>
-        <p:spPr>
-          <a:xfrm rot="1169179">
-            <a:off x="6575328" y="2876368"/>
-            <a:ext cx="1855178" cy="1855178"/>
-          </a:xfrm>
-          <a:prstGeom prst="rect">
-            <a:avLst/>
-          </a:prstGeom>
-        </p:spPr>
-      </p:pic>
-    </p:spTree>
-    <p:extLst>
-      <p:ext uri="{BB962C8B-B14F-4D97-AF65-F5344CB8AC3E}">
-        <p14:creationId xmlns:p14="http://schemas.microsoft.com/office/powerpoint/2010/main" val="696908748"/>
-      </p:ext>
-    </p:extLst>
-  </p:cSld>
-  <p:clrMapOvr>
-    <a:masterClrMapping/>
-  </p:clrMapOvr>
-</p:sld>
-</file>
-
-<file path=ppt/slides/slide60.xml><?xml version="1.0" encoding="utf-8"?>
+<file path=ppt/slides/slide61.xml><?xml version="1.0" encoding="utf-8"?>
 <p:sld xmlns:a="http://schemas.openxmlformats.org/drawingml/2006/main" xmlns:r="http://schemas.openxmlformats.org/officeDocument/2006/relationships" xmlns:p="http://schemas.openxmlformats.org/presentationml/2006/main">
   <p:cSld>
     <p:spTree>
@@ -43308,7 +43378,7 @@
 </p:sld>
 </file>
 
-<file path=ppt/slides/slide61.xml><?xml version="1.0" encoding="utf-8"?>
+<file path=ppt/slides/slide62.xml><?xml version="1.0" encoding="utf-8"?>
 <p:sld xmlns:a="http://schemas.openxmlformats.org/drawingml/2006/main" xmlns:r="http://schemas.openxmlformats.org/officeDocument/2006/relationships" xmlns:p="http://schemas.openxmlformats.org/presentationml/2006/main">
   <p:cSld>
     <p:spTree>
@@ -43387,7 +43457,7 @@
 </p:sld>
 </file>
 
-<file path=ppt/slides/slide62.xml><?xml version="1.0" encoding="utf-8"?>
+<file path=ppt/slides/slide63.xml><?xml version="1.0" encoding="utf-8"?>
 <p:sld xmlns:a="http://schemas.openxmlformats.org/drawingml/2006/main" xmlns:r="http://schemas.openxmlformats.org/officeDocument/2006/relationships" xmlns:p="http://schemas.openxmlformats.org/presentationml/2006/main">
   <p:cSld>
     <p:spTree>
@@ -43750,7 +43820,7 @@
 </p:sld>
 </file>
 
-<file path=ppt/slides/slide63.xml><?xml version="1.0" encoding="utf-8"?>
+<file path=ppt/slides/slide64.xml><?xml version="1.0" encoding="utf-8"?>
 <p:sld xmlns:a="http://schemas.openxmlformats.org/drawingml/2006/main" xmlns:r="http://schemas.openxmlformats.org/officeDocument/2006/relationships" xmlns:p="http://schemas.openxmlformats.org/presentationml/2006/main">
   <p:cSld>
     <p:spTree>
@@ -44036,7 +44106,7 @@
 </p:sld>
 </file>
 
-<file path=ppt/slides/slide64.xml><?xml version="1.0" encoding="utf-8"?>
+<file path=ppt/slides/slide65.xml><?xml version="1.0" encoding="utf-8"?>
 <p:sld xmlns:a="http://schemas.openxmlformats.org/drawingml/2006/main" xmlns:r="http://schemas.openxmlformats.org/officeDocument/2006/relationships" xmlns:p="http://schemas.openxmlformats.org/presentationml/2006/main">
   <p:cSld>
     <p:spTree>
@@ -44130,7 +44200,7 @@
 </p:sld>
 </file>
 
-<file path=ppt/slides/slide65.xml><?xml version="1.0" encoding="utf-8"?>
+<file path=ppt/slides/slide66.xml><?xml version="1.0" encoding="utf-8"?>
 <p:sld xmlns:a="http://schemas.openxmlformats.org/drawingml/2006/main" xmlns:r="http://schemas.openxmlformats.org/officeDocument/2006/relationships" xmlns:p="http://schemas.openxmlformats.org/presentationml/2006/main">
   <p:cSld>
     <p:spTree>
@@ -44493,7 +44563,7 @@
 </p:sld>
 </file>
 
-<file path=ppt/slides/slide66.xml><?xml version="1.0" encoding="utf-8"?>
+<file path=ppt/slides/slide67.xml><?xml version="1.0" encoding="utf-8"?>
 <p:sld xmlns:a="http://schemas.openxmlformats.org/drawingml/2006/main" xmlns:r="http://schemas.openxmlformats.org/officeDocument/2006/relationships" xmlns:p="http://schemas.openxmlformats.org/presentationml/2006/main">
   <p:cSld>
     <p:spTree>
@@ -44779,7 +44849,7 @@
 </p:sld>
 </file>
 
-<file path=ppt/slides/slide67.xml><?xml version="1.0" encoding="utf-8"?>
+<file path=ppt/slides/slide68.xml><?xml version="1.0" encoding="utf-8"?>
 <p:sld xmlns:a="http://schemas.openxmlformats.org/drawingml/2006/main" xmlns:r="http://schemas.openxmlformats.org/officeDocument/2006/relationships" xmlns:p="http://schemas.openxmlformats.org/presentationml/2006/main">
   <p:cSld>
     <p:spTree>
@@ -44872,828 +44942,6 @@
 </p:sld>
 </file>
 
-<file path=ppt/slides/slide68.xml><?xml version="1.0" encoding="utf-8"?>
-<p:sld xmlns:a="http://schemas.openxmlformats.org/drawingml/2006/main" xmlns:r="http://schemas.openxmlformats.org/officeDocument/2006/relationships" xmlns:p="http://schemas.openxmlformats.org/presentationml/2006/main">
-  <p:cSld>
-    <p:spTree>
-      <p:nvGrpSpPr>
-        <p:cNvPr id="1" name=""/>
-        <p:cNvGrpSpPr/>
-        <p:nvPr/>
-      </p:nvGrpSpPr>
-      <p:grpSpPr>
-        <a:xfrm>
-          <a:off x="0" y="0"/>
-          <a:ext cx="0" cy="0"/>
-          <a:chOff x="0" y="0"/>
-          <a:chExt cx="0" cy="0"/>
-        </a:xfrm>
-      </p:grpSpPr>
-      <p:sp>
-        <p:nvSpPr>
-          <p:cNvPr id="2" name="Title 1">
-            <a:extLst>
-              <a:ext uri="{FF2B5EF4-FFF2-40B4-BE49-F238E27FC236}">
-                <a16:creationId xmlns:a16="http://schemas.microsoft.com/office/drawing/2014/main" id="{8250623E-5C20-4DB8-4A49-C36230386077}"/>
-              </a:ext>
-            </a:extLst>
-          </p:cNvPr>
-          <p:cNvSpPr>
-            <a:spLocks noGrp="1"/>
-          </p:cNvSpPr>
-          <p:nvPr>
-            <p:ph type="title"/>
-          </p:nvPr>
-        </p:nvSpPr>
-        <p:spPr/>
-        <p:txBody>
-          <a:bodyPr/>
-          <a:lstStyle/>
-          <a:p>
-            <a:r>
-              <a:rPr lang="en-US" dirty="0"/>
-              <a:t>Apply model to </a:t>
-            </a:r>
-            <a:r>
-              <a:rPr lang="en-US" b="1" dirty="0"/>
-              <a:t>new </a:t>
-            </a:r>
-            <a:r>
-              <a:rPr lang="en-US" dirty="0"/>
-              <a:t>(simulated) data</a:t>
-            </a:r>
-          </a:p>
-        </p:txBody>
-      </p:sp>
-      <p:sp>
-        <p:nvSpPr>
-          <p:cNvPr id="5" name="TextBox 4">
-            <a:extLst>
-              <a:ext uri="{FF2B5EF4-FFF2-40B4-BE49-F238E27FC236}">
-                <a16:creationId xmlns:a16="http://schemas.microsoft.com/office/drawing/2014/main" id="{9D358FEA-F9D2-89B5-5878-103A6A681D08}"/>
-              </a:ext>
-            </a:extLst>
-          </p:cNvPr>
-          <p:cNvSpPr txBox="1"/>
-          <p:nvPr/>
-        </p:nvSpPr>
-        <p:spPr>
-          <a:xfrm>
-            <a:off x="604299" y="1572113"/>
-            <a:ext cx="8082501" cy="2585323"/>
-          </a:xfrm>
-          <a:prstGeom prst="rect">
-            <a:avLst/>
-          </a:prstGeom>
-          <a:noFill/>
-        </p:spPr>
-        <p:txBody>
-          <a:bodyPr wrap="square">
-            <a:spAutoFit/>
-          </a:bodyPr>
-          <a:lstStyle/>
-          <a:p>
-            <a:r>
-              <a:rPr lang="en-US" dirty="0" err="1">
-                <a:solidFill>
-                  <a:srgbClr val="003B4F"/>
-                </a:solidFill>
-                <a:latin typeface="Courier"/>
-              </a:rPr>
-              <a:t>new_M</a:t>
-            </a:r>
-            <a:r>
-              <a:rPr lang="en-US" dirty="0">
-                <a:solidFill>
-                  <a:srgbClr val="003B4F"/>
-                </a:solidFill>
-                <a:latin typeface="Courier"/>
-              </a:rPr>
-              <a:t> &lt;- </a:t>
-            </a:r>
-            <a:r>
-              <a:rPr lang="en-US" dirty="0" err="1">
-                <a:solidFill>
-                  <a:srgbClr val="4758AB"/>
-                </a:solidFill>
-                <a:latin typeface="Courier"/>
-              </a:rPr>
-              <a:t>runif</a:t>
-            </a:r>
-            <a:r>
-              <a:rPr lang="en-US" dirty="0">
-                <a:solidFill>
-                  <a:srgbClr val="003B4F"/>
-                </a:solidFill>
-                <a:latin typeface="Courier"/>
-              </a:rPr>
-              <a:t>(</a:t>
-            </a:r>
-            <a:r>
-              <a:rPr lang="en-US" dirty="0">
-                <a:solidFill>
-                  <a:srgbClr val="AD0000"/>
-                </a:solidFill>
-                <a:latin typeface="Courier"/>
-              </a:rPr>
-              <a:t>1</a:t>
-            </a:r>
-            <a:r>
-              <a:rPr lang="en-US" dirty="0">
-                <a:solidFill>
-                  <a:srgbClr val="003B4F"/>
-                </a:solidFill>
-                <a:latin typeface="Courier"/>
-              </a:rPr>
-              <a:t>, </a:t>
-            </a:r>
-            <a:r>
-              <a:rPr lang="en-US" dirty="0">
-                <a:solidFill>
-                  <a:srgbClr val="AD0000"/>
-                </a:solidFill>
-                <a:latin typeface="Courier"/>
-              </a:rPr>
-              <a:t>0</a:t>
-            </a:r>
-            <a:r>
-              <a:rPr lang="en-US" dirty="0">
-                <a:solidFill>
-                  <a:srgbClr val="003B4F"/>
-                </a:solidFill>
-                <a:latin typeface="Courier"/>
-              </a:rPr>
-              <a:t>, </a:t>
-            </a:r>
-            <a:r>
-              <a:rPr lang="en-US" dirty="0">
-                <a:solidFill>
-                  <a:srgbClr val="AD0000"/>
-                </a:solidFill>
-                <a:latin typeface="Courier"/>
-              </a:rPr>
-              <a:t>0.6</a:t>
-            </a:r>
-            <a:r>
-              <a:rPr lang="en-US" dirty="0">
-                <a:solidFill>
-                  <a:srgbClr val="003B4F"/>
-                </a:solidFill>
-                <a:latin typeface="Courier"/>
-              </a:rPr>
-              <a:t>)</a:t>
-            </a:r>
-            <a:br>
-              <a:rPr lang="en-US" dirty="0"/>
-            </a:br>
-            <a:r>
-              <a:rPr lang="en-US" dirty="0" err="1">
-                <a:solidFill>
-                  <a:srgbClr val="003B4F"/>
-                </a:solidFill>
-                <a:latin typeface="Courier"/>
-              </a:rPr>
-              <a:t>new_Nu</a:t>
-            </a:r>
-            <a:r>
-              <a:rPr lang="en-US" dirty="0">
-                <a:solidFill>
-                  <a:srgbClr val="003B4F"/>
-                </a:solidFill>
-                <a:latin typeface="Courier"/>
-              </a:rPr>
-              <a:t> &lt;- </a:t>
-            </a:r>
-            <a:r>
-              <a:rPr lang="en-US" dirty="0" err="1">
-                <a:solidFill>
-                  <a:srgbClr val="4758AB"/>
-                </a:solidFill>
-                <a:latin typeface="Courier"/>
-              </a:rPr>
-              <a:t>runif</a:t>
-            </a:r>
-            <a:r>
-              <a:rPr lang="en-US" dirty="0">
-                <a:solidFill>
-                  <a:srgbClr val="003B4F"/>
-                </a:solidFill>
-                <a:latin typeface="Courier"/>
-              </a:rPr>
-              <a:t>(</a:t>
-            </a:r>
-            <a:r>
-              <a:rPr lang="en-US" dirty="0">
-                <a:solidFill>
-                  <a:srgbClr val="AD0000"/>
-                </a:solidFill>
-                <a:latin typeface="Courier"/>
-              </a:rPr>
-              <a:t>1</a:t>
-            </a:r>
-            <a:r>
-              <a:rPr lang="en-US" dirty="0">
-                <a:solidFill>
-                  <a:srgbClr val="003B4F"/>
-                </a:solidFill>
-                <a:latin typeface="Courier"/>
-              </a:rPr>
-              <a:t>, </a:t>
-            </a:r>
-            <a:r>
-              <a:rPr lang="en-US" dirty="0">
-                <a:solidFill>
-                  <a:srgbClr val="AD0000"/>
-                </a:solidFill>
-                <a:latin typeface="Courier"/>
-              </a:rPr>
-              <a:t>0</a:t>
-            </a:r>
-            <a:r>
-              <a:rPr lang="en-US" dirty="0">
-                <a:solidFill>
-                  <a:srgbClr val="003B4F"/>
-                </a:solidFill>
-                <a:latin typeface="Courier"/>
-              </a:rPr>
-              <a:t>, </a:t>
-            </a:r>
-            <a:r>
-              <a:rPr lang="en-US" dirty="0">
-                <a:solidFill>
-                  <a:srgbClr val="AD0000"/>
-                </a:solidFill>
-                <a:latin typeface="Courier"/>
-              </a:rPr>
-              <a:t>0.6</a:t>
-            </a:r>
-            <a:r>
-              <a:rPr lang="en-US" dirty="0">
-                <a:solidFill>
-                  <a:srgbClr val="003B4F"/>
-                </a:solidFill>
-                <a:latin typeface="Courier"/>
-              </a:rPr>
-              <a:t>)</a:t>
-            </a:r>
-            <a:br>
-              <a:rPr lang="en-US" dirty="0"/>
-            </a:br>
-            <a:br>
-              <a:rPr lang="en-US" dirty="0"/>
-            </a:br>
-            <a:r>
-              <a:rPr lang="en-US" dirty="0" err="1">
-                <a:solidFill>
-                  <a:srgbClr val="003B4F"/>
-                </a:solidFill>
-                <a:latin typeface="Courier"/>
-              </a:rPr>
-              <a:t>new_sim</a:t>
-            </a:r>
-            <a:r>
-              <a:rPr lang="en-US" dirty="0">
-                <a:solidFill>
-                  <a:srgbClr val="003B4F"/>
-                </a:solidFill>
-                <a:latin typeface="Courier"/>
-              </a:rPr>
-              <a:t> &lt;- </a:t>
-            </a:r>
-            <a:r>
-              <a:rPr lang="en-US" dirty="0" err="1">
-                <a:solidFill>
-                  <a:srgbClr val="4758AB"/>
-                </a:solidFill>
-                <a:latin typeface="Courier"/>
-              </a:rPr>
-              <a:t>untb</a:t>
-            </a:r>
-            <a:r>
-              <a:rPr lang="en-US" dirty="0">
-                <a:solidFill>
-                  <a:srgbClr val="003B4F"/>
-                </a:solidFill>
-                <a:latin typeface="Courier"/>
-              </a:rPr>
-              <a:t>(</a:t>
-            </a:r>
-            <a:r>
-              <a:rPr lang="en-US" dirty="0" err="1">
-                <a:solidFill>
-                  <a:srgbClr val="657422"/>
-                </a:solidFill>
-                <a:latin typeface="Courier"/>
-              </a:rPr>
-              <a:t>Jm</a:t>
-            </a:r>
-            <a:r>
-              <a:rPr lang="en-US" dirty="0">
-                <a:solidFill>
-                  <a:srgbClr val="657422"/>
-                </a:solidFill>
-                <a:latin typeface="Courier"/>
-              </a:rPr>
-              <a:t> =</a:t>
-            </a:r>
-            <a:r>
-              <a:rPr lang="en-US" dirty="0">
-                <a:solidFill>
-                  <a:srgbClr val="003B4F"/>
-                </a:solidFill>
-                <a:latin typeface="Courier"/>
-              </a:rPr>
-              <a:t> </a:t>
-            </a:r>
-            <a:r>
-              <a:rPr lang="en-US" dirty="0">
-                <a:solidFill>
-                  <a:srgbClr val="AD0000"/>
-                </a:solidFill>
-                <a:latin typeface="Courier"/>
-              </a:rPr>
-              <a:t>10000</a:t>
-            </a:r>
-            <a:r>
-              <a:rPr lang="en-US" dirty="0">
-                <a:solidFill>
-                  <a:srgbClr val="003B4F"/>
-                </a:solidFill>
-                <a:latin typeface="Courier"/>
-              </a:rPr>
-              <a:t>, </a:t>
-            </a:r>
-            <a:r>
-              <a:rPr lang="en-US" dirty="0" err="1">
-                <a:solidFill>
-                  <a:srgbClr val="657422"/>
-                </a:solidFill>
-                <a:latin typeface="Courier"/>
-              </a:rPr>
-              <a:t>Sm</a:t>
-            </a:r>
-            <a:r>
-              <a:rPr lang="en-US" dirty="0">
-                <a:solidFill>
-                  <a:srgbClr val="657422"/>
-                </a:solidFill>
-                <a:latin typeface="Courier"/>
-              </a:rPr>
-              <a:t> =</a:t>
-            </a:r>
-            <a:r>
-              <a:rPr lang="en-US" dirty="0">
-                <a:solidFill>
-                  <a:srgbClr val="003B4F"/>
-                </a:solidFill>
-                <a:latin typeface="Courier"/>
-              </a:rPr>
-              <a:t> </a:t>
-            </a:r>
-            <a:r>
-              <a:rPr lang="en-US" dirty="0">
-                <a:solidFill>
-                  <a:srgbClr val="AD0000"/>
-                </a:solidFill>
-                <a:latin typeface="Courier"/>
-              </a:rPr>
-              <a:t>1000</a:t>
-            </a:r>
-            <a:r>
-              <a:rPr lang="en-US" dirty="0">
-                <a:solidFill>
-                  <a:srgbClr val="003B4F"/>
-                </a:solidFill>
-                <a:latin typeface="Courier"/>
-              </a:rPr>
-              <a:t>, </a:t>
-            </a:r>
-            <a:r>
-              <a:rPr lang="en-US" dirty="0">
-                <a:solidFill>
-                  <a:srgbClr val="657422"/>
-                </a:solidFill>
-                <a:latin typeface="Courier"/>
-              </a:rPr>
-              <a:t>J =</a:t>
-            </a:r>
-            <a:r>
-              <a:rPr lang="en-US" dirty="0">
-                <a:solidFill>
-                  <a:srgbClr val="003B4F"/>
-                </a:solidFill>
-                <a:latin typeface="Courier"/>
-              </a:rPr>
-              <a:t> </a:t>
-            </a:r>
-            <a:r>
-              <a:rPr lang="en-US" dirty="0">
-                <a:solidFill>
-                  <a:srgbClr val="AD0000"/>
-                </a:solidFill>
-                <a:latin typeface="Courier"/>
-              </a:rPr>
-              <a:t>1000</a:t>
-            </a:r>
-            <a:r>
-              <a:rPr lang="en-US" dirty="0">
-                <a:solidFill>
-                  <a:srgbClr val="003B4F"/>
-                </a:solidFill>
-                <a:latin typeface="Courier"/>
-              </a:rPr>
-              <a:t>, </a:t>
-            </a:r>
-          </a:p>
-          <a:p>
-            <a:r>
-              <a:rPr lang="en-US" dirty="0">
-                <a:solidFill>
-                  <a:srgbClr val="003B4F"/>
-                </a:solidFill>
-                <a:latin typeface="Courier"/>
-              </a:rPr>
-              <a:t>					</a:t>
-            </a:r>
-            <a:r>
-              <a:rPr lang="en-US" dirty="0">
-                <a:solidFill>
-                  <a:srgbClr val="657422"/>
-                </a:solidFill>
-                <a:latin typeface="Courier"/>
-              </a:rPr>
-              <a:t>m = </a:t>
-            </a:r>
-            <a:r>
-              <a:rPr lang="en-US" dirty="0" err="1">
-                <a:solidFill>
-                  <a:srgbClr val="003B4F"/>
-                </a:solidFill>
-                <a:latin typeface="Courier"/>
-              </a:rPr>
-              <a:t>new_M</a:t>
-            </a:r>
-            <a:r>
-              <a:rPr lang="en-US" dirty="0">
-                <a:solidFill>
-                  <a:srgbClr val="003B4F"/>
-                </a:solidFill>
-                <a:latin typeface="Courier"/>
-              </a:rPr>
-              <a:t>, </a:t>
-            </a:r>
-            <a:r>
-              <a:rPr lang="en-US" dirty="0">
-                <a:solidFill>
-                  <a:srgbClr val="657422"/>
-                </a:solidFill>
-                <a:latin typeface="Courier"/>
-              </a:rPr>
-              <a:t>nu =</a:t>
-            </a:r>
-            <a:r>
-              <a:rPr lang="en-US" dirty="0">
-                <a:solidFill>
-                  <a:srgbClr val="003B4F"/>
-                </a:solidFill>
-                <a:latin typeface="Courier"/>
-              </a:rPr>
-              <a:t> </a:t>
-            </a:r>
-            <a:r>
-              <a:rPr lang="en-US" dirty="0" err="1">
-                <a:solidFill>
-                  <a:srgbClr val="003B4F"/>
-                </a:solidFill>
-                <a:latin typeface="Courier"/>
-              </a:rPr>
-              <a:t>new_Nu</a:t>
-            </a:r>
-            <a:r>
-              <a:rPr lang="en-US" dirty="0">
-                <a:solidFill>
-                  <a:srgbClr val="003B4F"/>
-                </a:solidFill>
-                <a:latin typeface="Courier"/>
-              </a:rPr>
-              <a:t>, </a:t>
-            </a:r>
-            <a:r>
-              <a:rPr lang="en-US" dirty="0">
-                <a:solidFill>
-                  <a:srgbClr val="657422"/>
-                </a:solidFill>
-                <a:latin typeface="Courier"/>
-              </a:rPr>
-              <a:t>niter =</a:t>
-            </a:r>
-            <a:r>
-              <a:rPr lang="en-US" dirty="0">
-                <a:solidFill>
-                  <a:srgbClr val="003B4F"/>
-                </a:solidFill>
-                <a:latin typeface="Courier"/>
-              </a:rPr>
-              <a:t> </a:t>
-            </a:r>
-            <a:r>
-              <a:rPr lang="en-US" dirty="0">
-                <a:solidFill>
-                  <a:srgbClr val="AD0000"/>
-                </a:solidFill>
-                <a:latin typeface="Courier"/>
-              </a:rPr>
-              <a:t>1000</a:t>
-            </a:r>
-            <a:r>
-              <a:rPr lang="en-US" dirty="0">
-                <a:solidFill>
-                  <a:srgbClr val="003B4F"/>
-                </a:solidFill>
-                <a:latin typeface="Courier"/>
-              </a:rPr>
-              <a:t>)</a:t>
-            </a:r>
-            <a:br>
-              <a:rPr lang="en-US" dirty="0"/>
-            </a:br>
-            <a:r>
-              <a:rPr lang="en-US" dirty="0" err="1">
-                <a:solidFill>
-                  <a:srgbClr val="003B4F"/>
-                </a:solidFill>
-                <a:latin typeface="Courier"/>
-              </a:rPr>
-              <a:t>new_hills</a:t>
-            </a:r>
-            <a:r>
-              <a:rPr lang="en-US" dirty="0">
-                <a:solidFill>
-                  <a:srgbClr val="003B4F"/>
-                </a:solidFill>
-                <a:latin typeface="Courier"/>
-              </a:rPr>
-              <a:t> &lt;- </a:t>
-            </a:r>
-            <a:r>
-              <a:rPr lang="en-US" dirty="0" err="1">
-                <a:solidFill>
-                  <a:srgbClr val="4758AB"/>
-                </a:solidFill>
-                <a:latin typeface="Courier"/>
-              </a:rPr>
-              <a:t>untb_hill</a:t>
-            </a:r>
-            <a:r>
-              <a:rPr lang="en-US" dirty="0">
-                <a:solidFill>
-                  <a:srgbClr val="003B4F"/>
-                </a:solidFill>
-                <a:latin typeface="Courier"/>
-              </a:rPr>
-              <a:t>(</a:t>
-            </a:r>
-            <a:r>
-              <a:rPr lang="en-US" dirty="0" err="1">
-                <a:solidFill>
-                  <a:srgbClr val="003B4F"/>
-                </a:solidFill>
-                <a:latin typeface="Courier"/>
-              </a:rPr>
-              <a:t>new_sim</a:t>
-            </a:r>
-            <a:r>
-              <a:rPr lang="en-US" dirty="0">
-                <a:solidFill>
-                  <a:srgbClr val="003B4F"/>
-                </a:solidFill>
-                <a:latin typeface="Courier"/>
-              </a:rPr>
-              <a:t>)</a:t>
-            </a:r>
-            <a:br>
-              <a:rPr lang="en-US" dirty="0"/>
-            </a:br>
-            <a:br>
-              <a:rPr lang="en-US" dirty="0"/>
-            </a:br>
-            <a:r>
-              <a:rPr lang="en-US" dirty="0" err="1">
-                <a:solidFill>
-                  <a:srgbClr val="003B4F"/>
-                </a:solidFill>
-                <a:latin typeface="Courier"/>
-              </a:rPr>
-              <a:t>predicted_M</a:t>
-            </a:r>
-            <a:r>
-              <a:rPr lang="en-US" dirty="0">
-                <a:solidFill>
-                  <a:srgbClr val="003B4F"/>
-                </a:solidFill>
-                <a:latin typeface="Courier"/>
-              </a:rPr>
-              <a:t> &lt;- </a:t>
-            </a:r>
-            <a:r>
-              <a:rPr lang="en-US" dirty="0">
-                <a:solidFill>
-                  <a:srgbClr val="4758AB"/>
-                </a:solidFill>
-                <a:latin typeface="Courier"/>
-              </a:rPr>
-              <a:t>predict</a:t>
-            </a:r>
-            <a:r>
-              <a:rPr lang="en-US" dirty="0">
-                <a:solidFill>
-                  <a:srgbClr val="003B4F"/>
-                </a:solidFill>
-                <a:latin typeface="Courier"/>
-              </a:rPr>
-              <a:t>(</a:t>
-            </a:r>
-            <a:r>
-              <a:rPr lang="en-US" dirty="0" err="1">
-                <a:solidFill>
-                  <a:srgbClr val="003B4F"/>
-                </a:solidFill>
-                <a:latin typeface="Courier"/>
-              </a:rPr>
-              <a:t>m_rf_model</a:t>
-            </a:r>
-            <a:r>
-              <a:rPr lang="en-US" dirty="0">
-                <a:solidFill>
-                  <a:srgbClr val="003B4F"/>
-                </a:solidFill>
-                <a:latin typeface="Courier"/>
-              </a:rPr>
-              <a:t>, </a:t>
-            </a:r>
-            <a:r>
-              <a:rPr lang="en-US" dirty="0" err="1">
-                <a:solidFill>
-                  <a:srgbClr val="657422"/>
-                </a:solidFill>
-                <a:latin typeface="Courier"/>
-              </a:rPr>
-              <a:t>newdata</a:t>
-            </a:r>
-            <a:r>
-              <a:rPr lang="en-US" dirty="0">
-                <a:solidFill>
-                  <a:srgbClr val="657422"/>
-                </a:solidFill>
-                <a:latin typeface="Courier"/>
-              </a:rPr>
-              <a:t> =</a:t>
-            </a:r>
-            <a:r>
-              <a:rPr lang="en-US" dirty="0">
-                <a:solidFill>
-                  <a:srgbClr val="003B4F"/>
-                </a:solidFill>
-                <a:latin typeface="Courier"/>
-              </a:rPr>
-              <a:t> </a:t>
-            </a:r>
-            <a:r>
-              <a:rPr lang="en-US" dirty="0" err="1">
-                <a:solidFill>
-                  <a:srgbClr val="003B4F"/>
-                </a:solidFill>
-                <a:latin typeface="Courier"/>
-              </a:rPr>
-              <a:t>new_hills</a:t>
-            </a:r>
-            <a:r>
-              <a:rPr lang="en-US" dirty="0">
-                <a:solidFill>
-                  <a:srgbClr val="003B4F"/>
-                </a:solidFill>
-                <a:latin typeface="Courier"/>
-              </a:rPr>
-              <a:t>)</a:t>
-            </a:r>
-          </a:p>
-          <a:p>
-            <a:r>
-              <a:rPr lang="en-US" dirty="0" err="1">
-                <a:solidFill>
-                  <a:srgbClr val="003B4F"/>
-                </a:solidFill>
-                <a:latin typeface="Courier"/>
-              </a:rPr>
-              <a:t>predicted_Nu</a:t>
-            </a:r>
-            <a:r>
-              <a:rPr lang="en-US" dirty="0">
-                <a:solidFill>
-                  <a:srgbClr val="003B4F"/>
-                </a:solidFill>
-                <a:latin typeface="Courier"/>
-              </a:rPr>
-              <a:t> &lt;- </a:t>
-            </a:r>
-            <a:r>
-              <a:rPr lang="en-US" dirty="0">
-                <a:solidFill>
-                  <a:srgbClr val="4758AB"/>
-                </a:solidFill>
-                <a:latin typeface="Courier"/>
-              </a:rPr>
-              <a:t>predict</a:t>
-            </a:r>
-            <a:r>
-              <a:rPr lang="en-US" dirty="0">
-                <a:solidFill>
-                  <a:srgbClr val="003B4F"/>
-                </a:solidFill>
-                <a:latin typeface="Courier"/>
-              </a:rPr>
-              <a:t>(</a:t>
-            </a:r>
-            <a:r>
-              <a:rPr lang="en-US" dirty="0" err="1">
-                <a:solidFill>
-                  <a:srgbClr val="003B4F"/>
-                </a:solidFill>
-                <a:latin typeface="Courier"/>
-              </a:rPr>
-              <a:t>nu_rf_model</a:t>
-            </a:r>
-            <a:r>
-              <a:rPr lang="en-US" dirty="0">
-                <a:solidFill>
-                  <a:srgbClr val="003B4F"/>
-                </a:solidFill>
-                <a:latin typeface="Courier"/>
-              </a:rPr>
-              <a:t>, </a:t>
-            </a:r>
-            <a:r>
-              <a:rPr lang="en-US" dirty="0" err="1">
-                <a:solidFill>
-                  <a:srgbClr val="657422"/>
-                </a:solidFill>
-                <a:latin typeface="Courier"/>
-              </a:rPr>
-              <a:t>newdata</a:t>
-            </a:r>
-            <a:r>
-              <a:rPr lang="en-US" dirty="0">
-                <a:solidFill>
-                  <a:srgbClr val="657422"/>
-                </a:solidFill>
-                <a:latin typeface="Courier"/>
-              </a:rPr>
-              <a:t> =</a:t>
-            </a:r>
-            <a:r>
-              <a:rPr lang="en-US" dirty="0">
-                <a:solidFill>
-                  <a:srgbClr val="003B4F"/>
-                </a:solidFill>
-                <a:latin typeface="Courier"/>
-              </a:rPr>
-              <a:t> </a:t>
-            </a:r>
-            <a:r>
-              <a:rPr lang="en-US" dirty="0" err="1">
-                <a:solidFill>
-                  <a:srgbClr val="003B4F"/>
-                </a:solidFill>
-                <a:latin typeface="Courier"/>
-              </a:rPr>
-              <a:t>new_hills</a:t>
-            </a:r>
-            <a:r>
-              <a:rPr lang="en-US" dirty="0">
-                <a:solidFill>
-                  <a:srgbClr val="003B4F"/>
-                </a:solidFill>
-                <a:latin typeface="Courier"/>
-              </a:rPr>
-              <a:t>)</a:t>
-            </a:r>
-            <a:endParaRPr lang="en-US" dirty="0"/>
-          </a:p>
-        </p:txBody>
-      </p:sp>
-    </p:spTree>
-    <p:extLst>
-      <p:ext uri="{BB962C8B-B14F-4D97-AF65-F5344CB8AC3E}">
-        <p14:creationId xmlns:p14="http://schemas.microsoft.com/office/powerpoint/2010/main" val="1410249687"/>
-      </p:ext>
-    </p:extLst>
-  </p:cSld>
-  <p:clrMapOvr>
-    <a:masterClrMapping/>
-  </p:clrMapOvr>
-</p:sld>
-</file>
-
 <file path=ppt/slides/slide69.xml><?xml version="1.0" encoding="utf-8"?>
 <p:sld xmlns:a="http://schemas.openxmlformats.org/drawingml/2006/main" xmlns:r="http://schemas.openxmlformats.org/officeDocument/2006/relationships" xmlns:p="http://schemas.openxmlformats.org/presentationml/2006/main">
   <p:cSld>
@@ -45761,8 +45009,8 @@
         </p:nvSpPr>
         <p:spPr>
           <a:xfrm>
-            <a:off x="4802588" y="1619820"/>
-            <a:ext cx="7935401" cy="1200329"/>
+            <a:off x="604299" y="1572113"/>
+            <a:ext cx="8082501" cy="2585323"/>
           </a:xfrm>
           <a:prstGeom prst="rect">
             <a:avLst/>
@@ -45775,9 +45023,530 @@
           </a:bodyPr>
           <a:lstStyle/>
           <a:p>
-            <a:pPr lvl="0" indent="0">
-              <a:buNone/>
-            </a:pPr>
+            <a:r>
+              <a:rPr lang="en-US" dirty="0" err="1">
+                <a:solidFill>
+                  <a:srgbClr val="003B4F"/>
+                </a:solidFill>
+                <a:latin typeface="Courier"/>
+              </a:rPr>
+              <a:t>new_M</a:t>
+            </a:r>
+            <a:r>
+              <a:rPr lang="en-US" dirty="0">
+                <a:solidFill>
+                  <a:srgbClr val="003B4F"/>
+                </a:solidFill>
+                <a:latin typeface="Courier"/>
+              </a:rPr>
+              <a:t> &lt;- </a:t>
+            </a:r>
+            <a:r>
+              <a:rPr lang="en-US" dirty="0" err="1">
+                <a:solidFill>
+                  <a:srgbClr val="4758AB"/>
+                </a:solidFill>
+                <a:latin typeface="Courier"/>
+              </a:rPr>
+              <a:t>runif</a:t>
+            </a:r>
+            <a:r>
+              <a:rPr lang="en-US" dirty="0">
+                <a:solidFill>
+                  <a:srgbClr val="003B4F"/>
+                </a:solidFill>
+                <a:latin typeface="Courier"/>
+              </a:rPr>
+              <a:t>(</a:t>
+            </a:r>
+            <a:r>
+              <a:rPr lang="en-US" dirty="0">
+                <a:solidFill>
+                  <a:srgbClr val="AD0000"/>
+                </a:solidFill>
+                <a:latin typeface="Courier"/>
+              </a:rPr>
+              <a:t>1</a:t>
+            </a:r>
+            <a:r>
+              <a:rPr lang="en-US" dirty="0">
+                <a:solidFill>
+                  <a:srgbClr val="003B4F"/>
+                </a:solidFill>
+                <a:latin typeface="Courier"/>
+              </a:rPr>
+              <a:t>, </a:t>
+            </a:r>
+            <a:r>
+              <a:rPr lang="en-US" dirty="0">
+                <a:solidFill>
+                  <a:srgbClr val="AD0000"/>
+                </a:solidFill>
+                <a:latin typeface="Courier"/>
+              </a:rPr>
+              <a:t>0</a:t>
+            </a:r>
+            <a:r>
+              <a:rPr lang="en-US" dirty="0">
+                <a:solidFill>
+                  <a:srgbClr val="003B4F"/>
+                </a:solidFill>
+                <a:latin typeface="Courier"/>
+              </a:rPr>
+              <a:t>, </a:t>
+            </a:r>
+            <a:r>
+              <a:rPr lang="en-US" dirty="0">
+                <a:solidFill>
+                  <a:srgbClr val="AD0000"/>
+                </a:solidFill>
+                <a:latin typeface="Courier"/>
+              </a:rPr>
+              <a:t>0.6</a:t>
+            </a:r>
+            <a:r>
+              <a:rPr lang="en-US" dirty="0">
+                <a:solidFill>
+                  <a:srgbClr val="003B4F"/>
+                </a:solidFill>
+                <a:latin typeface="Courier"/>
+              </a:rPr>
+              <a:t>)</a:t>
+            </a:r>
+            <a:br>
+              <a:rPr lang="en-US" dirty="0"/>
+            </a:br>
+            <a:r>
+              <a:rPr lang="en-US" dirty="0" err="1">
+                <a:solidFill>
+                  <a:srgbClr val="003B4F"/>
+                </a:solidFill>
+                <a:latin typeface="Courier"/>
+              </a:rPr>
+              <a:t>new_Nu</a:t>
+            </a:r>
+            <a:r>
+              <a:rPr lang="en-US" dirty="0">
+                <a:solidFill>
+                  <a:srgbClr val="003B4F"/>
+                </a:solidFill>
+                <a:latin typeface="Courier"/>
+              </a:rPr>
+              <a:t> &lt;- </a:t>
+            </a:r>
+            <a:r>
+              <a:rPr lang="en-US" dirty="0" err="1">
+                <a:solidFill>
+                  <a:srgbClr val="4758AB"/>
+                </a:solidFill>
+                <a:latin typeface="Courier"/>
+              </a:rPr>
+              <a:t>runif</a:t>
+            </a:r>
+            <a:r>
+              <a:rPr lang="en-US" dirty="0">
+                <a:solidFill>
+                  <a:srgbClr val="003B4F"/>
+                </a:solidFill>
+                <a:latin typeface="Courier"/>
+              </a:rPr>
+              <a:t>(</a:t>
+            </a:r>
+            <a:r>
+              <a:rPr lang="en-US" dirty="0">
+                <a:solidFill>
+                  <a:srgbClr val="AD0000"/>
+                </a:solidFill>
+                <a:latin typeface="Courier"/>
+              </a:rPr>
+              <a:t>1</a:t>
+            </a:r>
+            <a:r>
+              <a:rPr lang="en-US" dirty="0">
+                <a:solidFill>
+                  <a:srgbClr val="003B4F"/>
+                </a:solidFill>
+                <a:latin typeface="Courier"/>
+              </a:rPr>
+              <a:t>, </a:t>
+            </a:r>
+            <a:r>
+              <a:rPr lang="en-US" dirty="0">
+                <a:solidFill>
+                  <a:srgbClr val="AD0000"/>
+                </a:solidFill>
+                <a:latin typeface="Courier"/>
+              </a:rPr>
+              <a:t>0</a:t>
+            </a:r>
+            <a:r>
+              <a:rPr lang="en-US" dirty="0">
+                <a:solidFill>
+                  <a:srgbClr val="003B4F"/>
+                </a:solidFill>
+                <a:latin typeface="Courier"/>
+              </a:rPr>
+              <a:t>, </a:t>
+            </a:r>
+            <a:r>
+              <a:rPr lang="en-US" dirty="0">
+                <a:solidFill>
+                  <a:srgbClr val="AD0000"/>
+                </a:solidFill>
+                <a:latin typeface="Courier"/>
+              </a:rPr>
+              <a:t>0.6</a:t>
+            </a:r>
+            <a:r>
+              <a:rPr lang="en-US" dirty="0">
+                <a:solidFill>
+                  <a:srgbClr val="003B4F"/>
+                </a:solidFill>
+                <a:latin typeface="Courier"/>
+              </a:rPr>
+              <a:t>)</a:t>
+            </a:r>
+            <a:br>
+              <a:rPr lang="en-US" dirty="0"/>
+            </a:br>
+            <a:br>
+              <a:rPr lang="en-US" dirty="0"/>
+            </a:br>
+            <a:r>
+              <a:rPr lang="en-US" dirty="0" err="1">
+                <a:solidFill>
+                  <a:srgbClr val="003B4F"/>
+                </a:solidFill>
+                <a:latin typeface="Courier"/>
+              </a:rPr>
+              <a:t>new_sim</a:t>
+            </a:r>
+            <a:r>
+              <a:rPr lang="en-US" dirty="0">
+                <a:solidFill>
+                  <a:srgbClr val="003B4F"/>
+                </a:solidFill>
+                <a:latin typeface="Courier"/>
+              </a:rPr>
+              <a:t> &lt;- </a:t>
+            </a:r>
+            <a:r>
+              <a:rPr lang="en-US" dirty="0" err="1">
+                <a:solidFill>
+                  <a:srgbClr val="4758AB"/>
+                </a:solidFill>
+                <a:latin typeface="Courier"/>
+              </a:rPr>
+              <a:t>untb</a:t>
+            </a:r>
+            <a:r>
+              <a:rPr lang="en-US" dirty="0">
+                <a:solidFill>
+                  <a:srgbClr val="003B4F"/>
+                </a:solidFill>
+                <a:latin typeface="Courier"/>
+              </a:rPr>
+              <a:t>(</a:t>
+            </a:r>
+            <a:r>
+              <a:rPr lang="en-US" dirty="0" err="1">
+                <a:solidFill>
+                  <a:srgbClr val="657422"/>
+                </a:solidFill>
+                <a:latin typeface="Courier"/>
+              </a:rPr>
+              <a:t>Jm</a:t>
+            </a:r>
+            <a:r>
+              <a:rPr lang="en-US" dirty="0">
+                <a:solidFill>
+                  <a:srgbClr val="657422"/>
+                </a:solidFill>
+                <a:latin typeface="Courier"/>
+              </a:rPr>
+              <a:t> =</a:t>
+            </a:r>
+            <a:r>
+              <a:rPr lang="en-US" dirty="0">
+                <a:solidFill>
+                  <a:srgbClr val="003B4F"/>
+                </a:solidFill>
+                <a:latin typeface="Courier"/>
+              </a:rPr>
+              <a:t> </a:t>
+            </a:r>
+            <a:r>
+              <a:rPr lang="en-US" dirty="0">
+                <a:solidFill>
+                  <a:srgbClr val="AD0000"/>
+                </a:solidFill>
+                <a:latin typeface="Courier"/>
+              </a:rPr>
+              <a:t>10000</a:t>
+            </a:r>
+            <a:r>
+              <a:rPr lang="en-US" dirty="0">
+                <a:solidFill>
+                  <a:srgbClr val="003B4F"/>
+                </a:solidFill>
+                <a:latin typeface="Courier"/>
+              </a:rPr>
+              <a:t>, </a:t>
+            </a:r>
+            <a:r>
+              <a:rPr lang="en-US" dirty="0" err="1">
+                <a:solidFill>
+                  <a:srgbClr val="657422"/>
+                </a:solidFill>
+                <a:latin typeface="Courier"/>
+              </a:rPr>
+              <a:t>Sm</a:t>
+            </a:r>
+            <a:r>
+              <a:rPr lang="en-US" dirty="0">
+                <a:solidFill>
+                  <a:srgbClr val="657422"/>
+                </a:solidFill>
+                <a:latin typeface="Courier"/>
+              </a:rPr>
+              <a:t> =</a:t>
+            </a:r>
+            <a:r>
+              <a:rPr lang="en-US" dirty="0">
+                <a:solidFill>
+                  <a:srgbClr val="003B4F"/>
+                </a:solidFill>
+                <a:latin typeface="Courier"/>
+              </a:rPr>
+              <a:t> </a:t>
+            </a:r>
+            <a:r>
+              <a:rPr lang="en-US" dirty="0">
+                <a:solidFill>
+                  <a:srgbClr val="AD0000"/>
+                </a:solidFill>
+                <a:latin typeface="Courier"/>
+              </a:rPr>
+              <a:t>1000</a:t>
+            </a:r>
+            <a:r>
+              <a:rPr lang="en-US" dirty="0">
+                <a:solidFill>
+                  <a:srgbClr val="003B4F"/>
+                </a:solidFill>
+                <a:latin typeface="Courier"/>
+              </a:rPr>
+              <a:t>, </a:t>
+            </a:r>
+            <a:r>
+              <a:rPr lang="en-US" dirty="0">
+                <a:solidFill>
+                  <a:srgbClr val="657422"/>
+                </a:solidFill>
+                <a:latin typeface="Courier"/>
+              </a:rPr>
+              <a:t>J =</a:t>
+            </a:r>
+            <a:r>
+              <a:rPr lang="en-US" dirty="0">
+                <a:solidFill>
+                  <a:srgbClr val="003B4F"/>
+                </a:solidFill>
+                <a:latin typeface="Courier"/>
+              </a:rPr>
+              <a:t> </a:t>
+            </a:r>
+            <a:r>
+              <a:rPr lang="en-US" dirty="0">
+                <a:solidFill>
+                  <a:srgbClr val="AD0000"/>
+                </a:solidFill>
+                <a:latin typeface="Courier"/>
+              </a:rPr>
+              <a:t>1000</a:t>
+            </a:r>
+            <a:r>
+              <a:rPr lang="en-US" dirty="0">
+                <a:solidFill>
+                  <a:srgbClr val="003B4F"/>
+                </a:solidFill>
+                <a:latin typeface="Courier"/>
+              </a:rPr>
+              <a:t>, </a:t>
+            </a:r>
+          </a:p>
+          <a:p>
+            <a:r>
+              <a:rPr lang="en-US" dirty="0">
+                <a:solidFill>
+                  <a:srgbClr val="003B4F"/>
+                </a:solidFill>
+                <a:latin typeface="Courier"/>
+              </a:rPr>
+              <a:t>					</a:t>
+            </a:r>
+            <a:r>
+              <a:rPr lang="en-US" dirty="0">
+                <a:solidFill>
+                  <a:srgbClr val="657422"/>
+                </a:solidFill>
+                <a:latin typeface="Courier"/>
+              </a:rPr>
+              <a:t>m = </a:t>
+            </a:r>
+            <a:r>
+              <a:rPr lang="en-US" dirty="0" err="1">
+                <a:solidFill>
+                  <a:srgbClr val="003B4F"/>
+                </a:solidFill>
+                <a:latin typeface="Courier"/>
+              </a:rPr>
+              <a:t>new_M</a:t>
+            </a:r>
+            <a:r>
+              <a:rPr lang="en-US" dirty="0">
+                <a:solidFill>
+                  <a:srgbClr val="003B4F"/>
+                </a:solidFill>
+                <a:latin typeface="Courier"/>
+              </a:rPr>
+              <a:t>, </a:t>
+            </a:r>
+            <a:r>
+              <a:rPr lang="en-US" dirty="0">
+                <a:solidFill>
+                  <a:srgbClr val="657422"/>
+                </a:solidFill>
+                <a:latin typeface="Courier"/>
+              </a:rPr>
+              <a:t>nu =</a:t>
+            </a:r>
+            <a:r>
+              <a:rPr lang="en-US" dirty="0">
+                <a:solidFill>
+                  <a:srgbClr val="003B4F"/>
+                </a:solidFill>
+                <a:latin typeface="Courier"/>
+              </a:rPr>
+              <a:t> </a:t>
+            </a:r>
+            <a:r>
+              <a:rPr lang="en-US" dirty="0" err="1">
+                <a:solidFill>
+                  <a:srgbClr val="003B4F"/>
+                </a:solidFill>
+                <a:latin typeface="Courier"/>
+              </a:rPr>
+              <a:t>new_Nu</a:t>
+            </a:r>
+            <a:r>
+              <a:rPr lang="en-US" dirty="0">
+                <a:solidFill>
+                  <a:srgbClr val="003B4F"/>
+                </a:solidFill>
+                <a:latin typeface="Courier"/>
+              </a:rPr>
+              <a:t>, </a:t>
+            </a:r>
+            <a:r>
+              <a:rPr lang="en-US" dirty="0">
+                <a:solidFill>
+                  <a:srgbClr val="657422"/>
+                </a:solidFill>
+                <a:latin typeface="Courier"/>
+              </a:rPr>
+              <a:t>niter =</a:t>
+            </a:r>
+            <a:r>
+              <a:rPr lang="en-US" dirty="0">
+                <a:solidFill>
+                  <a:srgbClr val="003B4F"/>
+                </a:solidFill>
+                <a:latin typeface="Courier"/>
+              </a:rPr>
+              <a:t> </a:t>
+            </a:r>
+            <a:r>
+              <a:rPr lang="en-US" dirty="0">
+                <a:solidFill>
+                  <a:srgbClr val="AD0000"/>
+                </a:solidFill>
+                <a:latin typeface="Courier"/>
+              </a:rPr>
+              <a:t>1000</a:t>
+            </a:r>
+            <a:r>
+              <a:rPr lang="en-US" dirty="0">
+                <a:solidFill>
+                  <a:srgbClr val="003B4F"/>
+                </a:solidFill>
+                <a:latin typeface="Courier"/>
+              </a:rPr>
+              <a:t>)</a:t>
+            </a:r>
+            <a:br>
+              <a:rPr lang="en-US" dirty="0"/>
+            </a:br>
+            <a:r>
+              <a:rPr lang="en-US" dirty="0" err="1">
+                <a:solidFill>
+                  <a:srgbClr val="003B4F"/>
+                </a:solidFill>
+                <a:latin typeface="Courier"/>
+              </a:rPr>
+              <a:t>new_hills</a:t>
+            </a:r>
+            <a:r>
+              <a:rPr lang="en-US" dirty="0">
+                <a:solidFill>
+                  <a:srgbClr val="003B4F"/>
+                </a:solidFill>
+                <a:latin typeface="Courier"/>
+              </a:rPr>
+              <a:t> &lt;- </a:t>
+            </a:r>
+            <a:r>
+              <a:rPr lang="en-US" dirty="0" err="1">
+                <a:solidFill>
+                  <a:srgbClr val="4758AB"/>
+                </a:solidFill>
+                <a:latin typeface="Courier"/>
+              </a:rPr>
+              <a:t>untb_hill</a:t>
+            </a:r>
+            <a:r>
+              <a:rPr lang="en-US" dirty="0">
+                <a:solidFill>
+                  <a:srgbClr val="003B4F"/>
+                </a:solidFill>
+                <a:latin typeface="Courier"/>
+              </a:rPr>
+              <a:t>(</a:t>
+            </a:r>
+            <a:r>
+              <a:rPr lang="en-US" dirty="0" err="1">
+                <a:solidFill>
+                  <a:srgbClr val="003B4F"/>
+                </a:solidFill>
+                <a:latin typeface="Courier"/>
+              </a:rPr>
+              <a:t>new_sim</a:t>
+            </a:r>
+            <a:r>
+              <a:rPr lang="en-US" dirty="0">
+                <a:solidFill>
+                  <a:srgbClr val="003B4F"/>
+                </a:solidFill>
+                <a:latin typeface="Courier"/>
+              </a:rPr>
+              <a:t>)</a:t>
+            </a:r>
+            <a:br>
+              <a:rPr lang="en-US" dirty="0"/>
+            </a:br>
+            <a:br>
+              <a:rPr lang="en-US" dirty="0"/>
+            </a:br>
             <a:r>
               <a:rPr lang="en-US" dirty="0" err="1">
                 <a:solidFill>
@@ -45787,64 +45556,33 @@
               </a:rPr>
               <a:t>predicted_M</a:t>
             </a:r>
-            <a:endParaRPr lang="en-US" dirty="0">
-              <a:solidFill>
-                <a:srgbClr val="003B4F"/>
-              </a:solidFill>
-              <a:latin typeface="Courier"/>
-            </a:endParaRPr>
-          </a:p>
-          <a:p>
-            <a:pPr lvl="0" indent="0">
-              <a:buNone/>
-            </a:pPr>
             <a:r>
               <a:rPr lang="en-US" dirty="0">
+                <a:solidFill>
+                  <a:srgbClr val="003B4F"/>
+                </a:solidFill>
                 <a:latin typeface="Courier"/>
               </a:rPr>
-              <a:t>        
-0.2825361 </a:t>
-            </a:r>
-          </a:p>
-          <a:p>
-            <a:pPr lvl="0" indent="0">
-              <a:buNone/>
-            </a:pPr>
-            <a:endParaRPr lang="en-US" dirty="0"/>
-          </a:p>
-        </p:txBody>
-      </p:sp>
-      <p:sp>
-        <p:nvSpPr>
-          <p:cNvPr id="4" name="TextBox 3">
-            <a:extLst>
-              <a:ext uri="{FF2B5EF4-FFF2-40B4-BE49-F238E27FC236}">
-                <a16:creationId xmlns:a16="http://schemas.microsoft.com/office/drawing/2014/main" id="{619A6D44-8A8F-AC85-A3F1-BF25EE560085}"/>
-              </a:ext>
-            </a:extLst>
-          </p:cNvPr>
-          <p:cNvSpPr txBox="1"/>
-          <p:nvPr/>
-        </p:nvSpPr>
-        <p:spPr>
-          <a:xfrm>
-            <a:off x="2516588" y="1619820"/>
-            <a:ext cx="4572000" cy="923330"/>
-          </a:xfrm>
-          <a:prstGeom prst="rect">
-            <a:avLst/>
-          </a:prstGeom>
-          <a:noFill/>
-        </p:spPr>
-        <p:txBody>
-          <a:bodyPr wrap="square">
-            <a:spAutoFit/>
-          </a:bodyPr>
-          <a:lstStyle/>
-          <a:p>
-            <a:pPr lvl="0" indent="0">
-              <a:buNone/>
-            </a:pPr>
+              <a:t> &lt;- </a:t>
+            </a:r>
+            <a:r>
+              <a:rPr lang="en-US" dirty="0">
+                <a:solidFill>
+                  <a:srgbClr val="4758AB"/>
+                </a:solidFill>
+                <a:latin typeface="Courier"/>
+              </a:rPr>
+              <a:t>predict</a:t>
+            </a:r>
+            <a:r>
+              <a:rPr lang="en-US" dirty="0">
+                <a:solidFill>
+                  <a:srgbClr val="003B4F"/>
+                </a:solidFill>
+                <a:latin typeface="Courier"/>
+              </a:rPr>
+              <a:t>(</a:t>
+            </a:r>
             <a:r>
               <a:rPr lang="en-US" dirty="0" err="1">
                 <a:solidFill>
@@ -45852,71 +45590,64 @@
                 </a:solidFill>
                 <a:latin typeface="Courier"/>
               </a:rPr>
-              <a:t>new_M</a:t>
-            </a:r>
-            <a:endParaRPr lang="en-US" dirty="0">
-              <a:solidFill>
-                <a:srgbClr val="003B4F"/>
-              </a:solidFill>
-              <a:latin typeface="Courier"/>
-            </a:endParaRPr>
-          </a:p>
-          <a:p>
-            <a:pPr lvl="0" indent="0">
-              <a:buNone/>
-            </a:pPr>
-            <a:endParaRPr lang="en-US" dirty="0">
-              <a:solidFill>
-                <a:srgbClr val="003B4F"/>
-              </a:solidFill>
-              <a:latin typeface="Courier"/>
-            </a:endParaRPr>
-          </a:p>
-          <a:p>
-            <a:pPr lvl="0" indent="0">
-              <a:buNone/>
-            </a:pPr>
+              <a:t>m_rf_model</a:t>
+            </a:r>
             <a:r>
               <a:rPr lang="en-US" dirty="0">
+                <a:solidFill>
+                  <a:srgbClr val="003B4F"/>
+                </a:solidFill>
                 <a:latin typeface="Courier"/>
               </a:rPr>
-              <a:t>0.3258534</a:t>
-            </a:r>
-            <a:endParaRPr lang="en-US" dirty="0"/>
-          </a:p>
-        </p:txBody>
-      </p:sp>
-      <p:sp>
-        <p:nvSpPr>
-          <p:cNvPr id="7" name="TextBox 6">
-            <a:extLst>
-              <a:ext uri="{FF2B5EF4-FFF2-40B4-BE49-F238E27FC236}">
-                <a16:creationId xmlns:a16="http://schemas.microsoft.com/office/drawing/2014/main" id="{3438BDA9-EC2D-4177-048E-7E203AB23DC0}"/>
-              </a:ext>
-            </a:extLst>
-          </p:cNvPr>
-          <p:cNvSpPr txBox="1"/>
-          <p:nvPr/>
-        </p:nvSpPr>
-        <p:spPr>
-          <a:xfrm>
-            <a:off x="4802588" y="2718699"/>
-            <a:ext cx="6368994" cy="1200329"/>
-          </a:xfrm>
-          <a:prstGeom prst="rect">
-            <a:avLst/>
-          </a:prstGeom>
-          <a:noFill/>
-        </p:spPr>
-        <p:txBody>
-          <a:bodyPr wrap="square">
-            <a:spAutoFit/>
-          </a:bodyPr>
-          <a:lstStyle/>
-          <a:p>
-            <a:pPr lvl="0" indent="0">
-              <a:buNone/>
-            </a:pPr>
+              <a:t>, </a:t>
+            </a:r>
+            <a:r>
+              <a:rPr lang="en-US" dirty="0" err="1">
+                <a:solidFill>
+                  <a:srgbClr val="657422"/>
+                </a:solidFill>
+                <a:latin typeface="Courier"/>
+              </a:rPr>
+              <a:t>newdata</a:t>
+            </a:r>
+            <a:r>
+              <a:rPr lang="en-US" dirty="0">
+                <a:solidFill>
+                  <a:srgbClr val="657422"/>
+                </a:solidFill>
+                <a:latin typeface="Courier"/>
+              </a:rPr>
+              <a:t> =</a:t>
+            </a:r>
+            <a:r>
+              <a:rPr lang="en-US" dirty="0">
+                <a:solidFill>
+                  <a:srgbClr val="003B4F"/>
+                </a:solidFill>
+                <a:latin typeface="Courier"/>
+              </a:rPr>
+              <a:t> </a:t>
+            </a:r>
+            <a:r>
+              <a:rPr lang="en-US" dirty="0" err="1">
+                <a:solidFill>
+                  <a:srgbClr val="003B4F"/>
+                </a:solidFill>
+                <a:latin typeface="Courier"/>
+              </a:rPr>
+              <a:t>new_hills</a:t>
+            </a:r>
+            <a:r>
+              <a:rPr lang="en-US" dirty="0">
+                <a:solidFill>
+                  <a:srgbClr val="003B4F"/>
+                </a:solidFill>
+                <a:latin typeface="Courier"/>
+              </a:rPr>
+              <a:t>)</a:t>
+            </a:r>
+          </a:p>
+          <a:p>
             <a:r>
               <a:rPr lang="en-US" dirty="0" err="1">
                 <a:solidFill>
@@ -45926,66 +45657,33 @@
               </a:rPr>
               <a:t>predicted_Nu</a:t>
             </a:r>
-            <a:endParaRPr lang="en-US" dirty="0">
-              <a:solidFill>
-                <a:srgbClr val="003B4F"/>
-              </a:solidFill>
-              <a:latin typeface="Courier"/>
-            </a:endParaRPr>
-          </a:p>
-          <a:p>
-            <a:pPr lvl="0" indent="0">
-              <a:buNone/>
-            </a:pPr>
             <a:r>
               <a:rPr lang="en-US" dirty="0">
+                <a:solidFill>
+                  <a:srgbClr val="003B4F"/>
+                </a:solidFill>
                 <a:latin typeface="Courier"/>
               </a:rPr>
-              <a:t>         
-0.3794579 </a:t>
-            </a:r>
-          </a:p>
-          <a:p>
-            <a:pPr lvl="0" indent="0">
-              <a:buNone/>
-            </a:pPr>
-            <a:endParaRPr lang="en-US" dirty="0">
-              <a:latin typeface="Courier"/>
-            </a:endParaRPr>
-          </a:p>
-        </p:txBody>
-      </p:sp>
-      <p:sp>
-        <p:nvSpPr>
-          <p:cNvPr id="9" name="TextBox 8">
-            <a:extLst>
-              <a:ext uri="{FF2B5EF4-FFF2-40B4-BE49-F238E27FC236}">
-                <a16:creationId xmlns:a16="http://schemas.microsoft.com/office/drawing/2014/main" id="{DD6F4768-23D1-40BA-26DE-08EB6DF4E6B3}"/>
-              </a:ext>
-            </a:extLst>
-          </p:cNvPr>
-          <p:cNvSpPr txBox="1"/>
-          <p:nvPr/>
-        </p:nvSpPr>
-        <p:spPr>
-          <a:xfrm>
-            <a:off x="2516588" y="2720456"/>
-            <a:ext cx="1681701" cy="923330"/>
-          </a:xfrm>
-          <a:prstGeom prst="rect">
-            <a:avLst/>
-          </a:prstGeom>
-          <a:noFill/>
-        </p:spPr>
-        <p:txBody>
-          <a:bodyPr wrap="square">
-            <a:spAutoFit/>
-          </a:bodyPr>
-          <a:lstStyle/>
-          <a:p>
-            <a:pPr lvl="0" indent="0">
-              <a:buNone/>
-            </a:pPr>
+              <a:t> &lt;- </a:t>
+            </a:r>
+            <a:r>
+              <a:rPr lang="en-US" dirty="0">
+                <a:solidFill>
+                  <a:srgbClr val="4758AB"/>
+                </a:solidFill>
+                <a:latin typeface="Courier"/>
+              </a:rPr>
+              <a:t>predict</a:t>
+            </a:r>
+            <a:r>
+              <a:rPr lang="en-US" dirty="0">
+                <a:solidFill>
+                  <a:srgbClr val="003B4F"/>
+                </a:solidFill>
+                <a:latin typeface="Courier"/>
+              </a:rPr>
+              <a:t>(</a:t>
+            </a:r>
             <a:r>
               <a:rPr lang="en-US" dirty="0" err="1">
                 <a:solidFill>
@@ -45993,35 +45691,61 @@
                 </a:solidFill>
                 <a:latin typeface="Courier"/>
               </a:rPr>
-              <a:t>new_Nu</a:t>
-            </a:r>
-            <a:endParaRPr lang="en-US" dirty="0">
-              <a:solidFill>
-                <a:srgbClr val="003B4F"/>
-              </a:solidFill>
-              <a:latin typeface="Courier"/>
-            </a:endParaRPr>
-          </a:p>
-          <a:p>
-            <a:pPr lvl="0" indent="0">
-              <a:buNone/>
-            </a:pPr>
-            <a:endParaRPr lang="en-US" dirty="0">
-              <a:solidFill>
-                <a:srgbClr val="003B4F"/>
-              </a:solidFill>
-              <a:latin typeface="Courier"/>
-            </a:endParaRPr>
-          </a:p>
-          <a:p>
-            <a:pPr lvl="0" indent="0">
-              <a:buNone/>
-            </a:pPr>
+              <a:t>nu_rf_model</a:t>
+            </a:r>
             <a:r>
               <a:rPr lang="en-US" dirty="0">
+                <a:solidFill>
+                  <a:srgbClr val="003B4F"/>
+                </a:solidFill>
                 <a:latin typeface="Courier"/>
               </a:rPr>
-              <a:t>0.4382455</a:t>
+              <a:t>, </a:t>
+            </a:r>
+            <a:r>
+              <a:rPr lang="en-US" dirty="0" err="1">
+                <a:solidFill>
+                  <a:srgbClr val="657422"/>
+                </a:solidFill>
+                <a:latin typeface="Courier"/>
+              </a:rPr>
+              <a:t>newdata</a:t>
+            </a:r>
+            <a:r>
+              <a:rPr lang="en-US" dirty="0">
+                <a:solidFill>
+                  <a:srgbClr val="657422"/>
+                </a:solidFill>
+                <a:latin typeface="Courier"/>
+              </a:rPr>
+              <a:t> =</a:t>
+            </a:r>
+            <a:r>
+              <a:rPr lang="en-US" dirty="0">
+                <a:solidFill>
+                  <a:srgbClr val="003B4F"/>
+                </a:solidFill>
+                <a:latin typeface="Courier"/>
+              </a:rPr>
+              <a:t> </a:t>
+            </a:r>
+            <a:r>
+              <a:rPr lang="en-US" dirty="0" err="1">
+                <a:solidFill>
+                  <a:srgbClr val="003B4F"/>
+                </a:solidFill>
+                <a:latin typeface="Courier"/>
+              </a:rPr>
+              <a:t>new_hills</a:t>
+            </a:r>
+            <a:r>
+              <a:rPr lang="en-US" dirty="0">
+                <a:solidFill>
+                  <a:srgbClr val="003B4F"/>
+                </a:solidFill>
+                <a:latin typeface="Courier"/>
+              </a:rPr>
+              <a:t>)</a:t>
             </a:r>
             <a:endParaRPr lang="en-US" dirty="0"/>
           </a:p>
@@ -46030,7 +45754,7 @@
     </p:spTree>
     <p:extLst>
       <p:ext uri="{BB962C8B-B14F-4D97-AF65-F5344CB8AC3E}">
-        <p14:creationId xmlns:p14="http://schemas.microsoft.com/office/powerpoint/2010/main" val="2965516395"/>
+        <p14:creationId xmlns:p14="http://schemas.microsoft.com/office/powerpoint/2010/main" val="1410249687"/>
       </p:ext>
     </p:extLst>
   </p:cSld>
@@ -46079,15 +45803,15 @@
             </a:pPr>
             <a:r>
               <a:rPr dirty="0"/>
-              <a:t>What are the applications of process </a:t>
-            </a:r>
-            <a:r>
-              <a:rPr lang="en-US" dirty="0"/>
-              <a:t>models</a:t>
+              <a:t>What do we </a:t>
+            </a:r>
+            <a:r>
+              <a:rPr i="1" dirty="0"/>
+              <a:t>mean</a:t>
             </a:r>
             <a:r>
               <a:rPr dirty="0"/>
-              <a:t> for eco-evo?</a:t>
+              <a:t> by process modeling, anyway?</a:t>
             </a:r>
           </a:p>
         </p:txBody>
@@ -46097,7 +45821,7 @@
           <p:cNvPr id="5" name="Content Placeholder 4">
             <a:extLst>
               <a:ext uri="{FF2B5EF4-FFF2-40B4-BE49-F238E27FC236}">
-                <a16:creationId xmlns:a16="http://schemas.microsoft.com/office/drawing/2014/main" id="{8160B9CA-F050-2E27-F752-D8C2C828FC53}"/>
+                <a16:creationId xmlns:a16="http://schemas.microsoft.com/office/drawing/2014/main" id="{B41FE0D9-E13D-6A06-AF28-2CC566823536}"/>
               </a:ext>
             </a:extLst>
           </p:cNvPr>
@@ -46111,7 +45835,7 @@
         <p:spPr>
           <a:xfrm>
             <a:off x="457200" y="1200151"/>
-            <a:ext cx="8229600" cy="535884"/>
+            <a:ext cx="5539154" cy="3394472"/>
           </a:xfrm>
         </p:spPr>
         <p:txBody>
@@ -46120,237 +45844,150 @@
           <a:p>
             <a:r>
               <a:rPr lang="en-US" dirty="0"/>
-              <a:t>Nearly unlimited flexibility for exploring processes involving…</a:t>
+              <a:t>Games may be simple or complex</a:t>
+            </a:r>
+          </a:p>
+          <a:p>
+            <a:pPr lvl="1"/>
+            <a:r>
+              <a:rPr lang="en-US" dirty="0"/>
+              <a:t>(Even simple games can be complex!)</a:t>
+            </a:r>
+          </a:p>
+          <a:p>
+            <a:pPr lvl="1"/>
+            <a:r>
+              <a:rPr lang="en-US" dirty="0"/>
+              <a:t>Not necessarily deterministic</a:t>
+            </a:r>
+          </a:p>
+          <a:p>
+            <a:pPr lvl="1"/>
+            <a:r>
+              <a:rPr lang="en-US" dirty="0"/>
+              <a:t>Not necessarily solvable analytically</a:t>
             </a:r>
           </a:p>
         </p:txBody>
       </p:sp>
-      <p:sp>
-        <p:nvSpPr>
-          <p:cNvPr id="6" name="TextBox 5">
+      <p:pic>
+        <p:nvPicPr>
+          <p:cNvPr id="10" name="Graphic 9" descr="Tic Tac Toe with solid fill">
             <a:extLst>
               <a:ext uri="{FF2B5EF4-FFF2-40B4-BE49-F238E27FC236}">
-                <a16:creationId xmlns:a16="http://schemas.microsoft.com/office/drawing/2014/main" id="{C2784588-8FAF-53C0-FEC3-A32C27A23DC4}"/>
+                <a16:creationId xmlns:a16="http://schemas.microsoft.com/office/drawing/2014/main" id="{78835EE6-78DF-FA89-B853-F777269EBA6D}"/>
               </a:ext>
             </a:extLst>
           </p:cNvPr>
-          <p:cNvSpPr txBox="1"/>
+          <p:cNvPicPr>
+            <a:picLocks noChangeAspect="1"/>
+          </p:cNvPicPr>
           <p:nvPr/>
-        </p:nvSpPr>
+        </p:nvPicPr>
+        <p:blipFill>
+          <a:blip r:embed="rId2">
+            <a:extLst>
+              <a:ext uri="{96DAC541-7B7A-43D3-8B79-37D633B846F1}">
+                <asvg:svgBlip xmlns:asvg="http://schemas.microsoft.com/office/drawing/2016/SVG/main" r:embed="rId3"/>
+              </a:ext>
+            </a:extLst>
+          </a:blip>
+          <a:stretch>
+            <a:fillRect/>
+          </a:stretch>
+        </p:blipFill>
         <p:spPr>
           <a:xfrm>
-            <a:off x="5638014" y="3935877"/>
-            <a:ext cx="2055371" cy="461665"/>
+            <a:off x="3644411" y="2897387"/>
+            <a:ext cx="1855178" cy="1855178"/>
           </a:xfrm>
           <a:prstGeom prst="rect">
             <a:avLst/>
           </a:prstGeom>
-          <a:noFill/>
         </p:spPr>
-        <p:txBody>
-          <a:bodyPr wrap="none" rtlCol="0">
-            <a:spAutoFit/>
-          </a:bodyPr>
-          <a:lstStyle/>
-          <a:p>
-            <a:r>
-              <a:rPr lang="en-US" sz="2400" dirty="0">
-                <a:latin typeface="Chalkduster" panose="03050602040202020205" pitchFamily="66" charset="77"/>
-              </a:rPr>
-              <a:t>complexity</a:t>
-            </a:r>
-          </a:p>
-        </p:txBody>
-      </p:sp>
-      <p:sp>
-        <p:nvSpPr>
-          <p:cNvPr id="7" name="TextBox 6">
+      </p:pic>
+      <p:pic>
+        <p:nvPicPr>
+          <p:cNvPr id="4" name="Graphic 3" descr="Chess Pieces">
             <a:extLst>
               <a:ext uri="{FF2B5EF4-FFF2-40B4-BE49-F238E27FC236}">
-                <a16:creationId xmlns:a16="http://schemas.microsoft.com/office/drawing/2014/main" id="{C8E27441-5824-40E7-CF84-196423DA65B1}"/>
+                <a16:creationId xmlns:a16="http://schemas.microsoft.com/office/drawing/2014/main" id="{C2DC7674-8C21-F7B5-B91B-6BE4A241D654}"/>
               </a:ext>
             </a:extLst>
           </p:cNvPr>
-          <p:cNvSpPr txBox="1"/>
+          <p:cNvPicPr>
+            <a:picLocks noChangeAspect="1"/>
+          </p:cNvPicPr>
           <p:nvPr/>
-        </p:nvSpPr>
+        </p:nvPicPr>
+        <p:blipFill>
+          <a:blip r:embed="rId4">
+            <a:extLst>
+              <a:ext uri="{28A0092B-C50C-407E-A947-70E740481C1C}">
+                <a14:useLocalDpi xmlns:a14="http://schemas.microsoft.com/office/drawing/2010/main" val="0"/>
+              </a:ext>
+              <a:ext uri="{96DAC541-7B7A-43D3-8B79-37D633B846F1}">
+                <asvg:svgBlip xmlns:asvg="http://schemas.microsoft.com/office/drawing/2016/SVG/main" r:embed="rId5"/>
+              </a:ext>
+            </a:extLst>
+          </a:blip>
+          <a:stretch>
+            <a:fillRect/>
+          </a:stretch>
+        </p:blipFill>
         <p:spPr>
           <a:xfrm>
-            <a:off x="1683734" y="2796567"/>
-            <a:ext cx="3709605" cy="461665"/>
+            <a:off x="909009" y="2876367"/>
+            <a:ext cx="1855178" cy="1855178"/>
           </a:xfrm>
           <a:prstGeom prst="rect">
             <a:avLst/>
           </a:prstGeom>
-          <a:noFill/>
         </p:spPr>
-        <p:txBody>
-          <a:bodyPr wrap="none" rtlCol="0">
-            <a:spAutoFit/>
-          </a:bodyPr>
-          <a:lstStyle/>
-          <a:p>
-            <a:r>
-              <a:rPr lang="en-US" sz="2400" dirty="0">
-                <a:latin typeface="Chalkduster" panose="03050602040202020205" pitchFamily="66" charset="77"/>
-              </a:rPr>
-              <a:t>context dependence</a:t>
-            </a:r>
-          </a:p>
-        </p:txBody>
-      </p:sp>
-      <p:sp>
-        <p:nvSpPr>
-          <p:cNvPr id="8" name="TextBox 7">
+      </p:pic>
+      <p:pic>
+        <p:nvPicPr>
+          <p:cNvPr id="6" name="Graphic 5" descr="Playing Cards">
             <a:extLst>
               <a:ext uri="{FF2B5EF4-FFF2-40B4-BE49-F238E27FC236}">
-                <a16:creationId xmlns:a16="http://schemas.microsoft.com/office/drawing/2014/main" id="{17A24E49-AFEC-27D0-6A2F-5972F83F089D}"/>
+                <a16:creationId xmlns:a16="http://schemas.microsoft.com/office/drawing/2014/main" id="{EBE19651-6867-8C57-62F0-9DADB3D36E3D}"/>
               </a:ext>
             </a:extLst>
           </p:cNvPr>
-          <p:cNvSpPr txBox="1"/>
+          <p:cNvPicPr>
+            <a:picLocks noChangeAspect="1"/>
+          </p:cNvPicPr>
           <p:nvPr/>
-        </p:nvSpPr>
+        </p:nvPicPr>
+        <p:blipFill>
+          <a:blip r:embed="rId6">
+            <a:extLst>
+              <a:ext uri="{28A0092B-C50C-407E-A947-70E740481C1C}">
+                <a14:useLocalDpi xmlns:a14="http://schemas.microsoft.com/office/drawing/2010/main" val="0"/>
+              </a:ext>
+              <a:ext uri="{96DAC541-7B7A-43D3-8B79-37D633B846F1}">
+                <asvg:svgBlip xmlns:asvg="http://schemas.microsoft.com/office/drawing/2016/SVG/main" r:embed="rId7"/>
+              </a:ext>
+            </a:extLst>
+          </a:blip>
+          <a:stretch>
+            <a:fillRect/>
+          </a:stretch>
+        </p:blipFill>
         <p:spPr>
-          <a:xfrm>
-            <a:off x="5977142" y="2875075"/>
-            <a:ext cx="1932580" cy="461665"/>
+          <a:xfrm rot="1169179">
+            <a:off x="6575328" y="2876368"/>
+            <a:ext cx="1855178" cy="1855178"/>
           </a:xfrm>
           <a:prstGeom prst="rect">
             <a:avLst/>
           </a:prstGeom>
-          <a:noFill/>
         </p:spPr>
-        <p:txBody>
-          <a:bodyPr wrap="none" rtlCol="0">
-            <a:spAutoFit/>
-          </a:bodyPr>
-          <a:lstStyle/>
-          <a:p>
-            <a:r>
-              <a:rPr lang="en-US" sz="2400" dirty="0">
-                <a:latin typeface="Chalkduster" panose="03050602040202020205" pitchFamily="66" charset="77"/>
-              </a:rPr>
-              <a:t>feedbacks</a:t>
-            </a:r>
-          </a:p>
-        </p:txBody>
-      </p:sp>
-      <p:sp>
-        <p:nvSpPr>
-          <p:cNvPr id="9" name="TextBox 8">
-            <a:extLst>
-              <a:ext uri="{FF2B5EF4-FFF2-40B4-BE49-F238E27FC236}">
-                <a16:creationId xmlns:a16="http://schemas.microsoft.com/office/drawing/2014/main" id="{3C9B413A-AA81-EC7C-E59E-0D922C2F1D88}"/>
-              </a:ext>
-            </a:extLst>
-          </p:cNvPr>
-          <p:cNvSpPr txBox="1"/>
-          <p:nvPr/>
-        </p:nvSpPr>
-        <p:spPr>
-          <a:xfrm>
-            <a:off x="457200" y="3448132"/>
-            <a:ext cx="5698291" cy="461665"/>
-          </a:xfrm>
-          <a:prstGeom prst="rect">
-            <a:avLst/>
-          </a:prstGeom>
-          <a:noFill/>
-        </p:spPr>
-        <p:txBody>
-          <a:bodyPr wrap="none" rtlCol="0">
-            <a:spAutoFit/>
-          </a:bodyPr>
-          <a:lstStyle/>
-          <a:p>
-            <a:r>
-              <a:rPr lang="en-US" sz="2400" dirty="0">
-                <a:latin typeface="Chalkduster" panose="03050602040202020205" pitchFamily="66" charset="77"/>
-              </a:rPr>
-              <a:t>multiple levels of organization</a:t>
-            </a:r>
-          </a:p>
-        </p:txBody>
-      </p:sp>
-      <p:sp>
-        <p:nvSpPr>
-          <p:cNvPr id="10" name="TextBox 9">
-            <a:extLst>
-              <a:ext uri="{FF2B5EF4-FFF2-40B4-BE49-F238E27FC236}">
-                <a16:creationId xmlns:a16="http://schemas.microsoft.com/office/drawing/2014/main" id="{9AC8AF2F-3416-3F77-8B99-A0C1DFD37F4E}"/>
-              </a:ext>
-            </a:extLst>
-          </p:cNvPr>
-          <p:cNvSpPr txBox="1"/>
-          <p:nvPr/>
-        </p:nvSpPr>
-        <p:spPr>
-          <a:xfrm>
-            <a:off x="3790327" y="2154794"/>
-            <a:ext cx="5305042" cy="461665"/>
-          </a:xfrm>
-          <a:prstGeom prst="rect">
-            <a:avLst/>
-          </a:prstGeom>
-          <a:noFill/>
-        </p:spPr>
-        <p:txBody>
-          <a:bodyPr wrap="none" rtlCol="0">
-            <a:spAutoFit/>
-          </a:bodyPr>
-          <a:lstStyle/>
-          <a:p>
-            <a:r>
-              <a:rPr lang="en-US" sz="2400" dirty="0">
-                <a:latin typeface="Chalkduster" panose="03050602040202020205" pitchFamily="66" charset="77"/>
-              </a:rPr>
-              <a:t>large temporal/spatial scales</a:t>
-            </a:r>
-          </a:p>
-        </p:txBody>
-      </p:sp>
-      <p:sp>
-        <p:nvSpPr>
-          <p:cNvPr id="11" name="TextBox 10">
-            <a:extLst>
-              <a:ext uri="{FF2B5EF4-FFF2-40B4-BE49-F238E27FC236}">
-                <a16:creationId xmlns:a16="http://schemas.microsoft.com/office/drawing/2014/main" id="{684434C9-C94B-5EC4-9C32-6349AA653495}"/>
-              </a:ext>
-            </a:extLst>
-          </p:cNvPr>
-          <p:cNvSpPr txBox="1"/>
-          <p:nvPr/>
-        </p:nvSpPr>
-        <p:spPr>
-          <a:xfrm>
-            <a:off x="610404" y="1950782"/>
-            <a:ext cx="2384435" cy="461665"/>
-          </a:xfrm>
-          <a:prstGeom prst="rect">
-            <a:avLst/>
-          </a:prstGeom>
-          <a:noFill/>
-        </p:spPr>
-        <p:txBody>
-          <a:bodyPr wrap="none" rtlCol="0">
-            <a:spAutoFit/>
-          </a:bodyPr>
-          <a:lstStyle/>
-          <a:p>
-            <a:r>
-              <a:rPr lang="en-US" sz="2400" dirty="0">
-                <a:latin typeface="Chalkduster" panose="03050602040202020205" pitchFamily="66" charset="77"/>
-              </a:rPr>
-              <a:t>stochasticity</a:t>
-            </a:r>
-          </a:p>
-        </p:txBody>
-      </p:sp>
+      </p:pic>
     </p:spTree>
     <p:extLst>
       <p:ext uri="{BB962C8B-B14F-4D97-AF65-F5344CB8AC3E}">
-        <p14:creationId xmlns:p14="http://schemas.microsoft.com/office/powerpoint/2010/main" val="1017247004"/>
+        <p14:creationId xmlns:p14="http://schemas.microsoft.com/office/powerpoint/2010/main" val="696908748"/>
       </p:ext>
     </p:extLst>
   </p:cSld>
@@ -46554,6 +46191,352 @@
       </p:sp>
       <p:sp>
         <p:nvSpPr>
+          <p:cNvPr id="7" name="TextBox 6">
+            <a:extLst>
+              <a:ext uri="{FF2B5EF4-FFF2-40B4-BE49-F238E27FC236}">
+                <a16:creationId xmlns:a16="http://schemas.microsoft.com/office/drawing/2014/main" id="{3438BDA9-EC2D-4177-048E-7E203AB23DC0}"/>
+              </a:ext>
+            </a:extLst>
+          </p:cNvPr>
+          <p:cNvSpPr txBox="1"/>
+          <p:nvPr/>
+        </p:nvSpPr>
+        <p:spPr>
+          <a:xfrm>
+            <a:off x="4802588" y="2718699"/>
+            <a:ext cx="6368994" cy="1200329"/>
+          </a:xfrm>
+          <a:prstGeom prst="rect">
+            <a:avLst/>
+          </a:prstGeom>
+          <a:noFill/>
+        </p:spPr>
+        <p:txBody>
+          <a:bodyPr wrap="square">
+            <a:spAutoFit/>
+          </a:bodyPr>
+          <a:lstStyle/>
+          <a:p>
+            <a:pPr lvl="0" indent="0">
+              <a:buNone/>
+            </a:pPr>
+            <a:r>
+              <a:rPr lang="en-US" dirty="0" err="1">
+                <a:solidFill>
+                  <a:srgbClr val="003B4F"/>
+                </a:solidFill>
+                <a:latin typeface="Courier"/>
+              </a:rPr>
+              <a:t>predicted_Nu</a:t>
+            </a:r>
+            <a:endParaRPr lang="en-US" dirty="0">
+              <a:solidFill>
+                <a:srgbClr val="003B4F"/>
+              </a:solidFill>
+              <a:latin typeface="Courier"/>
+            </a:endParaRPr>
+          </a:p>
+          <a:p>
+            <a:pPr lvl="0" indent="0">
+              <a:buNone/>
+            </a:pPr>
+            <a:r>
+              <a:rPr lang="en-US" dirty="0">
+                <a:latin typeface="Courier"/>
+              </a:rPr>
+              <a:t>         
+0.3794579 </a:t>
+            </a:r>
+          </a:p>
+          <a:p>
+            <a:pPr lvl="0" indent="0">
+              <a:buNone/>
+            </a:pPr>
+            <a:endParaRPr lang="en-US" dirty="0">
+              <a:latin typeface="Courier"/>
+            </a:endParaRPr>
+          </a:p>
+        </p:txBody>
+      </p:sp>
+      <p:sp>
+        <p:nvSpPr>
+          <p:cNvPr id="9" name="TextBox 8">
+            <a:extLst>
+              <a:ext uri="{FF2B5EF4-FFF2-40B4-BE49-F238E27FC236}">
+                <a16:creationId xmlns:a16="http://schemas.microsoft.com/office/drawing/2014/main" id="{DD6F4768-23D1-40BA-26DE-08EB6DF4E6B3}"/>
+              </a:ext>
+            </a:extLst>
+          </p:cNvPr>
+          <p:cNvSpPr txBox="1"/>
+          <p:nvPr/>
+        </p:nvSpPr>
+        <p:spPr>
+          <a:xfrm>
+            <a:off x="2516588" y="2720456"/>
+            <a:ext cx="1681701" cy="923330"/>
+          </a:xfrm>
+          <a:prstGeom prst="rect">
+            <a:avLst/>
+          </a:prstGeom>
+          <a:noFill/>
+        </p:spPr>
+        <p:txBody>
+          <a:bodyPr wrap="square">
+            <a:spAutoFit/>
+          </a:bodyPr>
+          <a:lstStyle/>
+          <a:p>
+            <a:pPr lvl="0" indent="0">
+              <a:buNone/>
+            </a:pPr>
+            <a:r>
+              <a:rPr lang="en-US" dirty="0" err="1">
+                <a:solidFill>
+                  <a:srgbClr val="003B4F"/>
+                </a:solidFill>
+                <a:latin typeface="Courier"/>
+              </a:rPr>
+              <a:t>new_Nu</a:t>
+            </a:r>
+            <a:endParaRPr lang="en-US" dirty="0">
+              <a:solidFill>
+                <a:srgbClr val="003B4F"/>
+              </a:solidFill>
+              <a:latin typeface="Courier"/>
+            </a:endParaRPr>
+          </a:p>
+          <a:p>
+            <a:pPr lvl="0" indent="0">
+              <a:buNone/>
+            </a:pPr>
+            <a:endParaRPr lang="en-US" dirty="0">
+              <a:solidFill>
+                <a:srgbClr val="003B4F"/>
+              </a:solidFill>
+              <a:latin typeface="Courier"/>
+            </a:endParaRPr>
+          </a:p>
+          <a:p>
+            <a:pPr lvl="0" indent="0">
+              <a:buNone/>
+            </a:pPr>
+            <a:r>
+              <a:rPr lang="en-US" dirty="0">
+                <a:latin typeface="Courier"/>
+              </a:rPr>
+              <a:t>0.4382455</a:t>
+            </a:r>
+            <a:endParaRPr lang="en-US" dirty="0"/>
+          </a:p>
+        </p:txBody>
+      </p:sp>
+    </p:spTree>
+    <p:extLst>
+      <p:ext uri="{BB962C8B-B14F-4D97-AF65-F5344CB8AC3E}">
+        <p14:creationId xmlns:p14="http://schemas.microsoft.com/office/powerpoint/2010/main" val="2965516395"/>
+      </p:ext>
+    </p:extLst>
+  </p:cSld>
+  <p:clrMapOvr>
+    <a:masterClrMapping/>
+  </p:clrMapOvr>
+</p:sld>
+</file>
+
+<file path=ppt/slides/slide71.xml><?xml version="1.0" encoding="utf-8"?>
+<p:sld xmlns:a="http://schemas.openxmlformats.org/drawingml/2006/main" xmlns:r="http://schemas.openxmlformats.org/officeDocument/2006/relationships" xmlns:p="http://schemas.openxmlformats.org/presentationml/2006/main">
+  <p:cSld>
+    <p:spTree>
+      <p:nvGrpSpPr>
+        <p:cNvPr id="1" name=""/>
+        <p:cNvGrpSpPr/>
+        <p:nvPr/>
+      </p:nvGrpSpPr>
+      <p:grpSpPr>
+        <a:xfrm>
+          <a:off x="0" y="0"/>
+          <a:ext cx="0" cy="0"/>
+          <a:chOff x="0" y="0"/>
+          <a:chExt cx="0" cy="0"/>
+        </a:xfrm>
+      </p:grpSpPr>
+      <p:sp>
+        <p:nvSpPr>
+          <p:cNvPr id="2" name="Title 1">
+            <a:extLst>
+              <a:ext uri="{FF2B5EF4-FFF2-40B4-BE49-F238E27FC236}">
+                <a16:creationId xmlns:a16="http://schemas.microsoft.com/office/drawing/2014/main" id="{8250623E-5C20-4DB8-4A49-C36230386077}"/>
+              </a:ext>
+            </a:extLst>
+          </p:cNvPr>
+          <p:cNvSpPr>
+            <a:spLocks noGrp="1"/>
+          </p:cNvSpPr>
+          <p:nvPr>
+            <p:ph type="title"/>
+          </p:nvPr>
+        </p:nvSpPr>
+        <p:spPr/>
+        <p:txBody>
+          <a:bodyPr/>
+          <a:lstStyle/>
+          <a:p>
+            <a:r>
+              <a:rPr lang="en-US" dirty="0"/>
+              <a:t>Apply model to </a:t>
+            </a:r>
+            <a:r>
+              <a:rPr lang="en-US" b="1" dirty="0"/>
+              <a:t>new </a:t>
+            </a:r>
+            <a:r>
+              <a:rPr lang="en-US" dirty="0"/>
+              <a:t>(simulated) data</a:t>
+            </a:r>
+          </a:p>
+        </p:txBody>
+      </p:sp>
+      <p:sp>
+        <p:nvSpPr>
+          <p:cNvPr id="5" name="TextBox 4">
+            <a:extLst>
+              <a:ext uri="{FF2B5EF4-FFF2-40B4-BE49-F238E27FC236}">
+                <a16:creationId xmlns:a16="http://schemas.microsoft.com/office/drawing/2014/main" id="{9D358FEA-F9D2-89B5-5878-103A6A681D08}"/>
+              </a:ext>
+            </a:extLst>
+          </p:cNvPr>
+          <p:cNvSpPr txBox="1"/>
+          <p:nvPr/>
+        </p:nvSpPr>
+        <p:spPr>
+          <a:xfrm>
+            <a:off x="4802588" y="1619820"/>
+            <a:ext cx="7935401" cy="1200329"/>
+          </a:xfrm>
+          <a:prstGeom prst="rect">
+            <a:avLst/>
+          </a:prstGeom>
+          <a:noFill/>
+        </p:spPr>
+        <p:txBody>
+          <a:bodyPr wrap="square">
+            <a:spAutoFit/>
+          </a:bodyPr>
+          <a:lstStyle/>
+          <a:p>
+            <a:pPr lvl="0" indent="0">
+              <a:buNone/>
+            </a:pPr>
+            <a:r>
+              <a:rPr lang="en-US" dirty="0" err="1">
+                <a:solidFill>
+                  <a:srgbClr val="003B4F"/>
+                </a:solidFill>
+                <a:latin typeface="Courier"/>
+              </a:rPr>
+              <a:t>predicted_M</a:t>
+            </a:r>
+            <a:endParaRPr lang="en-US" dirty="0">
+              <a:solidFill>
+                <a:srgbClr val="003B4F"/>
+              </a:solidFill>
+              <a:latin typeface="Courier"/>
+            </a:endParaRPr>
+          </a:p>
+          <a:p>
+            <a:pPr lvl="0" indent="0">
+              <a:buNone/>
+            </a:pPr>
+            <a:r>
+              <a:rPr lang="en-US" dirty="0">
+                <a:latin typeface="Courier"/>
+              </a:rPr>
+              <a:t>        
+0.2825361 </a:t>
+            </a:r>
+          </a:p>
+          <a:p>
+            <a:pPr lvl="0" indent="0">
+              <a:buNone/>
+            </a:pPr>
+            <a:endParaRPr lang="en-US" dirty="0"/>
+          </a:p>
+        </p:txBody>
+      </p:sp>
+      <p:sp>
+        <p:nvSpPr>
+          <p:cNvPr id="4" name="TextBox 3">
+            <a:extLst>
+              <a:ext uri="{FF2B5EF4-FFF2-40B4-BE49-F238E27FC236}">
+                <a16:creationId xmlns:a16="http://schemas.microsoft.com/office/drawing/2014/main" id="{619A6D44-8A8F-AC85-A3F1-BF25EE560085}"/>
+              </a:ext>
+            </a:extLst>
+          </p:cNvPr>
+          <p:cNvSpPr txBox="1"/>
+          <p:nvPr/>
+        </p:nvSpPr>
+        <p:spPr>
+          <a:xfrm>
+            <a:off x="2516588" y="1619820"/>
+            <a:ext cx="4572000" cy="923330"/>
+          </a:xfrm>
+          <a:prstGeom prst="rect">
+            <a:avLst/>
+          </a:prstGeom>
+          <a:noFill/>
+        </p:spPr>
+        <p:txBody>
+          <a:bodyPr wrap="square">
+            <a:spAutoFit/>
+          </a:bodyPr>
+          <a:lstStyle/>
+          <a:p>
+            <a:pPr lvl="0" indent="0">
+              <a:buNone/>
+            </a:pPr>
+            <a:r>
+              <a:rPr lang="en-US" dirty="0" err="1">
+                <a:solidFill>
+                  <a:srgbClr val="003B4F"/>
+                </a:solidFill>
+                <a:latin typeface="Courier"/>
+              </a:rPr>
+              <a:t>new_M</a:t>
+            </a:r>
+            <a:endParaRPr lang="en-US" dirty="0">
+              <a:solidFill>
+                <a:srgbClr val="003B4F"/>
+              </a:solidFill>
+              <a:latin typeface="Courier"/>
+            </a:endParaRPr>
+          </a:p>
+          <a:p>
+            <a:pPr lvl="0" indent="0">
+              <a:buNone/>
+            </a:pPr>
+            <a:endParaRPr lang="en-US" dirty="0">
+              <a:solidFill>
+                <a:srgbClr val="003B4F"/>
+              </a:solidFill>
+              <a:latin typeface="Courier"/>
+            </a:endParaRPr>
+          </a:p>
+          <a:p>
+            <a:pPr lvl="0" indent="0">
+              <a:buNone/>
+            </a:pPr>
+            <a:r>
+              <a:rPr lang="en-US" dirty="0">
+                <a:latin typeface="Courier"/>
+              </a:rPr>
+              <a:t>0.3258534</a:t>
+            </a:r>
+            <a:endParaRPr lang="en-US" dirty="0"/>
+          </a:p>
+        </p:txBody>
+      </p:sp>
+      <p:sp>
+        <p:nvSpPr>
           <p:cNvPr id="3" name="TextBox 2">
             <a:extLst>
               <a:ext uri="{FF2B5EF4-FFF2-40B4-BE49-F238E27FC236}">
@@ -46741,7 +46724,7 @@
 </p:sld>
 </file>
 
-<file path=ppt/slides/slide71.xml><?xml version="1.0" encoding="utf-8"?>
+<file path=ppt/slides/slide72.xml><?xml version="1.0" encoding="utf-8"?>
 <p:sld xmlns:a="http://schemas.openxmlformats.org/drawingml/2006/main" xmlns:r="http://schemas.openxmlformats.org/officeDocument/2006/relationships" xmlns:p="http://schemas.openxmlformats.org/presentationml/2006/main">
   <p:cSld>
     <p:spTree>
@@ -46985,89 +46968,6 @@
 </p:sld>
 </file>
 
-<file path=ppt/slides/slide72.xml><?xml version="1.0" encoding="utf-8"?>
-<p:sld xmlns:a="http://schemas.openxmlformats.org/drawingml/2006/main" xmlns:r="http://schemas.openxmlformats.org/officeDocument/2006/relationships" xmlns:p="http://schemas.openxmlformats.org/presentationml/2006/main">
-  <p:cSld>
-    <p:spTree>
-      <p:nvGrpSpPr>
-        <p:cNvPr id="1" name=""/>
-        <p:cNvGrpSpPr/>
-        <p:nvPr/>
-      </p:nvGrpSpPr>
-      <p:grpSpPr>
-        <a:xfrm>
-          <a:off x="0" y="0"/>
-          <a:ext cx="0" cy="0"/>
-          <a:chOff x="0" y="0"/>
-          <a:chExt cx="0" cy="0"/>
-        </a:xfrm>
-      </p:grpSpPr>
-      <p:sp>
-        <p:nvSpPr>
-          <p:cNvPr id="2" name="Title 1">
-            <a:extLst>
-              <a:ext uri="{FF2B5EF4-FFF2-40B4-BE49-F238E27FC236}">
-                <a16:creationId xmlns:a16="http://schemas.microsoft.com/office/drawing/2014/main" id="{57B62B91-0F61-AC10-9527-5BAEE2F18647}"/>
-              </a:ext>
-            </a:extLst>
-          </p:cNvPr>
-          <p:cNvSpPr>
-            <a:spLocks noGrp="1"/>
-          </p:cNvSpPr>
-          <p:nvPr>
-            <p:ph type="title"/>
-          </p:nvPr>
-        </p:nvSpPr>
-        <p:spPr/>
-        <p:txBody>
-          <a:bodyPr/>
-          <a:lstStyle/>
-          <a:p>
-            <a:r>
-              <a:rPr lang="en-US" dirty="0"/>
-              <a:t>How could we improve?</a:t>
-            </a:r>
-          </a:p>
-        </p:txBody>
-      </p:sp>
-      <p:sp>
-        <p:nvSpPr>
-          <p:cNvPr id="5" name="Content Placeholder 4">
-            <a:extLst>
-              <a:ext uri="{FF2B5EF4-FFF2-40B4-BE49-F238E27FC236}">
-                <a16:creationId xmlns:a16="http://schemas.microsoft.com/office/drawing/2014/main" id="{18F9373A-E11D-898D-A8AC-76D5219E5A44}"/>
-              </a:ext>
-            </a:extLst>
-          </p:cNvPr>
-          <p:cNvSpPr>
-            <a:spLocks noGrp="1"/>
-          </p:cNvSpPr>
-          <p:nvPr>
-            <p:ph idx="1"/>
-          </p:nvPr>
-        </p:nvSpPr>
-        <p:spPr/>
-        <p:txBody>
-          <a:bodyPr/>
-          <a:lstStyle/>
-          <a:p>
-            <a:endParaRPr lang="en-US"/>
-          </a:p>
-        </p:txBody>
-      </p:sp>
-    </p:spTree>
-    <p:extLst>
-      <p:ext uri="{BB962C8B-B14F-4D97-AF65-F5344CB8AC3E}">
-        <p14:creationId xmlns:p14="http://schemas.microsoft.com/office/powerpoint/2010/main" val="982835251"/>
-      </p:ext>
-    </p:extLst>
-  </p:cSld>
-  <p:clrMapOvr>
-    <a:masterClrMapping/>
-  </p:clrMapOvr>
-</p:sld>
-</file>
-
 <file path=ppt/slides/slide73.xml><?xml version="1.0" encoding="utf-8"?>
 <p:sld xmlns:a="http://schemas.openxmlformats.org/drawingml/2006/main" xmlns:r="http://schemas.openxmlformats.org/officeDocument/2006/relationships" xmlns:p="http://schemas.openxmlformats.org/presentationml/2006/main">
   <p:cSld>
@@ -47115,10 +47015,10 @@
       </p:sp>
       <p:sp>
         <p:nvSpPr>
-          <p:cNvPr id="3" name="Content Placeholder 2">
+          <p:cNvPr id="5" name="Content Placeholder 4">
             <a:extLst>
               <a:ext uri="{FF2B5EF4-FFF2-40B4-BE49-F238E27FC236}">
-                <a16:creationId xmlns:a16="http://schemas.microsoft.com/office/drawing/2014/main" id="{CDBD380C-FEC9-62B1-3031-88F28A8CA3C6}"/>
+                <a16:creationId xmlns:a16="http://schemas.microsoft.com/office/drawing/2014/main" id="{18F9373A-E11D-898D-A8AC-76D5219E5A44}"/>
               </a:ext>
             </a:extLst>
           </p:cNvPr>
@@ -47134,29 +47034,14 @@
           <a:bodyPr/>
           <a:lstStyle/>
           <a:p>
-            <a:r>
-              <a:rPr lang="en-US" dirty="0"/>
-              <a:t>Different parameters, different rules</a:t>
-            </a:r>
-          </a:p>
-          <a:p>
-            <a:r>
-              <a:rPr lang="en-US" dirty="0"/>
-              <a:t>More data dimensions</a:t>
-            </a:r>
-          </a:p>
-          <a:p>
-            <a:r>
-              <a:rPr lang="en-US" dirty="0"/>
-              <a:t>Stay tuned!!!</a:t>
-            </a:r>
+            <a:endParaRPr lang="en-US"/>
           </a:p>
         </p:txBody>
       </p:sp>
     </p:spTree>
     <p:extLst>
       <p:ext uri="{BB962C8B-B14F-4D97-AF65-F5344CB8AC3E}">
-        <p14:creationId xmlns:p14="http://schemas.microsoft.com/office/powerpoint/2010/main" val="1807360836"/>
+        <p14:creationId xmlns:p14="http://schemas.microsoft.com/office/powerpoint/2010/main" val="982835251"/>
       </p:ext>
     </p:extLst>
   </p:cSld>
@@ -47188,7 +47073,7 @@
           <p:cNvPr id="2" name="Title 1">
             <a:extLst>
               <a:ext uri="{FF2B5EF4-FFF2-40B4-BE49-F238E27FC236}">
-                <a16:creationId xmlns:a16="http://schemas.microsoft.com/office/drawing/2014/main" id="{9BCCB19C-1B36-B38B-6458-20A77AD673EC}"/>
+                <a16:creationId xmlns:a16="http://schemas.microsoft.com/office/drawing/2014/main" id="{57B62B91-0F61-AC10-9527-5BAEE2F18647}"/>
               </a:ext>
             </a:extLst>
           </p:cNvPr>
@@ -47206,7 +47091,7 @@
           <a:p>
             <a:r>
               <a:rPr lang="en-US" dirty="0"/>
-              <a:t>Recap</a:t>
+              <a:t>How could we improve?</a:t>
             </a:r>
           </a:p>
         </p:txBody>
@@ -47216,7 +47101,7 @@
           <p:cNvPr id="3" name="Content Placeholder 2">
             <a:extLst>
               <a:ext uri="{FF2B5EF4-FFF2-40B4-BE49-F238E27FC236}">
-                <a16:creationId xmlns:a16="http://schemas.microsoft.com/office/drawing/2014/main" id="{A7633275-0F62-AC4C-2A80-E1FF4BD05E85}"/>
+                <a16:creationId xmlns:a16="http://schemas.microsoft.com/office/drawing/2014/main" id="{CDBD380C-FEC9-62B1-3031-88F28A8CA3C6}"/>
               </a:ext>
             </a:extLst>
           </p:cNvPr>
@@ -47227,53 +47112,26 @@
             <p:ph idx="1"/>
           </p:nvPr>
         </p:nvSpPr>
-        <p:spPr>
-          <a:xfrm>
-            <a:off x="457200" y="1200151"/>
-            <a:ext cx="7606145" cy="3399558"/>
-          </a:xfrm>
-        </p:spPr>
+        <p:spPr/>
         <p:txBody>
           <a:bodyPr/>
           <a:lstStyle/>
           <a:p>
             <a:r>
               <a:rPr lang="en-US" dirty="0"/>
-              <a:t>In principle, we can use process models to infer the parameters that generate observed data</a:t>
+              <a:t>Different parameters, different rules</a:t>
             </a:r>
           </a:p>
           <a:p>
             <a:r>
               <a:rPr lang="en-US" dirty="0"/>
-              <a:t>This is complicated by:</a:t>
-            </a:r>
-          </a:p>
-          <a:p>
-            <a:pPr lvl="1"/>
+              <a:t>More data dimensions</a:t>
+            </a:r>
+          </a:p>
+          <a:p>
             <a:r>
               <a:rPr lang="en-US" dirty="0"/>
-              <a:t>Out-of-sample prediction</a:t>
-            </a:r>
-          </a:p>
-          <a:p>
-            <a:pPr lvl="1"/>
-            <a:r>
-              <a:rPr lang="en-US" dirty="0"/>
-              <a:t>Model identifiability</a:t>
-            </a:r>
-          </a:p>
-          <a:p>
-            <a:pPr lvl="1"/>
-            <a:r>
-              <a:rPr lang="en-US" dirty="0"/>
-              <a:t>Model run time</a:t>
-            </a:r>
-          </a:p>
-          <a:p>
-            <a:pPr lvl="1"/>
-            <a:r>
-              <a:rPr lang="en-US" dirty="0"/>
-              <a:t>The underlying validity of the process model</a:t>
+              <a:t>Stay tuned!!!</a:t>
             </a:r>
           </a:p>
         </p:txBody>
@@ -47281,7 +47139,7 @@
     </p:spTree>
     <p:extLst>
       <p:ext uri="{BB962C8B-B14F-4D97-AF65-F5344CB8AC3E}">
-        <p14:creationId xmlns:p14="http://schemas.microsoft.com/office/powerpoint/2010/main" val="3332556"/>
+        <p14:creationId xmlns:p14="http://schemas.microsoft.com/office/powerpoint/2010/main" val="1807360836"/>
       </p:ext>
     </p:extLst>
   </p:cSld>
@@ -47313,6 +47171,131 @@
           <p:cNvPr id="2" name="Title 1">
             <a:extLst>
               <a:ext uri="{FF2B5EF4-FFF2-40B4-BE49-F238E27FC236}">
+                <a16:creationId xmlns:a16="http://schemas.microsoft.com/office/drawing/2014/main" id="{9BCCB19C-1B36-B38B-6458-20A77AD673EC}"/>
+              </a:ext>
+            </a:extLst>
+          </p:cNvPr>
+          <p:cNvSpPr>
+            <a:spLocks noGrp="1"/>
+          </p:cNvSpPr>
+          <p:nvPr>
+            <p:ph type="title"/>
+          </p:nvPr>
+        </p:nvSpPr>
+        <p:spPr/>
+        <p:txBody>
+          <a:bodyPr/>
+          <a:lstStyle/>
+          <a:p>
+            <a:r>
+              <a:rPr lang="en-US" dirty="0"/>
+              <a:t>Recap</a:t>
+            </a:r>
+          </a:p>
+        </p:txBody>
+      </p:sp>
+      <p:sp>
+        <p:nvSpPr>
+          <p:cNvPr id="3" name="Content Placeholder 2">
+            <a:extLst>
+              <a:ext uri="{FF2B5EF4-FFF2-40B4-BE49-F238E27FC236}">
+                <a16:creationId xmlns:a16="http://schemas.microsoft.com/office/drawing/2014/main" id="{A7633275-0F62-AC4C-2A80-E1FF4BD05E85}"/>
+              </a:ext>
+            </a:extLst>
+          </p:cNvPr>
+          <p:cNvSpPr>
+            <a:spLocks noGrp="1"/>
+          </p:cNvSpPr>
+          <p:nvPr>
+            <p:ph idx="1"/>
+          </p:nvPr>
+        </p:nvSpPr>
+        <p:spPr>
+          <a:xfrm>
+            <a:off x="457200" y="1200151"/>
+            <a:ext cx="7606145" cy="3399558"/>
+          </a:xfrm>
+        </p:spPr>
+        <p:txBody>
+          <a:bodyPr/>
+          <a:lstStyle/>
+          <a:p>
+            <a:r>
+              <a:rPr lang="en-US" dirty="0"/>
+              <a:t>In principle, we can use process models to infer the parameters that generate observed data</a:t>
+            </a:r>
+          </a:p>
+          <a:p>
+            <a:r>
+              <a:rPr lang="en-US" dirty="0"/>
+              <a:t>This is complicated by:</a:t>
+            </a:r>
+          </a:p>
+          <a:p>
+            <a:pPr lvl="1"/>
+            <a:r>
+              <a:rPr lang="en-US" dirty="0"/>
+              <a:t>Out-of-sample prediction</a:t>
+            </a:r>
+          </a:p>
+          <a:p>
+            <a:pPr lvl="1"/>
+            <a:r>
+              <a:rPr lang="en-US" dirty="0"/>
+              <a:t>Model identifiability</a:t>
+            </a:r>
+          </a:p>
+          <a:p>
+            <a:pPr lvl="1"/>
+            <a:r>
+              <a:rPr lang="en-US" dirty="0"/>
+              <a:t>Model run time</a:t>
+            </a:r>
+          </a:p>
+          <a:p>
+            <a:pPr lvl="1"/>
+            <a:r>
+              <a:rPr lang="en-US" dirty="0"/>
+              <a:t>The underlying validity of the process model</a:t>
+            </a:r>
+          </a:p>
+        </p:txBody>
+      </p:sp>
+    </p:spTree>
+    <p:extLst>
+      <p:ext uri="{BB962C8B-B14F-4D97-AF65-F5344CB8AC3E}">
+        <p14:creationId xmlns:p14="http://schemas.microsoft.com/office/powerpoint/2010/main" val="3332556"/>
+      </p:ext>
+    </p:extLst>
+  </p:cSld>
+  <p:clrMapOvr>
+    <a:masterClrMapping/>
+  </p:clrMapOvr>
+</p:sld>
+</file>
+
+<file path=ppt/slides/slide76.xml><?xml version="1.0" encoding="utf-8"?>
+<p:sld xmlns:a="http://schemas.openxmlformats.org/drawingml/2006/main" xmlns:r="http://schemas.openxmlformats.org/officeDocument/2006/relationships" xmlns:p="http://schemas.openxmlformats.org/presentationml/2006/main">
+  <p:cSld>
+    <p:spTree>
+      <p:nvGrpSpPr>
+        <p:cNvPr id="1" name=""/>
+        <p:cNvGrpSpPr/>
+        <p:nvPr/>
+      </p:nvGrpSpPr>
+      <p:grpSpPr>
+        <a:xfrm>
+          <a:off x="0" y="0"/>
+          <a:ext cx="0" cy="0"/>
+          <a:chOff x="0" y="0"/>
+          <a:chExt cx="0" cy="0"/>
+        </a:xfrm>
+      </p:grpSpPr>
+      <p:sp>
+        <p:nvSpPr>
+          <p:cNvPr id="2" name="Title 1">
+            <a:extLst>
+              <a:ext uri="{FF2B5EF4-FFF2-40B4-BE49-F238E27FC236}">
                 <a16:creationId xmlns:a16="http://schemas.microsoft.com/office/drawing/2014/main" id="{CDFF813E-B1A4-9BF3-4C82-7D736C5EDA6D}"/>
               </a:ext>
             </a:extLst>
@@ -47426,7 +47409,7 @@
 </p:sld>
 </file>
 
-<file path=ppt/slides/slide76.xml><?xml version="1.0" encoding="utf-8"?>
+<file path=ppt/slides/slide77.xml><?xml version="1.0" encoding="utf-8"?>
 <p:sld xmlns:a="http://schemas.openxmlformats.org/drawingml/2006/main" xmlns:r="http://schemas.openxmlformats.org/officeDocument/2006/relationships" xmlns:p="http://schemas.openxmlformats.org/presentationml/2006/main">
   <p:cSld>
     <p:spTree>
@@ -47586,17 +47569,17 @@
           <a:p>
             <a:r>
               <a:rPr lang="en-US" dirty="0"/>
-              <a:t>Use case: hypothesis exploration</a:t>
+              <a:t>Nearly unlimited flexibility for exploring processes involving…</a:t>
             </a:r>
           </a:p>
         </p:txBody>
       </p:sp>
       <p:sp>
         <p:nvSpPr>
-          <p:cNvPr id="3" name="TextBox 2">
+          <p:cNvPr id="6" name="TextBox 5">
             <a:extLst>
               <a:ext uri="{FF2B5EF4-FFF2-40B4-BE49-F238E27FC236}">
-                <a16:creationId xmlns:a16="http://schemas.microsoft.com/office/drawing/2014/main" id="{3BDAFD58-1569-5ACD-A391-8F951C605FDE}"/>
+                <a16:creationId xmlns:a16="http://schemas.microsoft.com/office/drawing/2014/main" id="{C2784588-8FAF-53C0-FEC3-A32C27A23DC4}"/>
               </a:ext>
             </a:extLst>
           </p:cNvPr>
@@ -47605,8 +47588,8 @@
         </p:nvSpPr>
         <p:spPr>
           <a:xfrm>
-            <a:off x="1286265" y="2110085"/>
-            <a:ext cx="6259149" cy="461665"/>
+            <a:off x="5638014" y="3935877"/>
+            <a:ext cx="2055371" cy="461665"/>
           </a:xfrm>
           <a:prstGeom prst="rect">
             <a:avLst/>
@@ -47623,7 +47606,192 @@
               <a:rPr lang="en-US" sz="2400" dirty="0">
                 <a:latin typeface="Chalkduster" panose="03050602040202020205" pitchFamily="66" charset="77"/>
               </a:rPr>
-              <a:t>How would I expect X to affect Y?</a:t>
+              <a:t>complexity</a:t>
+            </a:r>
+          </a:p>
+        </p:txBody>
+      </p:sp>
+      <p:sp>
+        <p:nvSpPr>
+          <p:cNvPr id="7" name="TextBox 6">
+            <a:extLst>
+              <a:ext uri="{FF2B5EF4-FFF2-40B4-BE49-F238E27FC236}">
+                <a16:creationId xmlns:a16="http://schemas.microsoft.com/office/drawing/2014/main" id="{C8E27441-5824-40E7-CF84-196423DA65B1}"/>
+              </a:ext>
+            </a:extLst>
+          </p:cNvPr>
+          <p:cNvSpPr txBox="1"/>
+          <p:nvPr/>
+        </p:nvSpPr>
+        <p:spPr>
+          <a:xfrm>
+            <a:off x="1683734" y="2796567"/>
+            <a:ext cx="3709605" cy="461665"/>
+          </a:xfrm>
+          <a:prstGeom prst="rect">
+            <a:avLst/>
+          </a:prstGeom>
+          <a:noFill/>
+        </p:spPr>
+        <p:txBody>
+          <a:bodyPr wrap="none" rtlCol="0">
+            <a:spAutoFit/>
+          </a:bodyPr>
+          <a:lstStyle/>
+          <a:p>
+            <a:r>
+              <a:rPr lang="en-US" sz="2400" dirty="0">
+                <a:latin typeface="Chalkduster" panose="03050602040202020205" pitchFamily="66" charset="77"/>
+              </a:rPr>
+              <a:t>context dependence</a:t>
+            </a:r>
+          </a:p>
+        </p:txBody>
+      </p:sp>
+      <p:sp>
+        <p:nvSpPr>
+          <p:cNvPr id="8" name="TextBox 7">
+            <a:extLst>
+              <a:ext uri="{FF2B5EF4-FFF2-40B4-BE49-F238E27FC236}">
+                <a16:creationId xmlns:a16="http://schemas.microsoft.com/office/drawing/2014/main" id="{17A24E49-AFEC-27D0-6A2F-5972F83F089D}"/>
+              </a:ext>
+            </a:extLst>
+          </p:cNvPr>
+          <p:cNvSpPr txBox="1"/>
+          <p:nvPr/>
+        </p:nvSpPr>
+        <p:spPr>
+          <a:xfrm>
+            <a:off x="5977142" y="2875075"/>
+            <a:ext cx="1932580" cy="461665"/>
+          </a:xfrm>
+          <a:prstGeom prst="rect">
+            <a:avLst/>
+          </a:prstGeom>
+          <a:noFill/>
+        </p:spPr>
+        <p:txBody>
+          <a:bodyPr wrap="none" rtlCol="0">
+            <a:spAutoFit/>
+          </a:bodyPr>
+          <a:lstStyle/>
+          <a:p>
+            <a:r>
+              <a:rPr lang="en-US" sz="2400" dirty="0">
+                <a:latin typeface="Chalkduster" panose="03050602040202020205" pitchFamily="66" charset="77"/>
+              </a:rPr>
+              <a:t>feedbacks</a:t>
+            </a:r>
+          </a:p>
+        </p:txBody>
+      </p:sp>
+      <p:sp>
+        <p:nvSpPr>
+          <p:cNvPr id="9" name="TextBox 8">
+            <a:extLst>
+              <a:ext uri="{FF2B5EF4-FFF2-40B4-BE49-F238E27FC236}">
+                <a16:creationId xmlns:a16="http://schemas.microsoft.com/office/drawing/2014/main" id="{3C9B413A-AA81-EC7C-E59E-0D922C2F1D88}"/>
+              </a:ext>
+            </a:extLst>
+          </p:cNvPr>
+          <p:cNvSpPr txBox="1"/>
+          <p:nvPr/>
+        </p:nvSpPr>
+        <p:spPr>
+          <a:xfrm>
+            <a:off x="457200" y="3448132"/>
+            <a:ext cx="5698291" cy="461665"/>
+          </a:xfrm>
+          <a:prstGeom prst="rect">
+            <a:avLst/>
+          </a:prstGeom>
+          <a:noFill/>
+        </p:spPr>
+        <p:txBody>
+          <a:bodyPr wrap="none" rtlCol="0">
+            <a:spAutoFit/>
+          </a:bodyPr>
+          <a:lstStyle/>
+          <a:p>
+            <a:r>
+              <a:rPr lang="en-US" sz="2400" dirty="0">
+                <a:latin typeface="Chalkduster" panose="03050602040202020205" pitchFamily="66" charset="77"/>
+              </a:rPr>
+              <a:t>multiple levels of organization</a:t>
+            </a:r>
+          </a:p>
+        </p:txBody>
+      </p:sp>
+      <p:sp>
+        <p:nvSpPr>
+          <p:cNvPr id="10" name="TextBox 9">
+            <a:extLst>
+              <a:ext uri="{FF2B5EF4-FFF2-40B4-BE49-F238E27FC236}">
+                <a16:creationId xmlns:a16="http://schemas.microsoft.com/office/drawing/2014/main" id="{9AC8AF2F-3416-3F77-8B99-A0C1DFD37F4E}"/>
+              </a:ext>
+            </a:extLst>
+          </p:cNvPr>
+          <p:cNvSpPr txBox="1"/>
+          <p:nvPr/>
+        </p:nvSpPr>
+        <p:spPr>
+          <a:xfrm>
+            <a:off x="3790327" y="2154794"/>
+            <a:ext cx="5305042" cy="461665"/>
+          </a:xfrm>
+          <a:prstGeom prst="rect">
+            <a:avLst/>
+          </a:prstGeom>
+          <a:noFill/>
+        </p:spPr>
+        <p:txBody>
+          <a:bodyPr wrap="none" rtlCol="0">
+            <a:spAutoFit/>
+          </a:bodyPr>
+          <a:lstStyle/>
+          <a:p>
+            <a:r>
+              <a:rPr lang="en-US" sz="2400" dirty="0">
+                <a:latin typeface="Chalkduster" panose="03050602040202020205" pitchFamily="66" charset="77"/>
+              </a:rPr>
+              <a:t>large temporal/spatial scales</a:t>
+            </a:r>
+          </a:p>
+        </p:txBody>
+      </p:sp>
+      <p:sp>
+        <p:nvSpPr>
+          <p:cNvPr id="11" name="TextBox 10">
+            <a:extLst>
+              <a:ext uri="{FF2B5EF4-FFF2-40B4-BE49-F238E27FC236}">
+                <a16:creationId xmlns:a16="http://schemas.microsoft.com/office/drawing/2014/main" id="{684434C9-C94B-5EC4-9C32-6349AA653495}"/>
+              </a:ext>
+            </a:extLst>
+          </p:cNvPr>
+          <p:cNvSpPr txBox="1"/>
+          <p:nvPr/>
+        </p:nvSpPr>
+        <p:spPr>
+          <a:xfrm>
+            <a:off x="610404" y="1950782"/>
+            <a:ext cx="2384435" cy="461665"/>
+          </a:xfrm>
+          <a:prstGeom prst="rect">
+            <a:avLst/>
+          </a:prstGeom>
+          <a:noFill/>
+        </p:spPr>
+        <p:txBody>
+          <a:bodyPr wrap="none" rtlCol="0">
+            <a:spAutoFit/>
+          </a:bodyPr>
+          <a:lstStyle/>
+          <a:p>
+            <a:r>
+              <a:rPr lang="en-US" sz="2400" dirty="0">
+                <a:latin typeface="Chalkduster" panose="03050602040202020205" pitchFamily="66" charset="77"/>
+              </a:rPr>
+              <a:t>stochasticity</a:t>
             </a:r>
           </a:p>
         </p:txBody>
@@ -47631,7 +47799,7 @@
     </p:spTree>
     <p:extLst>
       <p:ext uri="{BB962C8B-B14F-4D97-AF65-F5344CB8AC3E}">
-        <p14:creationId xmlns:p14="http://schemas.microsoft.com/office/powerpoint/2010/main" val="3219137459"/>
+        <p14:creationId xmlns:p14="http://schemas.microsoft.com/office/powerpoint/2010/main" val="1017247004"/>
       </p:ext>
     </p:extLst>
   </p:cSld>
@@ -47721,7 +47889,7 @@
           <a:p>
             <a:r>
               <a:rPr lang="en-US" dirty="0"/>
-              <a:t>Use case: null models</a:t>
+              <a:t>Use case: hypothesis exploration</a:t>
             </a:r>
           </a:p>
         </p:txBody>
@@ -47741,7 +47909,7 @@
         <p:spPr>
           <a:xfrm>
             <a:off x="1286265" y="2110085"/>
-            <a:ext cx="7187802" cy="830997"/>
+            <a:ext cx="6259149" cy="461665"/>
           </a:xfrm>
           <a:prstGeom prst="rect">
             <a:avLst/>
@@ -47758,16 +47926,7 @@
               <a:rPr lang="en-US" sz="2400" dirty="0">
                 <a:latin typeface="Chalkduster" panose="03050602040202020205" pitchFamily="66" charset="77"/>
               </a:rPr>
-              <a:t>How would I expect my system to look,</a:t>
-            </a:r>
-          </a:p>
-          <a:p>
-            <a:pPr algn="ctr"/>
-            <a:r>
-              <a:rPr lang="en-US" sz="2400" dirty="0">
-                <a:latin typeface="Chalkduster" panose="03050602040202020205" pitchFamily="66" charset="77"/>
-              </a:rPr>
-              <a:t>at random?</a:t>
+              <a:t>How would I expect X to affect Y?</a:t>
             </a:r>
           </a:p>
         </p:txBody>
@@ -47775,7 +47934,7 @@
     </p:spTree>
     <p:extLst>
       <p:ext uri="{BB962C8B-B14F-4D97-AF65-F5344CB8AC3E}">
-        <p14:creationId xmlns:p14="http://schemas.microsoft.com/office/powerpoint/2010/main" val="1177862690"/>
+        <p14:creationId xmlns:p14="http://schemas.microsoft.com/office/powerpoint/2010/main" val="3219137459"/>
       </p:ext>
     </p:extLst>
   </p:cSld>

--- a/slides/day1_slides.pptx
+++ b/slides/day1_slides.pptx
@@ -5,7 +5,7 @@
     <p:sldMasterId id="2147483648" r:id="rId1"/>
   </p:sldMasterIdLst>
   <p:notesMasterIdLst>
-    <p:notesMasterId r:id="rId79"/>
+    <p:notesMasterId r:id="rId80"/>
   </p:notesMasterIdLst>
   <p:sldIdLst>
     <p:sldId id="256" r:id="rId2"/>
@@ -85,6 +85,7 @@
     <p:sldId id="359" r:id="rId76"/>
     <p:sldId id="360" r:id="rId77"/>
     <p:sldId id="361" r:id="rId78"/>
+    <p:sldId id="378" r:id="rId79"/>
   </p:sldIdLst>
   <p:sldSz cx="9144000" cy="5143500" type="screen16x9"/>
   <p:notesSz cx="6858000" cy="9144000"/>
@@ -284,7 +285,7 @@
           <a:p>
             <a:fld id="{AD83FA78-DD4F-EC49-A182-670E744C8689}" type="datetimeFigureOut">
               <a:rPr lang="en-US" smtClean="0"/>
-              <a:t>6/16/23</a:t>
+              <a:t>7/18/23</a:t>
             </a:fld>
             <a:endParaRPr lang="en-US"/>
           </a:p>
@@ -2749,7 +2750,7 @@
           <a:p>
             <a:fld id="{241EB5C9-1307-BA42-ABA2-0BC069CD8E7F}" type="datetimeFigureOut">
               <a:rPr lang="en-US" smtClean="0"/>
-              <a:t>6/16/23</a:t>
+              <a:t>7/18/23</a:t>
             </a:fld>
             <a:endParaRPr lang="en-US"/>
           </a:p>
@@ -2917,7 +2918,7 @@
           <a:p>
             <a:fld id="{241EB5C9-1307-BA42-ABA2-0BC069CD8E7F}" type="datetimeFigureOut">
               <a:rPr lang="en-US" smtClean="0"/>
-              <a:t>6/16/23</a:t>
+              <a:t>7/18/23</a:t>
             </a:fld>
             <a:endParaRPr lang="en-US"/>
           </a:p>
@@ -3095,7 +3096,7 @@
           <a:p>
             <a:fld id="{241EB5C9-1307-BA42-ABA2-0BC069CD8E7F}" type="datetimeFigureOut">
               <a:rPr lang="en-US" smtClean="0"/>
-              <a:t>6/16/23</a:t>
+              <a:t>7/18/23</a:t>
             </a:fld>
             <a:endParaRPr lang="en-US"/>
           </a:p>
@@ -3263,7 +3264,7 @@
           <a:p>
             <a:fld id="{241EB5C9-1307-BA42-ABA2-0BC069CD8E7F}" type="datetimeFigureOut">
               <a:rPr lang="en-US" smtClean="0"/>
-              <a:t>6/16/23</a:t>
+              <a:t>7/18/23</a:t>
             </a:fld>
             <a:endParaRPr lang="en-US"/>
           </a:p>
@@ -3508,7 +3509,7 @@
           <a:p>
             <a:fld id="{241EB5C9-1307-BA42-ABA2-0BC069CD8E7F}" type="datetimeFigureOut">
               <a:rPr lang="en-US" smtClean="0"/>
-              <a:t>6/16/23</a:t>
+              <a:t>7/18/23</a:t>
             </a:fld>
             <a:endParaRPr lang="en-US"/>
           </a:p>
@@ -3793,7 +3794,7 @@
           <a:p>
             <a:fld id="{241EB5C9-1307-BA42-ABA2-0BC069CD8E7F}" type="datetimeFigureOut">
               <a:rPr lang="en-US" smtClean="0"/>
-              <a:t>6/16/23</a:t>
+              <a:t>7/18/23</a:t>
             </a:fld>
             <a:endParaRPr lang="en-US"/>
           </a:p>
@@ -4212,7 +4213,7 @@
           <a:p>
             <a:fld id="{241EB5C9-1307-BA42-ABA2-0BC069CD8E7F}" type="datetimeFigureOut">
               <a:rPr lang="en-US" smtClean="0"/>
-              <a:t>6/16/23</a:t>
+              <a:t>7/18/23</a:t>
             </a:fld>
             <a:endParaRPr lang="en-US"/>
           </a:p>
@@ -4329,7 +4330,7 @@
           <a:p>
             <a:fld id="{241EB5C9-1307-BA42-ABA2-0BC069CD8E7F}" type="datetimeFigureOut">
               <a:rPr lang="en-US" smtClean="0"/>
-              <a:t>6/16/23</a:t>
+              <a:t>7/18/23</a:t>
             </a:fld>
             <a:endParaRPr lang="en-US"/>
           </a:p>
@@ -4424,7 +4425,7 @@
           <a:p>
             <a:fld id="{241EB5C9-1307-BA42-ABA2-0BC069CD8E7F}" type="datetimeFigureOut">
               <a:rPr lang="en-US" smtClean="0"/>
-              <a:t>6/16/23</a:t>
+              <a:t>7/18/23</a:t>
             </a:fld>
             <a:endParaRPr lang="en-US"/>
           </a:p>
@@ -4699,7 +4700,7 @@
           <a:p>
             <a:fld id="{241EB5C9-1307-BA42-ABA2-0BC069CD8E7F}" type="datetimeFigureOut">
               <a:rPr lang="en-US" smtClean="0"/>
-              <a:t>6/16/23</a:t>
+              <a:t>7/18/23</a:t>
             </a:fld>
             <a:endParaRPr lang="en-US"/>
           </a:p>
@@ -4951,7 +4952,7 @@
           <a:p>
             <a:fld id="{241EB5C9-1307-BA42-ABA2-0BC069CD8E7F}" type="datetimeFigureOut">
               <a:rPr lang="en-US" smtClean="0"/>
-              <a:t>6/16/23</a:t>
+              <a:t>7/18/23</a:t>
             </a:fld>
             <a:endParaRPr lang="en-US"/>
           </a:p>
@@ -5162,7 +5163,7 @@
           <a:p>
             <a:fld id="{241EB5C9-1307-BA42-ABA2-0BC069CD8E7F}" type="datetimeFigureOut">
               <a:rPr lang="en-US" smtClean="0"/>
-              <a:t>6/16/23</a:t>
+              <a:t>7/18/23</a:t>
             </a:fld>
             <a:endParaRPr lang="en-US"/>
           </a:p>
@@ -47480,6 +47481,509 @@
     <p:extLst>
       <p:ext uri="{BB962C8B-B14F-4D97-AF65-F5344CB8AC3E}">
         <p14:creationId xmlns:p14="http://schemas.microsoft.com/office/powerpoint/2010/main" val="3116212724"/>
+      </p:ext>
+    </p:extLst>
+  </p:cSld>
+  <p:clrMapOvr>
+    <a:masterClrMapping/>
+  </p:clrMapOvr>
+</p:sld>
+</file>
+
+<file path=ppt/slides/slide78.xml><?xml version="1.0" encoding="utf-8"?>
+<p:sld xmlns:a="http://schemas.openxmlformats.org/drawingml/2006/main" xmlns:r="http://schemas.openxmlformats.org/officeDocument/2006/relationships" xmlns:p="http://schemas.openxmlformats.org/presentationml/2006/main">
+  <p:cSld>
+    <p:spTree>
+      <p:nvGrpSpPr>
+        <p:cNvPr id="1" name=""/>
+        <p:cNvGrpSpPr/>
+        <p:nvPr/>
+      </p:nvGrpSpPr>
+      <p:grpSpPr>
+        <a:xfrm>
+          <a:off x="0" y="0"/>
+          <a:ext cx="0" cy="0"/>
+          <a:chOff x="0" y="0"/>
+          <a:chExt cx="0" cy="0"/>
+        </a:xfrm>
+      </p:grpSpPr>
+      <p:sp>
+        <p:nvSpPr>
+          <p:cNvPr id="2" name="Title 1">
+            <a:extLst>
+              <a:ext uri="{FF2B5EF4-FFF2-40B4-BE49-F238E27FC236}">
+                <a16:creationId xmlns:a16="http://schemas.microsoft.com/office/drawing/2014/main" id="{4C86968C-27A2-2442-FA32-8D9E4EAFC1EE}"/>
+              </a:ext>
+            </a:extLst>
+          </p:cNvPr>
+          <p:cNvSpPr>
+            <a:spLocks noGrp="1"/>
+          </p:cNvSpPr>
+          <p:nvPr>
+            <p:ph type="title"/>
+          </p:nvPr>
+        </p:nvSpPr>
+        <p:spPr>
+          <a:xfrm>
+            <a:off x="457200" y="287488"/>
+            <a:ext cx="8229600" cy="857250"/>
+          </a:xfrm>
+        </p:spPr>
+        <p:txBody>
+          <a:bodyPr>
+            <a:normAutofit/>
+          </a:bodyPr>
+          <a:lstStyle/>
+          <a:p>
+            <a:r>
+              <a:rPr lang="en-US" sz="1800" dirty="0"/>
+              <a:t>Course websites</a:t>
+            </a:r>
+          </a:p>
+        </p:txBody>
+      </p:sp>
+      <p:sp>
+        <p:nvSpPr>
+          <p:cNvPr id="3" name="Content Placeholder 2">
+            <a:extLst>
+              <a:ext uri="{FF2B5EF4-FFF2-40B4-BE49-F238E27FC236}">
+                <a16:creationId xmlns:a16="http://schemas.microsoft.com/office/drawing/2014/main" id="{F5B2F8F2-A4B2-AD3C-1E04-94E0E3EF2677}"/>
+              </a:ext>
+            </a:extLst>
+          </p:cNvPr>
+          <p:cNvSpPr>
+            <a:spLocks noGrp="1"/>
+          </p:cNvSpPr>
+          <p:nvPr>
+            <p:ph idx="1"/>
+          </p:nvPr>
+        </p:nvSpPr>
+        <p:spPr>
+          <a:xfrm>
+            <a:off x="457200" y="900880"/>
+            <a:ext cx="8229600" cy="857250"/>
+          </a:xfrm>
+        </p:spPr>
+        <p:txBody>
+          <a:bodyPr>
+            <a:normAutofit/>
+          </a:bodyPr>
+          <a:lstStyle/>
+          <a:p>
+            <a:pPr marL="0" indent="0">
+              <a:buNone/>
+            </a:pPr>
+            <a:r>
+              <a:rPr lang="en-US" sz="1800" dirty="0"/>
+              <a:t>Days 1-2: </a:t>
+            </a:r>
+            <a:r>
+              <a:rPr lang="en-US" sz="1800" dirty="0">
+                <a:hlinkClick r:id="rId2"/>
+              </a:rPr>
+              <a:t>https://role-model.github.io/multidim-biodiv-data/</a:t>
+            </a:r>
+            <a:r>
+              <a:rPr lang="en-US" sz="1800" dirty="0"/>
+              <a:t> </a:t>
+            </a:r>
+          </a:p>
+          <a:p>
+            <a:pPr marL="0" indent="0">
+              <a:buNone/>
+            </a:pPr>
+            <a:r>
+              <a:rPr lang="en-US" sz="1800" dirty="0"/>
+              <a:t>Days 3-4 (this workshop): </a:t>
+            </a:r>
+            <a:r>
+              <a:rPr lang="en-US" sz="1800" dirty="0">
+                <a:hlinkClick r:id="rId3"/>
+              </a:rPr>
+              <a:t>https://role-model.github.io/process-models-workshop</a:t>
+            </a:r>
+            <a:endParaRPr lang="en-US" sz="1800" dirty="0"/>
+          </a:p>
+          <a:p>
+            <a:pPr marL="0" indent="0">
+              <a:buNone/>
+            </a:pPr>
+            <a:endParaRPr lang="en-US" sz="1800" dirty="0"/>
+          </a:p>
+        </p:txBody>
+      </p:sp>
+      <p:sp>
+        <p:nvSpPr>
+          <p:cNvPr id="5" name="Content Placeholder 2">
+            <a:extLst>
+              <a:ext uri="{FF2B5EF4-FFF2-40B4-BE49-F238E27FC236}">
+                <a16:creationId xmlns:a16="http://schemas.microsoft.com/office/drawing/2014/main" id="{E5394655-EAF9-9CEB-B1B3-0575470F3290}"/>
+              </a:ext>
+            </a:extLst>
+          </p:cNvPr>
+          <p:cNvSpPr txBox="1">
+            <a:spLocks/>
+          </p:cNvSpPr>
+          <p:nvPr/>
+        </p:nvSpPr>
+        <p:spPr>
+          <a:xfrm>
+            <a:off x="457200" y="2371522"/>
+            <a:ext cx="8229600" cy="857250"/>
+          </a:xfrm>
+          <a:prstGeom prst="rect">
+            <a:avLst/>
+          </a:prstGeom>
+        </p:spPr>
+        <p:txBody>
+          <a:bodyPr vert="horz" lIns="91440" tIns="45720" rIns="91440" bIns="45720" rtlCol="0">
+            <a:normAutofit/>
+          </a:bodyPr>
+          <a:lstStyle>
+            <a:lvl1pPr marL="342900" indent="-342900" algn="l" defTabSz="342900" rtl="0" eaLnBrk="1" latinLnBrk="0" hangingPunct="1">
+              <a:spcBef>
+                <a:spcPct val="20000"/>
+              </a:spcBef>
+              <a:buFont typeface="Arial"/>
+              <a:buChar char="•"/>
+              <a:defRPr sz="2400" kern="1200">
+                <a:solidFill>
+                  <a:schemeClr val="tx1"/>
+                </a:solidFill>
+                <a:latin typeface="+mn-lt"/>
+                <a:ea typeface="+mn-ea"/>
+                <a:cs typeface="+mn-cs"/>
+              </a:defRPr>
+            </a:lvl1pPr>
+            <a:lvl2pPr marL="685800" indent="-342900" algn="l" defTabSz="342900" rtl="0" eaLnBrk="1" latinLnBrk="0" hangingPunct="1">
+              <a:spcBef>
+                <a:spcPct val="20000"/>
+              </a:spcBef>
+              <a:buFont typeface="Arial"/>
+              <a:buChar char="–"/>
+              <a:defRPr sz="2100" kern="1200">
+                <a:solidFill>
+                  <a:schemeClr val="tx1"/>
+                </a:solidFill>
+                <a:latin typeface="+mn-lt"/>
+                <a:ea typeface="+mn-ea"/>
+                <a:cs typeface="+mn-cs"/>
+              </a:defRPr>
+            </a:lvl2pPr>
+            <a:lvl3pPr marL="1028700" indent="-342900" algn="l" defTabSz="342900" rtl="0" eaLnBrk="1" latinLnBrk="0" hangingPunct="1">
+              <a:spcBef>
+                <a:spcPct val="20000"/>
+              </a:spcBef>
+              <a:buFont typeface="Arial"/>
+              <a:buChar char="•"/>
+              <a:defRPr sz="1800" kern="1200">
+                <a:solidFill>
+                  <a:schemeClr val="tx1"/>
+                </a:solidFill>
+                <a:latin typeface="+mn-lt"/>
+                <a:ea typeface="+mn-ea"/>
+                <a:cs typeface="+mn-cs"/>
+              </a:defRPr>
+            </a:lvl3pPr>
+            <a:lvl4pPr marL="1371600" indent="-342900" algn="l" defTabSz="342900" rtl="0" eaLnBrk="1" latinLnBrk="0" hangingPunct="1">
+              <a:spcBef>
+                <a:spcPct val="20000"/>
+              </a:spcBef>
+              <a:buFont typeface="Arial"/>
+              <a:buChar char="–"/>
+              <a:defRPr sz="1500" kern="1200">
+                <a:solidFill>
+                  <a:schemeClr val="tx1"/>
+                </a:solidFill>
+                <a:latin typeface="+mn-lt"/>
+                <a:ea typeface="+mn-ea"/>
+                <a:cs typeface="+mn-cs"/>
+              </a:defRPr>
+            </a:lvl4pPr>
+            <a:lvl5pPr marL="1714500" indent="-342900" algn="l" defTabSz="342900" rtl="0" eaLnBrk="1" latinLnBrk="0" hangingPunct="1">
+              <a:spcBef>
+                <a:spcPct val="20000"/>
+              </a:spcBef>
+              <a:buFont typeface="Arial"/>
+              <a:buChar char="»"/>
+              <a:defRPr sz="1500" kern="1200">
+                <a:solidFill>
+                  <a:schemeClr val="tx1"/>
+                </a:solidFill>
+                <a:latin typeface="+mn-lt"/>
+                <a:ea typeface="+mn-ea"/>
+                <a:cs typeface="+mn-cs"/>
+              </a:defRPr>
+            </a:lvl5pPr>
+            <a:lvl6pPr marL="2057400" indent="-342900" algn="l" defTabSz="342900" rtl="0" eaLnBrk="1" latinLnBrk="0" hangingPunct="1">
+              <a:spcBef>
+                <a:spcPct val="20000"/>
+              </a:spcBef>
+              <a:buFont typeface="Arial"/>
+              <a:buChar char="•"/>
+              <a:defRPr sz="1500" kern="1200">
+                <a:solidFill>
+                  <a:schemeClr val="tx1"/>
+                </a:solidFill>
+                <a:latin typeface="+mn-lt"/>
+                <a:ea typeface="+mn-ea"/>
+                <a:cs typeface="+mn-cs"/>
+              </a:defRPr>
+            </a:lvl6pPr>
+            <a:lvl7pPr marL="2400300" indent="-342900" algn="l" defTabSz="342900" rtl="0" eaLnBrk="1" latinLnBrk="0" hangingPunct="1">
+              <a:spcBef>
+                <a:spcPct val="20000"/>
+              </a:spcBef>
+              <a:buFont typeface="Arial"/>
+              <a:buChar char="•"/>
+              <a:defRPr sz="1500" kern="1200">
+                <a:solidFill>
+                  <a:schemeClr val="tx1"/>
+                </a:solidFill>
+                <a:latin typeface="+mn-lt"/>
+                <a:ea typeface="+mn-ea"/>
+                <a:cs typeface="+mn-cs"/>
+              </a:defRPr>
+            </a:lvl7pPr>
+            <a:lvl8pPr marL="2743200" indent="-342900" algn="l" defTabSz="342900" rtl="0" eaLnBrk="1" latinLnBrk="0" hangingPunct="1">
+              <a:spcBef>
+                <a:spcPct val="20000"/>
+              </a:spcBef>
+              <a:buFont typeface="Arial"/>
+              <a:buChar char="•"/>
+              <a:defRPr sz="1500" kern="1200">
+                <a:solidFill>
+                  <a:schemeClr val="tx1"/>
+                </a:solidFill>
+                <a:latin typeface="+mn-lt"/>
+                <a:ea typeface="+mn-ea"/>
+                <a:cs typeface="+mn-cs"/>
+              </a:defRPr>
+            </a:lvl8pPr>
+            <a:lvl9pPr marL="3086100" indent="-342900" algn="l" defTabSz="342900" rtl="0" eaLnBrk="1" latinLnBrk="0" hangingPunct="1">
+              <a:spcBef>
+                <a:spcPct val="20000"/>
+              </a:spcBef>
+              <a:buFont typeface="Arial"/>
+              <a:buChar char="•"/>
+              <a:defRPr sz="1500" kern="1200">
+                <a:solidFill>
+                  <a:schemeClr val="tx1"/>
+                </a:solidFill>
+                <a:latin typeface="+mn-lt"/>
+                <a:ea typeface="+mn-ea"/>
+                <a:cs typeface="+mn-cs"/>
+              </a:defRPr>
+            </a:lvl9pPr>
+          </a:lstStyle>
+          <a:p>
+            <a:pPr marL="0" indent="0">
+              <a:buFont typeface="Arial"/>
+              <a:buNone/>
+            </a:pPr>
+            <a:r>
+              <a:rPr lang="en-US" sz="1800" dirty="0"/>
+              <a:t>Materials developed by Renata Diaz, Isaac Overcast, Andy Rominger, Connor French, Jacob Idec, and </a:t>
+            </a:r>
+            <a:r>
+              <a:rPr lang="en-US" sz="1800" dirty="0" err="1"/>
+              <a:t>Rilquer</a:t>
+            </a:r>
+            <a:r>
+              <a:rPr lang="en-US" sz="1800" dirty="0"/>
+              <a:t> </a:t>
+            </a:r>
+            <a:r>
+              <a:rPr lang="en-US" sz="1800" dirty="0" err="1"/>
+              <a:t>Mascarenhas</a:t>
+            </a:r>
+            <a:r>
+              <a:rPr lang="en-US" sz="1800" dirty="0"/>
+              <a:t>. Lectures recorded by Renata Diaz. </a:t>
+            </a:r>
+          </a:p>
+        </p:txBody>
+      </p:sp>
+      <p:sp>
+        <p:nvSpPr>
+          <p:cNvPr id="6" name="Content Placeholder 2">
+            <a:extLst>
+              <a:ext uri="{FF2B5EF4-FFF2-40B4-BE49-F238E27FC236}">
+                <a16:creationId xmlns:a16="http://schemas.microsoft.com/office/drawing/2014/main" id="{3A1279E2-A7A8-FB07-7690-86239EE32587}"/>
+              </a:ext>
+            </a:extLst>
+          </p:cNvPr>
+          <p:cNvSpPr txBox="1">
+            <a:spLocks/>
+          </p:cNvSpPr>
+          <p:nvPr/>
+        </p:nvSpPr>
+        <p:spPr>
+          <a:xfrm>
+            <a:off x="457200" y="3633194"/>
+            <a:ext cx="8229600" cy="857250"/>
+          </a:xfrm>
+          <a:prstGeom prst="rect">
+            <a:avLst/>
+          </a:prstGeom>
+        </p:spPr>
+        <p:txBody>
+          <a:bodyPr vert="horz" lIns="91440" tIns="45720" rIns="91440" bIns="45720" rtlCol="0">
+            <a:normAutofit/>
+          </a:bodyPr>
+          <a:lstStyle>
+            <a:lvl1pPr marL="342900" indent="-342900" algn="l" defTabSz="342900" rtl="0" eaLnBrk="1" latinLnBrk="0" hangingPunct="1">
+              <a:spcBef>
+                <a:spcPct val="20000"/>
+              </a:spcBef>
+              <a:buFont typeface="Arial"/>
+              <a:buChar char="•"/>
+              <a:defRPr sz="2400" kern="1200">
+                <a:solidFill>
+                  <a:schemeClr val="tx1"/>
+                </a:solidFill>
+                <a:latin typeface="+mn-lt"/>
+                <a:ea typeface="+mn-ea"/>
+                <a:cs typeface="+mn-cs"/>
+              </a:defRPr>
+            </a:lvl1pPr>
+            <a:lvl2pPr marL="685800" indent="-342900" algn="l" defTabSz="342900" rtl="0" eaLnBrk="1" latinLnBrk="0" hangingPunct="1">
+              <a:spcBef>
+                <a:spcPct val="20000"/>
+              </a:spcBef>
+              <a:buFont typeface="Arial"/>
+              <a:buChar char="–"/>
+              <a:defRPr sz="2100" kern="1200">
+                <a:solidFill>
+                  <a:schemeClr val="tx1"/>
+                </a:solidFill>
+                <a:latin typeface="+mn-lt"/>
+                <a:ea typeface="+mn-ea"/>
+                <a:cs typeface="+mn-cs"/>
+              </a:defRPr>
+            </a:lvl2pPr>
+            <a:lvl3pPr marL="1028700" indent="-342900" algn="l" defTabSz="342900" rtl="0" eaLnBrk="1" latinLnBrk="0" hangingPunct="1">
+              <a:spcBef>
+                <a:spcPct val="20000"/>
+              </a:spcBef>
+              <a:buFont typeface="Arial"/>
+              <a:buChar char="•"/>
+              <a:defRPr sz="1800" kern="1200">
+                <a:solidFill>
+                  <a:schemeClr val="tx1"/>
+                </a:solidFill>
+                <a:latin typeface="+mn-lt"/>
+                <a:ea typeface="+mn-ea"/>
+                <a:cs typeface="+mn-cs"/>
+              </a:defRPr>
+            </a:lvl3pPr>
+            <a:lvl4pPr marL="1371600" indent="-342900" algn="l" defTabSz="342900" rtl="0" eaLnBrk="1" latinLnBrk="0" hangingPunct="1">
+              <a:spcBef>
+                <a:spcPct val="20000"/>
+              </a:spcBef>
+              <a:buFont typeface="Arial"/>
+              <a:buChar char="–"/>
+              <a:defRPr sz="1500" kern="1200">
+                <a:solidFill>
+                  <a:schemeClr val="tx1"/>
+                </a:solidFill>
+                <a:latin typeface="+mn-lt"/>
+                <a:ea typeface="+mn-ea"/>
+                <a:cs typeface="+mn-cs"/>
+              </a:defRPr>
+            </a:lvl4pPr>
+            <a:lvl5pPr marL="1714500" indent="-342900" algn="l" defTabSz="342900" rtl="0" eaLnBrk="1" latinLnBrk="0" hangingPunct="1">
+              <a:spcBef>
+                <a:spcPct val="20000"/>
+              </a:spcBef>
+              <a:buFont typeface="Arial"/>
+              <a:buChar char="»"/>
+              <a:defRPr sz="1500" kern="1200">
+                <a:solidFill>
+                  <a:schemeClr val="tx1"/>
+                </a:solidFill>
+                <a:latin typeface="+mn-lt"/>
+                <a:ea typeface="+mn-ea"/>
+                <a:cs typeface="+mn-cs"/>
+              </a:defRPr>
+            </a:lvl5pPr>
+            <a:lvl6pPr marL="2057400" indent="-342900" algn="l" defTabSz="342900" rtl="0" eaLnBrk="1" latinLnBrk="0" hangingPunct="1">
+              <a:spcBef>
+                <a:spcPct val="20000"/>
+              </a:spcBef>
+              <a:buFont typeface="Arial"/>
+              <a:buChar char="•"/>
+              <a:defRPr sz="1500" kern="1200">
+                <a:solidFill>
+                  <a:schemeClr val="tx1"/>
+                </a:solidFill>
+                <a:latin typeface="+mn-lt"/>
+                <a:ea typeface="+mn-ea"/>
+                <a:cs typeface="+mn-cs"/>
+              </a:defRPr>
+            </a:lvl6pPr>
+            <a:lvl7pPr marL="2400300" indent="-342900" algn="l" defTabSz="342900" rtl="0" eaLnBrk="1" latinLnBrk="0" hangingPunct="1">
+              <a:spcBef>
+                <a:spcPct val="20000"/>
+              </a:spcBef>
+              <a:buFont typeface="Arial"/>
+              <a:buChar char="•"/>
+              <a:defRPr sz="1500" kern="1200">
+                <a:solidFill>
+                  <a:schemeClr val="tx1"/>
+                </a:solidFill>
+                <a:latin typeface="+mn-lt"/>
+                <a:ea typeface="+mn-ea"/>
+                <a:cs typeface="+mn-cs"/>
+              </a:defRPr>
+            </a:lvl7pPr>
+            <a:lvl8pPr marL="2743200" indent="-342900" algn="l" defTabSz="342900" rtl="0" eaLnBrk="1" latinLnBrk="0" hangingPunct="1">
+              <a:spcBef>
+                <a:spcPct val="20000"/>
+              </a:spcBef>
+              <a:buFont typeface="Arial"/>
+              <a:buChar char="•"/>
+              <a:defRPr sz="1500" kern="1200">
+                <a:solidFill>
+                  <a:schemeClr val="tx1"/>
+                </a:solidFill>
+                <a:latin typeface="+mn-lt"/>
+                <a:ea typeface="+mn-ea"/>
+                <a:cs typeface="+mn-cs"/>
+              </a:defRPr>
+            </a:lvl8pPr>
+            <a:lvl9pPr marL="3086100" indent="-342900" algn="l" defTabSz="342900" rtl="0" eaLnBrk="1" latinLnBrk="0" hangingPunct="1">
+              <a:spcBef>
+                <a:spcPct val="20000"/>
+              </a:spcBef>
+              <a:buFont typeface="Arial"/>
+              <a:buChar char="•"/>
+              <a:defRPr sz="1500" kern="1200">
+                <a:solidFill>
+                  <a:schemeClr val="tx1"/>
+                </a:solidFill>
+                <a:latin typeface="+mn-lt"/>
+                <a:ea typeface="+mn-ea"/>
+                <a:cs typeface="+mn-cs"/>
+              </a:defRPr>
+            </a:lvl9pPr>
+          </a:lstStyle>
+          <a:p>
+            <a:pPr marL="0" indent="0">
+              <a:buFont typeface="Arial"/>
+              <a:buNone/>
+            </a:pPr>
+            <a:r>
+              <a:rPr lang="en-US" sz="1800" dirty="0"/>
+              <a:t>The development of these materials was supported by NSF awards DBI-2208901 to Renata Diaz and DBI-2104147 to the other authors.</a:t>
+            </a:r>
+          </a:p>
+        </p:txBody>
+      </p:sp>
+    </p:spTree>
+    <p:extLst>
+      <p:ext uri="{BB962C8B-B14F-4D97-AF65-F5344CB8AC3E}">
+        <p14:creationId xmlns:p14="http://schemas.microsoft.com/office/powerpoint/2010/main" val="2751228423"/>
       </p:ext>
     </p:extLst>
   </p:cSld>
